--- a/English/7.Power BI Services/1.Deploy Report.pptx
+++ b/English/7.Power BI Services/1.Deploy Report.pptx
@@ -28,7 +28,7 @@
   <p:notesSz cx="6858000" cy="9144000"/>
   <p:defaultTextStyle>
     <a:defPPr>
-      <a:defRPr lang="en-US"/>
+      <a:defRPr lang="en"/>
     </a:defPPr>
     <a:lvl1pPr marL="0" algn="l" defTabSz="914400" rtl="0" eaLnBrk="1" latinLnBrk="0" hangingPunct="1">
       <a:defRPr sz="1800" kern="1200">
@@ -211,7 +211,7 @@
           <a:p>
             <a:fld id="{056BA3B8-9F76-4D81-B71D-76CB85363062}" type="datetimeFigureOut">
               <a:rPr lang="en-US" smtClean="0"/>
-              <a:t>1/6/2025</a:t>
+              <a:t>2/27/2025</a:t>
             </a:fld>
             <a:endParaRPr lang="en-US"/>
           </a:p>
@@ -1450,7 +1450,7 @@
           <a:p>
             <a:fld id="{6F01DA4D-20EA-48D2-973C-0311EC3005D6}" type="datetimeFigureOut">
               <a:rPr lang="en-US" smtClean="0"/>
-              <a:t>1/6/2025</a:t>
+              <a:t>2/27/2025</a:t>
             </a:fld>
             <a:endParaRPr lang="en-US"/>
           </a:p>
@@ -1620,7 +1620,7 @@
           <a:p>
             <a:fld id="{6F01DA4D-20EA-48D2-973C-0311EC3005D6}" type="datetimeFigureOut">
               <a:rPr lang="en-US" smtClean="0"/>
-              <a:t>1/6/2025</a:t>
+              <a:t>2/27/2025</a:t>
             </a:fld>
             <a:endParaRPr lang="en-US"/>
           </a:p>
@@ -1800,7 +1800,7 @@
           <a:p>
             <a:fld id="{6F01DA4D-20EA-48D2-973C-0311EC3005D6}" type="datetimeFigureOut">
               <a:rPr lang="en-US" smtClean="0"/>
-              <a:t>1/6/2025</a:t>
+              <a:t>2/27/2025</a:t>
             </a:fld>
             <a:endParaRPr lang="en-US"/>
           </a:p>
@@ -1970,7 +1970,7 @@
           <a:p>
             <a:fld id="{6F01DA4D-20EA-48D2-973C-0311EC3005D6}" type="datetimeFigureOut">
               <a:rPr lang="en-US" smtClean="0"/>
-              <a:t>1/6/2025</a:t>
+              <a:t>2/27/2025</a:t>
             </a:fld>
             <a:endParaRPr lang="en-US"/>
           </a:p>
@@ -2216,7 +2216,7 @@
           <a:p>
             <a:fld id="{6F01DA4D-20EA-48D2-973C-0311EC3005D6}" type="datetimeFigureOut">
               <a:rPr lang="en-US" smtClean="0"/>
-              <a:t>1/6/2025</a:t>
+              <a:t>2/27/2025</a:t>
             </a:fld>
             <a:endParaRPr lang="en-US"/>
           </a:p>
@@ -2448,7 +2448,7 @@
           <a:p>
             <a:fld id="{6F01DA4D-20EA-48D2-973C-0311EC3005D6}" type="datetimeFigureOut">
               <a:rPr lang="en-US" smtClean="0"/>
-              <a:t>1/6/2025</a:t>
+              <a:t>2/27/2025</a:t>
             </a:fld>
             <a:endParaRPr lang="en-US"/>
           </a:p>
@@ -2815,7 +2815,7 @@
           <a:p>
             <a:fld id="{6F01DA4D-20EA-48D2-973C-0311EC3005D6}" type="datetimeFigureOut">
               <a:rPr lang="en-US" smtClean="0"/>
-              <a:t>1/6/2025</a:t>
+              <a:t>2/27/2025</a:t>
             </a:fld>
             <a:endParaRPr lang="en-US"/>
           </a:p>
@@ -2933,7 +2933,7 @@
           <a:p>
             <a:fld id="{6F01DA4D-20EA-48D2-973C-0311EC3005D6}" type="datetimeFigureOut">
               <a:rPr lang="en-US" smtClean="0"/>
-              <a:t>1/6/2025</a:t>
+              <a:t>2/27/2025</a:t>
             </a:fld>
             <a:endParaRPr lang="en-US"/>
           </a:p>
@@ -3028,7 +3028,7 @@
           <a:p>
             <a:fld id="{6F01DA4D-20EA-48D2-973C-0311EC3005D6}" type="datetimeFigureOut">
               <a:rPr lang="en-US" smtClean="0"/>
-              <a:t>1/6/2025</a:t>
+              <a:t>2/27/2025</a:t>
             </a:fld>
             <a:endParaRPr lang="en-US"/>
           </a:p>
@@ -3305,7 +3305,7 @@
           <a:p>
             <a:fld id="{6F01DA4D-20EA-48D2-973C-0311EC3005D6}" type="datetimeFigureOut">
               <a:rPr lang="en-US" smtClean="0"/>
-              <a:t>1/6/2025</a:t>
+              <a:t>2/27/2025</a:t>
             </a:fld>
             <a:endParaRPr lang="en-US"/>
           </a:p>
@@ -3558,7 +3558,7 @@
           <a:p>
             <a:fld id="{6F01DA4D-20EA-48D2-973C-0311EC3005D6}" type="datetimeFigureOut">
               <a:rPr lang="en-US" smtClean="0"/>
-              <a:t>1/6/2025</a:t>
+              <a:t>2/27/2025</a:t>
             </a:fld>
             <a:endParaRPr lang="en-US"/>
           </a:p>
@@ -3771,7 +3771,7 @@
           <a:p>
             <a:fld id="{6F01DA4D-20EA-48D2-973C-0311EC3005D6}" type="datetimeFigureOut">
               <a:rPr lang="en-US" smtClean="0"/>
-              <a:t>1/6/2025</a:t>
+              <a:t>2/27/2025</a:t>
             </a:fld>
             <a:endParaRPr lang="en-US"/>
           </a:p>
@@ -4192,8 +4192,8 @@
         </p:nvSpPr>
         <p:spPr>
           <a:xfrm>
-            <a:off x="2649251" y="2635317"/>
-            <a:ext cx="9199606" cy="1323439"/>
+            <a:off x="1322340" y="1934049"/>
+            <a:ext cx="9199606" cy="2554545"/>
           </a:xfrm>
           <a:prstGeom prst="rect">
             <a:avLst/>
@@ -4206,8 +4206,9 @@
           </a:bodyPr>
           <a:lstStyle/>
           <a:p>
-            <a:r>
-              <a:rPr lang="fr-FR" sz="8000" b="1" dirty="0" err="1" smtClean="0">
+            <a:pPr xmlns:a="http://schemas.openxmlformats.org/drawingml/2006/main" algn="ctr"/>
+            <a:r xmlns:a="http://schemas.openxmlformats.org/drawingml/2006/main">
+              <a:rPr lang="en" sz="8000" b="1" dirty="0" smtClean="0">
                 <a:solidFill>
                   <a:srgbClr val="7030A0"/>
                 </a:solidFill>
@@ -4215,20 +4216,9 @@
                 <a:ea typeface="Verdana" panose="020B0604030504040204" pitchFamily="34" charset="0"/>
                 <a:cs typeface="Segoe UI" panose="020B0502040204020203" pitchFamily="34" charset="0"/>
               </a:rPr>
-              <a:t>Deploy</a:t>
-            </a:r>
-            <a:r>
-              <a:rPr lang="fr-FR" sz="8000" b="1" dirty="0" smtClean="0">
-                <a:solidFill>
-                  <a:srgbClr val="7030A0"/>
-                </a:solidFill>
-                <a:latin typeface="Segoe UI" panose="020B0502040204020203" pitchFamily="34" charset="0"/>
-                <a:ea typeface="Verdana" panose="020B0604030504040204" pitchFamily="34" charset="0"/>
-                <a:cs typeface="Segoe UI" panose="020B0502040204020203" pitchFamily="34" charset="0"/>
-              </a:rPr>
-              <a:t> Report</a:t>
-            </a:r>
-            <a:endParaRPr lang="en-US" sz="8000" b="1" dirty="0">
+              <a:t>Deploy reports</a:t>
+            </a:r>
+            <a:endParaRPr xmlns:a="http://schemas.openxmlformats.org/drawingml/2006/main" lang="en-US" sz="8000" b="1" dirty="0">
               <a:solidFill>
                 <a:srgbClr val="7030A0"/>
               </a:solidFill>
@@ -4241,14 +4231,14 @@
       </p:sp>
       <p:sp>
         <p:nvSpPr>
-          <p:cNvPr id="5" name="TextBox 4"/>
+          <p:cNvPr id="4" name="TextBox 3"/>
           <p:cNvSpPr txBox="1"/>
           <p:nvPr/>
         </p:nvSpPr>
         <p:spPr>
           <a:xfrm>
-            <a:off x="2649251" y="2581461"/>
-            <a:ext cx="9199606" cy="1323439"/>
+            <a:off x="1322340" y="1852692"/>
+            <a:ext cx="9199606" cy="2554545"/>
           </a:xfrm>
           <a:prstGeom prst="rect">
             <a:avLst/>
@@ -4261,8 +4251,9 @@
           </a:bodyPr>
           <a:lstStyle/>
           <a:p>
-            <a:r>
-              <a:rPr lang="fr-FR" sz="8000" b="1" dirty="0" err="1" smtClean="0">
+            <a:pPr xmlns:a="http://schemas.openxmlformats.org/drawingml/2006/main" algn="ctr"/>
+            <a:r xmlns:a="http://schemas.openxmlformats.org/drawingml/2006/main">
+              <a:rPr lang="en" sz="8000" b="1" dirty="0" smtClean="0">
                 <a:solidFill>
                   <a:schemeClr val="bg1"/>
                 </a:solidFill>
@@ -4270,20 +4261,9 @@
                 <a:ea typeface="Verdana" panose="020B0604030504040204" pitchFamily="34" charset="0"/>
                 <a:cs typeface="Segoe UI" panose="020B0502040204020203" pitchFamily="34" charset="0"/>
               </a:rPr>
-              <a:t>Deploy</a:t>
-            </a:r>
-            <a:r>
-              <a:rPr lang="fr-FR" sz="8000" b="1" dirty="0" smtClean="0">
-                <a:solidFill>
-                  <a:schemeClr val="bg1"/>
-                </a:solidFill>
-                <a:latin typeface="Segoe UI" panose="020B0502040204020203" pitchFamily="34" charset="0"/>
-                <a:ea typeface="Verdana" panose="020B0604030504040204" pitchFamily="34" charset="0"/>
-                <a:cs typeface="Segoe UI" panose="020B0502040204020203" pitchFamily="34" charset="0"/>
-              </a:rPr>
-              <a:t> Report</a:t>
-            </a:r>
-            <a:endParaRPr lang="en-US" sz="8000" b="1" dirty="0">
+              <a:t>Deploy reports</a:t>
+            </a:r>
+            <a:endParaRPr xmlns:a="http://schemas.openxmlformats.org/drawingml/2006/main" lang="en-US" sz="8000" b="1" dirty="0">
               <a:solidFill>
                 <a:schemeClr val="bg1"/>
               </a:solidFill>
@@ -4333,7 +4313,7 @@
         <p:spPr>
           <a:xfrm>
             <a:off x="295632" y="275007"/>
-            <a:ext cx="2164375" cy="461665"/>
+            <a:ext cx="3382080" cy="461665"/>
           </a:xfrm>
           <a:prstGeom prst="rect">
             <a:avLst/>
@@ -4346,57 +4326,21 @@
           </a:bodyPr>
           <a:lstStyle/>
           <a:p>
-            <a:r>
-              <a:rPr lang="en-US" sz="2400" dirty="0" smtClean="0">
+            <a:r xmlns:a="http://schemas.openxmlformats.org/drawingml/2006/main">
+              <a:rPr lang="en" sz="2400" b="1" dirty="0" err="1" smtClean="0">
                 <a:latin typeface="Segoe UI" panose="020B0502040204020203" pitchFamily="34" charset="0"/>
                 <a:cs typeface="Segoe UI" panose="020B0502040204020203" pitchFamily="34" charset="0"/>
               </a:rPr>
-              <a:t>Deploy report </a:t>
-            </a:r>
-            <a:endParaRPr lang="en-US" sz="2400" dirty="0">
-              <a:latin typeface="Segoe UI" panose="020B0502040204020203" pitchFamily="34" charset="0"/>
-              <a:cs typeface="Segoe UI" panose="020B0502040204020203" pitchFamily="34" charset="0"/>
-            </a:endParaRPr>
-          </a:p>
-        </p:txBody>
-      </p:sp>
-      <p:sp>
-        <p:nvSpPr>
-          <p:cNvPr id="3" name="TextBox 2"/>
-          <p:cNvSpPr txBox="1"/>
-          <p:nvPr/>
-        </p:nvSpPr>
-        <p:spPr>
-          <a:xfrm>
-            <a:off x="295632" y="813674"/>
-            <a:ext cx="4591385" cy="369332"/>
-          </a:xfrm>
-          <a:prstGeom prst="rect">
-            <a:avLst/>
-          </a:prstGeom>
-          <a:noFill/>
-        </p:spPr>
-        <p:txBody>
-          <a:bodyPr wrap="none" rtlCol="0">
-            <a:spAutoFit/>
-          </a:bodyPr>
-          <a:lstStyle/>
-          <a:p>
-            <a:r>
-              <a:rPr lang="en-US" dirty="0">
+              <a:t>Deploy </a:t>
+            </a:r>
+            <a:r xmlns:a="http://schemas.openxmlformats.org/drawingml/2006/main">
+              <a:rPr lang="en" sz="2400" b="1" dirty="0" smtClean="0">
                 <a:latin typeface="Segoe UI" panose="020B0502040204020203" pitchFamily="34" charset="0"/>
                 <a:cs typeface="Segoe UI" panose="020B0502040204020203" pitchFamily="34" charset="0"/>
               </a:rPr>
-              <a:t>W</a:t>
-            </a:r>
-            <a:r>
-              <a:rPr lang="en-US" dirty="0" smtClean="0">
-                <a:latin typeface="Segoe UI" panose="020B0502040204020203" pitchFamily="34" charset="0"/>
-                <a:cs typeface="Segoe UI" panose="020B0502040204020203" pitchFamily="34" charset="0"/>
-              </a:rPr>
-              <a:t>e should verify the connection status also</a:t>
-            </a:r>
-            <a:endParaRPr lang="en-US" dirty="0">
+              <a:t>reports</a:t>
+            </a:r>
+            <a:endParaRPr xmlns:a="http://schemas.openxmlformats.org/drawingml/2006/main" lang="en-US" sz="2400" b="1" dirty="0">
               <a:latin typeface="Segoe UI" panose="020B0502040204020203" pitchFamily="34" charset="0"/>
               <a:cs typeface="Segoe UI" panose="020B0502040204020203" pitchFamily="34" charset="0"/>
             </a:endParaRPr>
@@ -4418,7 +4362,7 @@
         </p:blipFill>
         <p:spPr>
           <a:xfrm>
-            <a:off x="4887017" y="888336"/>
+            <a:off x="6208032" y="868343"/>
             <a:ext cx="199380" cy="220007"/>
           </a:xfrm>
           <a:prstGeom prst="rect">
@@ -4460,6 +4404,35 @@
           </a:effectLst>
         </p:spPr>
       </p:pic>
+      <p:sp>
+        <p:nvSpPr>
+          <p:cNvPr id="6" name="Rectangle 5"/>
+          <p:cNvSpPr/>
+          <p:nvPr/>
+        </p:nvSpPr>
+        <p:spPr>
+          <a:xfrm>
+            <a:off x="295632" y="778291"/>
+            <a:ext cx="5839547" cy="400110"/>
+          </a:xfrm>
+          <a:prstGeom prst="rect">
+            <a:avLst/>
+          </a:prstGeom>
+        </p:spPr>
+        <p:txBody>
+          <a:bodyPr wrap="none">
+            <a:spAutoFit/>
+          </a:bodyPr>
+          <a:lstStyle/>
+          <a:p>
+            <a:r xmlns:a="http://schemas.openxmlformats.org/drawingml/2006/main">
+              <a:rPr lang="en" sz="2000" dirty="0"/>
+              <a:t>We also need to check the connection status.</a:t>
+            </a:r>
+            <a:endParaRPr xmlns:a="http://schemas.openxmlformats.org/drawingml/2006/main" lang="en-US" sz="2000" dirty="0"/>
+          </a:p>
+        </p:txBody>
+      </p:sp>
     </p:spTree>
     <p:extLst>
       <p:ext uri="{BB962C8B-B14F-4D97-AF65-F5344CB8AC3E}">
@@ -4499,7 +4472,7 @@
         <p:spPr>
           <a:xfrm>
             <a:off x="295632" y="275007"/>
-            <a:ext cx="2164375" cy="461665"/>
+            <a:ext cx="3382080" cy="461665"/>
           </a:xfrm>
           <a:prstGeom prst="rect">
             <a:avLst/>
@@ -4512,14 +4485,21 @@
           </a:bodyPr>
           <a:lstStyle/>
           <a:p>
-            <a:r>
-              <a:rPr lang="en-US" sz="2400" dirty="0" smtClean="0">
+            <a:r xmlns:a="http://schemas.openxmlformats.org/drawingml/2006/main">
+              <a:rPr lang="en" sz="2400" b="1" dirty="0" err="1" smtClean="0">
                 <a:latin typeface="Segoe UI" panose="020B0502040204020203" pitchFamily="34" charset="0"/>
                 <a:cs typeface="Segoe UI" panose="020B0502040204020203" pitchFamily="34" charset="0"/>
               </a:rPr>
-              <a:t>Deploy report </a:t>
-            </a:r>
-            <a:endParaRPr lang="en-US" sz="2400" dirty="0">
+              <a:t>Deploy </a:t>
+            </a:r>
+            <a:r xmlns:a="http://schemas.openxmlformats.org/drawingml/2006/main">
+              <a:rPr lang="en" sz="2400" b="1" dirty="0" smtClean="0">
+                <a:latin typeface="Segoe UI" panose="020B0502040204020203" pitchFamily="34" charset="0"/>
+                <a:cs typeface="Segoe UI" panose="020B0502040204020203" pitchFamily="34" charset="0"/>
+              </a:rPr>
+              <a:t>reports</a:t>
+            </a:r>
+            <a:endParaRPr xmlns:a="http://schemas.openxmlformats.org/drawingml/2006/main" lang="en-US" sz="2400" b="1" dirty="0">
               <a:latin typeface="Segoe UI" panose="020B0502040204020203" pitchFamily="34" charset="0"/>
               <a:cs typeface="Segoe UI" panose="020B0502040204020203" pitchFamily="34" charset="0"/>
             </a:endParaRPr>
@@ -4528,137 +4508,68 @@
       </p:sp>
       <p:sp>
         <p:nvSpPr>
-          <p:cNvPr id="3" name="TextBox 2"/>
-          <p:cNvSpPr txBox="1"/>
+          <p:cNvPr id="4" name="Rectangle 3"/>
+          <p:cNvSpPr/>
           <p:nvPr/>
         </p:nvSpPr>
         <p:spPr>
           <a:xfrm>
-            <a:off x="295632" y="813674"/>
-            <a:ext cx="11046870" cy="369332"/>
+            <a:off x="373551" y="900796"/>
+            <a:ext cx="10977384" cy="1631216"/>
           </a:xfrm>
           <a:prstGeom prst="rect">
             <a:avLst/>
           </a:prstGeom>
-          <a:noFill/>
-        </p:spPr>
-        <p:txBody>
-          <a:bodyPr wrap="none" rtlCol="0">
+        </p:spPr>
+        <p:txBody>
+          <a:bodyPr wrap="square">
             <a:spAutoFit/>
           </a:bodyPr>
           <a:lstStyle/>
           <a:p>
-            <a:r>
-              <a:rPr lang="en-US" dirty="0" smtClean="0">
-                <a:latin typeface="Segoe UI" panose="020B0502040204020203" pitchFamily="34" charset="0"/>
-                <a:cs typeface="Segoe UI" panose="020B0502040204020203" pitchFamily="34" charset="0"/>
-              </a:rPr>
-              <a:t>In case of connection parameter changing it is possible to update or create a connection to the data source</a:t>
-            </a:r>
-            <a:endParaRPr lang="en-US" dirty="0">
-              <a:latin typeface="Segoe UI" panose="020B0502040204020203" pitchFamily="34" charset="0"/>
-              <a:cs typeface="Segoe UI" panose="020B0502040204020203" pitchFamily="34" charset="0"/>
-            </a:endParaRPr>
-          </a:p>
-        </p:txBody>
-      </p:sp>
-      <p:sp>
-        <p:nvSpPr>
-          <p:cNvPr id="6" name="TextBox 5"/>
-          <p:cNvSpPr txBox="1"/>
-          <p:nvPr/>
-        </p:nvSpPr>
-        <p:spPr>
-          <a:xfrm>
-            <a:off x="295632" y="1320510"/>
-            <a:ext cx="7286995" cy="369332"/>
-          </a:xfrm>
-          <a:prstGeom prst="rect">
-            <a:avLst/>
-          </a:prstGeom>
-          <a:noFill/>
-        </p:spPr>
-        <p:txBody>
-          <a:bodyPr wrap="none" rtlCol="0">
-            <a:spAutoFit/>
-          </a:bodyPr>
-          <a:lstStyle/>
-          <a:p>
-            <a:r>
-              <a:rPr lang="en-US" b="1" dirty="0" smtClean="0">
-                <a:latin typeface="Segoe UI" panose="020B0502040204020203" pitchFamily="34" charset="0"/>
-                <a:cs typeface="Segoe UI" panose="020B0502040204020203" pitchFamily="34" charset="0"/>
-              </a:rPr>
-              <a:t>Note:</a:t>
-            </a:r>
-            <a:r>
-              <a:rPr lang="en-US" dirty="0" smtClean="0">
-                <a:latin typeface="Segoe UI" panose="020B0502040204020203" pitchFamily="34" charset="0"/>
-                <a:cs typeface="Segoe UI" panose="020B0502040204020203" pitchFamily="34" charset="0"/>
-              </a:rPr>
-              <a:t> Must have a valid Windows credentials username and password</a:t>
-            </a:r>
-            <a:endParaRPr lang="en-US" dirty="0">
-              <a:latin typeface="Segoe UI" panose="020B0502040204020203" pitchFamily="34" charset="0"/>
-              <a:cs typeface="Segoe UI" panose="020B0502040204020203" pitchFamily="34" charset="0"/>
-            </a:endParaRPr>
-          </a:p>
-        </p:txBody>
-      </p:sp>
-      <p:sp>
-        <p:nvSpPr>
-          <p:cNvPr id="8" name="TextBox 7"/>
-          <p:cNvSpPr txBox="1"/>
-          <p:nvPr/>
-        </p:nvSpPr>
-        <p:spPr>
-          <a:xfrm>
-            <a:off x="336529" y="1827346"/>
-            <a:ext cx="7594515" cy="369332"/>
-          </a:xfrm>
-          <a:prstGeom prst="rect">
-            <a:avLst/>
-          </a:prstGeom>
-          <a:noFill/>
-        </p:spPr>
-        <p:txBody>
-          <a:bodyPr wrap="none" rtlCol="0">
-            <a:spAutoFit/>
-          </a:bodyPr>
-          <a:lstStyle/>
-          <a:p>
-            <a:r>
-              <a:rPr lang="en-US" b="1" dirty="0" smtClean="0">
-                <a:latin typeface="Segoe UI" panose="020B0502040204020203" pitchFamily="34" charset="0"/>
-                <a:cs typeface="Segoe UI" panose="020B0502040204020203" pitchFamily="34" charset="0"/>
-              </a:rPr>
-              <a:t>Note:</a:t>
-            </a:r>
-            <a:r>
-              <a:rPr lang="en-US" dirty="0" smtClean="0">
-                <a:latin typeface="Segoe UI" panose="020B0502040204020203" pitchFamily="34" charset="0"/>
-                <a:cs typeface="Segoe UI" panose="020B0502040204020203" pitchFamily="34" charset="0"/>
-              </a:rPr>
-              <a:t> The username must follow the pattern  </a:t>
-            </a:r>
-            <a:r>
-              <a:rPr lang="en-US" dirty="0" err="1" smtClean="0">
-                <a:latin typeface="Segoe UI" panose="020B0502040204020203" pitchFamily="34" charset="0"/>
-                <a:cs typeface="Segoe UI" panose="020B0502040204020203" pitchFamily="34" charset="0"/>
-              </a:rPr>
-              <a:t>computername</a:t>
-            </a:r>
-            <a:r>
-              <a:rPr lang="en-US" dirty="0" smtClean="0">
-                <a:latin typeface="Segoe UI" panose="020B0502040204020203" pitchFamily="34" charset="0"/>
-                <a:cs typeface="Segoe UI" panose="020B0502040204020203" pitchFamily="34" charset="0"/>
-              </a:rPr>
-              <a:t> \username</a:t>
-            </a:r>
-            <a:endParaRPr lang="en-US" dirty="0">
-              <a:latin typeface="Segoe UI" panose="020B0502040204020203" pitchFamily="34" charset="0"/>
-              <a:cs typeface="Segoe UI" panose="020B0502040204020203" pitchFamily="34" charset="0"/>
-            </a:endParaRPr>
+            <a:r xmlns:a="http://schemas.openxmlformats.org/drawingml/2006/main">
+              <a:rPr lang="en" sz="2000" dirty="0"/>
+              <a:t>If the connection settings change, it is possible to update or create a connection to the data source </a:t>
+            </a:r>
+            <a:r xmlns:a="http://schemas.openxmlformats.org/drawingml/2006/main">
+              <a:rPr lang="en" sz="2000" dirty="0" smtClean="0"/>
+              <a:t>.</a:t>
+            </a:r>
+          </a:p>
+          <a:p>
+            <a:endParaRPr lang="fr-FR" sz="2000" dirty="0"/>
+          </a:p>
+          <a:p>
+            <a:r xmlns:a="http://schemas.openxmlformats.org/drawingml/2006/main">
+              <a:rPr lang="en" sz="2000" b="1" dirty="0"/>
+              <a:t>Note: </a:t>
+            </a:r>
+            <a:r xmlns:a="http://schemas.openxmlformats.org/drawingml/2006/main">
+              <a:rPr lang="en" sz="2000" dirty="0"/>
+              <a:t>A valid Windows username and password are required.</a:t>
+            </a:r>
+          </a:p>
+          <a:p>
+            <a:r xmlns:a="http://schemas.openxmlformats.org/drawingml/2006/main">
+              <a:rPr lang="en" sz="2000" b="1" dirty="0"/>
+              <a:t>Note: </a:t>
+            </a:r>
+            <a:r xmlns:a="http://schemas.openxmlformats.org/drawingml/2006/main">
+              <a:rPr lang="en" sz="2000" dirty="0"/>
+              <a:t>The username must follow the pattern </a:t>
+            </a:r>
+            <a:r xmlns:a="http://schemas.openxmlformats.org/drawingml/2006/main">
+              <a:rPr lang="en" sz="2000" b="1" dirty="0" err="1"/>
+              <a:t>computername </a:t>
+            </a:r>
+            <a:r xmlns:a="http://schemas.openxmlformats.org/drawingml/2006/main">
+              <a:rPr lang="en" sz="2000" b="1" dirty="0"/>
+              <a:t>\user </a:t>
+            </a:r>
+            <a:r xmlns:a="http://schemas.openxmlformats.org/drawingml/2006/main">
+              <a:rPr lang="en" sz="2000" dirty="0"/>
+              <a:t>.</a:t>
+            </a:r>
           </a:p>
         </p:txBody>
       </p:sp>
@@ -4701,7 +4612,7 @@
         <p:spPr>
           <a:xfrm>
             <a:off x="295632" y="275007"/>
-            <a:ext cx="2164375" cy="461665"/>
+            <a:ext cx="3382080" cy="461665"/>
           </a:xfrm>
           <a:prstGeom prst="rect">
             <a:avLst/>
@@ -4714,50 +4625,21 @@
           </a:bodyPr>
           <a:lstStyle/>
           <a:p>
-            <a:r>
-              <a:rPr lang="en-US" sz="2400" dirty="0" smtClean="0">
+            <a:r xmlns:a="http://schemas.openxmlformats.org/drawingml/2006/main">
+              <a:rPr lang="en" sz="2400" b="1" dirty="0" err="1" smtClean="0">
                 <a:latin typeface="Segoe UI" panose="020B0502040204020203" pitchFamily="34" charset="0"/>
                 <a:cs typeface="Segoe UI" panose="020B0502040204020203" pitchFamily="34" charset="0"/>
               </a:rPr>
-              <a:t>Deploy report </a:t>
-            </a:r>
-            <a:endParaRPr lang="en-US" sz="2400" dirty="0">
-              <a:latin typeface="Segoe UI" panose="020B0502040204020203" pitchFamily="34" charset="0"/>
-              <a:cs typeface="Segoe UI" panose="020B0502040204020203" pitchFamily="34" charset="0"/>
-            </a:endParaRPr>
-          </a:p>
-        </p:txBody>
-      </p:sp>
-      <p:sp>
-        <p:nvSpPr>
-          <p:cNvPr id="3" name="TextBox 2"/>
-          <p:cNvSpPr txBox="1"/>
-          <p:nvPr/>
-        </p:nvSpPr>
-        <p:spPr>
-          <a:xfrm>
-            <a:off x="333929" y="788273"/>
-            <a:ext cx="5868017" cy="369332"/>
-          </a:xfrm>
-          <a:prstGeom prst="rect">
-            <a:avLst/>
-          </a:prstGeom>
-          <a:noFill/>
-        </p:spPr>
-        <p:txBody>
-          <a:bodyPr wrap="none" rtlCol="0">
-            <a:spAutoFit/>
-          </a:bodyPr>
-          <a:lstStyle/>
-          <a:p>
-            <a:r>
-              <a:rPr lang="en-US" dirty="0" smtClean="0">
+              <a:t>Deploy </a:t>
+            </a:r>
+            <a:r xmlns:a="http://schemas.openxmlformats.org/drawingml/2006/main">
+              <a:rPr lang="en" sz="2400" b="1" dirty="0" smtClean="0">
                 <a:latin typeface="Segoe UI" panose="020B0502040204020203" pitchFamily="34" charset="0"/>
                 <a:cs typeface="Segoe UI" panose="020B0502040204020203" pitchFamily="34" charset="0"/>
               </a:rPr>
-              <a:t>We suppose creating a new connection to the Excel file </a:t>
-            </a:r>
-            <a:endParaRPr lang="en-US" dirty="0">
+              <a:t>reports</a:t>
+            </a:r>
+            <a:endParaRPr xmlns:a="http://schemas.openxmlformats.org/drawingml/2006/main" lang="en-US" sz="2400" b="1" dirty="0">
               <a:latin typeface="Segoe UI" panose="020B0502040204020203" pitchFamily="34" charset="0"/>
               <a:cs typeface="Segoe UI" panose="020B0502040204020203" pitchFamily="34" charset="0"/>
             </a:endParaRPr>
@@ -4822,56 +4704,6 @@
           </a:prstGeom>
         </p:spPr>
       </p:pic>
-      <p:sp>
-        <p:nvSpPr>
-          <p:cNvPr id="9" name="TextBox 8"/>
-          <p:cNvSpPr txBox="1"/>
-          <p:nvPr/>
-        </p:nvSpPr>
-        <p:spPr>
-          <a:xfrm>
-            <a:off x="257334" y="3445211"/>
-            <a:ext cx="4899098" cy="369332"/>
-          </a:xfrm>
-          <a:prstGeom prst="rect">
-            <a:avLst/>
-          </a:prstGeom>
-          <a:noFill/>
-        </p:spPr>
-        <p:txBody>
-          <a:bodyPr wrap="none" rtlCol="0">
-            <a:spAutoFit/>
-          </a:bodyPr>
-          <a:lstStyle/>
-          <a:p>
-            <a:r>
-              <a:rPr lang="en-US" dirty="0" smtClean="0">
-                <a:latin typeface="Segoe UI" panose="020B0502040204020203" pitchFamily="34" charset="0"/>
-                <a:cs typeface="Segoe UI" panose="020B0502040204020203" pitchFamily="34" charset="0"/>
-              </a:rPr>
-              <a:t>Select </a:t>
-            </a:r>
-            <a:r>
-              <a:rPr lang="en-US" b="1" dirty="0" smtClean="0">
-                <a:latin typeface="Segoe UI" panose="020B0502040204020203" pitchFamily="34" charset="0"/>
-                <a:cs typeface="Segoe UI" panose="020B0502040204020203" pitchFamily="34" charset="0"/>
-              </a:rPr>
-              <a:t>Connections</a:t>
-            </a:r>
-            <a:r>
-              <a:rPr lang="en-US" dirty="0" smtClean="0">
-                <a:latin typeface="Segoe UI" panose="020B0502040204020203" pitchFamily="34" charset="0"/>
-                <a:cs typeface="Segoe UI" panose="020B0502040204020203" pitchFamily="34" charset="0"/>
-              </a:rPr>
-              <a:t> tab and                appears </a:t>
-            </a:r>
-            <a:endParaRPr lang="en-US" dirty="0">
-              <a:latin typeface="Segoe UI" panose="020B0502040204020203" pitchFamily="34" charset="0"/>
-              <a:cs typeface="Segoe UI" panose="020B0502040204020203" pitchFamily="34" charset="0"/>
-            </a:endParaRPr>
-          </a:p>
-        </p:txBody>
-      </p:sp>
       <p:sp>
         <p:nvSpPr>
           <p:cNvPr id="10" name="Rectangle 9"/>
@@ -4935,7 +4767,7 @@
         </p:blipFill>
         <p:spPr>
           <a:xfrm>
-            <a:off x="3365499" y="3528276"/>
+            <a:off x="5191459" y="3496053"/>
             <a:ext cx="603251" cy="203201"/>
           </a:xfrm>
           <a:prstGeom prst="rect">
@@ -4943,6 +4775,72 @@
           </a:prstGeom>
         </p:spPr>
       </p:pic>
+      <p:sp>
+        <p:nvSpPr>
+          <p:cNvPr id="4" name="Rectangle 3"/>
+          <p:cNvSpPr/>
+          <p:nvPr/>
+        </p:nvSpPr>
+        <p:spPr>
+          <a:xfrm>
+            <a:off x="295632" y="819737"/>
+            <a:ext cx="8329776" cy="400110"/>
+          </a:xfrm>
+          <a:prstGeom prst="rect">
+            <a:avLst/>
+          </a:prstGeom>
+        </p:spPr>
+        <p:txBody>
+          <a:bodyPr wrap="square">
+            <a:spAutoFit/>
+          </a:bodyPr>
+          <a:lstStyle/>
+          <a:p>
+            <a:r xmlns:a="http://schemas.openxmlformats.org/drawingml/2006/main">
+              <a:rPr lang="en" sz="2000" dirty="0"/>
+              <a:t>We assume creating a new connection to the Excel file.</a:t>
+            </a:r>
+            <a:endParaRPr xmlns:a="http://schemas.openxmlformats.org/drawingml/2006/main" lang="en-US" sz="2000" dirty="0"/>
+          </a:p>
+        </p:txBody>
+      </p:sp>
+      <p:sp>
+        <p:nvSpPr>
+          <p:cNvPr id="6" name="Rectangle 5"/>
+          <p:cNvSpPr/>
+          <p:nvPr/>
+        </p:nvSpPr>
+        <p:spPr>
+          <a:xfrm>
+            <a:off x="295632" y="3397599"/>
+            <a:ext cx="4895827" cy="400110"/>
+          </a:xfrm>
+          <a:prstGeom prst="rect">
+            <a:avLst/>
+          </a:prstGeom>
+        </p:spPr>
+        <p:txBody>
+          <a:bodyPr wrap="none">
+            <a:spAutoFit/>
+          </a:bodyPr>
+          <a:lstStyle/>
+          <a:p>
+            <a:r xmlns:a="http://schemas.openxmlformats.org/drawingml/2006/main">
+              <a:rPr lang="en" sz="2000" dirty="0"/>
+              <a:t>Select the </a:t>
+            </a:r>
+            <a:r xmlns:a="http://schemas.openxmlformats.org/drawingml/2006/main">
+              <a:rPr lang="en" sz="2000" b="1" dirty="0"/>
+              <a:t>Connections tab </a:t>
+            </a:r>
+            <a:r xmlns:a="http://schemas.openxmlformats.org/drawingml/2006/main">
+              <a:rPr lang="en" sz="2000" dirty="0"/>
+              <a:t>, and appears</a:t>
+            </a:r>
+            <a:endParaRPr xmlns:a="http://schemas.openxmlformats.org/drawingml/2006/main" lang="en-US" sz="2000" dirty="0"/>
+          </a:p>
+        </p:txBody>
+      </p:sp>
     </p:spTree>
     <p:extLst>
       <p:ext uri="{BB962C8B-B14F-4D97-AF65-F5344CB8AC3E}">
@@ -4982,7 +4880,7 @@
         <p:spPr>
           <a:xfrm>
             <a:off x="295632" y="275007"/>
-            <a:ext cx="2164375" cy="461665"/>
+            <a:ext cx="3382080" cy="461665"/>
           </a:xfrm>
           <a:prstGeom prst="rect">
             <a:avLst/>
@@ -4995,50 +4893,21 @@
           </a:bodyPr>
           <a:lstStyle/>
           <a:p>
-            <a:r>
-              <a:rPr lang="en-US" sz="2400" dirty="0" smtClean="0">
+            <a:r xmlns:a="http://schemas.openxmlformats.org/drawingml/2006/main">
+              <a:rPr lang="en" sz="2400" b="1" dirty="0" err="1" smtClean="0">
                 <a:latin typeface="Segoe UI" panose="020B0502040204020203" pitchFamily="34" charset="0"/>
                 <a:cs typeface="Segoe UI" panose="020B0502040204020203" pitchFamily="34" charset="0"/>
               </a:rPr>
-              <a:t>Deploy report </a:t>
-            </a:r>
-            <a:endParaRPr lang="en-US" sz="2400" dirty="0">
-              <a:latin typeface="Segoe UI" panose="020B0502040204020203" pitchFamily="34" charset="0"/>
-              <a:cs typeface="Segoe UI" panose="020B0502040204020203" pitchFamily="34" charset="0"/>
-            </a:endParaRPr>
-          </a:p>
-        </p:txBody>
-      </p:sp>
-      <p:sp>
-        <p:nvSpPr>
-          <p:cNvPr id="9" name="TextBox 8"/>
-          <p:cNvSpPr txBox="1"/>
-          <p:nvPr/>
-        </p:nvSpPr>
-        <p:spPr>
-          <a:xfrm>
-            <a:off x="295632" y="822661"/>
-            <a:ext cx="1801904" cy="369332"/>
-          </a:xfrm>
-          <a:prstGeom prst="rect">
-            <a:avLst/>
-          </a:prstGeom>
-          <a:noFill/>
-        </p:spPr>
-        <p:txBody>
-          <a:bodyPr wrap="none" rtlCol="0">
-            <a:spAutoFit/>
-          </a:bodyPr>
-          <a:lstStyle/>
-          <a:p>
-            <a:r>
-              <a:rPr lang="en-US" dirty="0" smtClean="0">
+              <a:t>Deploy </a:t>
+            </a:r>
+            <a:r xmlns:a="http://schemas.openxmlformats.org/drawingml/2006/main">
+              <a:rPr lang="en" sz="2400" b="1" dirty="0" smtClean="0">
                 <a:latin typeface="Segoe UI" panose="020B0502040204020203" pitchFamily="34" charset="0"/>
                 <a:cs typeface="Segoe UI" panose="020B0502040204020203" pitchFamily="34" charset="0"/>
               </a:rPr>
-              <a:t>Click the button</a:t>
-            </a:r>
-            <a:endParaRPr lang="en-US" dirty="0">
+              <a:t>reports</a:t>
+            </a:r>
+            <a:endParaRPr xmlns:a="http://schemas.openxmlformats.org/drawingml/2006/main" lang="en-US" sz="2400" b="1" dirty="0">
               <a:latin typeface="Segoe UI" panose="020B0502040204020203" pitchFamily="34" charset="0"/>
               <a:cs typeface="Segoe UI" panose="020B0502040204020203" pitchFamily="34" charset="0"/>
             </a:endParaRPr>
@@ -5060,7 +4929,7 @@
         </p:blipFill>
         <p:spPr>
           <a:xfrm>
-            <a:off x="2097536" y="905726"/>
+            <a:off x="2679110" y="947259"/>
             <a:ext cx="603251" cy="203201"/>
           </a:xfrm>
           <a:prstGeom prst="rect">
@@ -5170,12 +5039,12 @@
           <a:bodyPr rtlCol="0" anchor="ctr"/>
           <a:lstStyle/>
           <a:p>
-            <a:pPr algn="ctr"/>
-            <a:r>
-              <a:rPr lang="fr-FR" b="1" dirty="0" smtClean="0"/>
+            <a:pPr xmlns:a="http://schemas.openxmlformats.org/drawingml/2006/main" algn="ctr"/>
+            <a:r xmlns:a="http://schemas.openxmlformats.org/drawingml/2006/main">
+              <a:rPr lang="en" b="1" dirty="0" smtClean="0"/>
               <a:t>1</a:t>
             </a:r>
-            <a:endParaRPr lang="en-US" b="1" dirty="0"/>
+            <a:endParaRPr xmlns:a="http://schemas.openxmlformats.org/drawingml/2006/main" lang="en-US" b="1" dirty="0"/>
           </a:p>
         </p:txBody>
       </p:sp>
@@ -5215,12 +5084,12 @@
           <a:bodyPr rtlCol="0" anchor="ctr"/>
           <a:lstStyle/>
           <a:p>
-            <a:pPr algn="ctr"/>
-            <a:r>
-              <a:rPr lang="fr-FR" b="1" dirty="0" smtClean="0"/>
+            <a:pPr xmlns:a="http://schemas.openxmlformats.org/drawingml/2006/main" algn="ctr"/>
+            <a:r xmlns:a="http://schemas.openxmlformats.org/drawingml/2006/main">
+              <a:rPr lang="en" b="1" dirty="0" smtClean="0"/>
               <a:t>2</a:t>
             </a:r>
-            <a:endParaRPr lang="en-US" b="1" dirty="0"/>
+            <a:endParaRPr xmlns:a="http://schemas.openxmlformats.org/drawingml/2006/main" lang="en-US" b="1" dirty="0"/>
           </a:p>
         </p:txBody>
       </p:sp>
@@ -5260,12 +5129,12 @@
           <a:bodyPr rtlCol="0" anchor="ctr"/>
           <a:lstStyle/>
           <a:p>
-            <a:pPr algn="ctr"/>
-            <a:r>
-              <a:rPr lang="fr-FR" b="1" dirty="0" smtClean="0"/>
+            <a:pPr xmlns:a="http://schemas.openxmlformats.org/drawingml/2006/main" algn="ctr"/>
+            <a:r xmlns:a="http://schemas.openxmlformats.org/drawingml/2006/main">
+              <a:rPr lang="en" b="1" dirty="0" smtClean="0"/>
               <a:t>3</a:t>
             </a:r>
-            <a:endParaRPr lang="en-US" b="1" dirty="0"/>
+            <a:endParaRPr xmlns:a="http://schemas.openxmlformats.org/drawingml/2006/main" lang="en-US" b="1" dirty="0"/>
           </a:p>
         </p:txBody>
       </p:sp>
@@ -5305,12 +5174,12 @@
           <a:bodyPr rtlCol="0" anchor="ctr"/>
           <a:lstStyle/>
           <a:p>
-            <a:pPr algn="ctr"/>
-            <a:r>
-              <a:rPr lang="fr-FR" b="1" dirty="0" smtClean="0"/>
+            <a:pPr xmlns:a="http://schemas.openxmlformats.org/drawingml/2006/main" algn="ctr"/>
+            <a:r xmlns:a="http://schemas.openxmlformats.org/drawingml/2006/main">
+              <a:rPr lang="en" b="1" dirty="0" smtClean="0"/>
               <a:t>4</a:t>
             </a:r>
-            <a:endParaRPr lang="en-US" b="1" dirty="0"/>
+            <a:endParaRPr xmlns:a="http://schemas.openxmlformats.org/drawingml/2006/main" lang="en-US" b="1" dirty="0"/>
           </a:p>
         </p:txBody>
       </p:sp>
@@ -5350,12 +5219,12 @@
           <a:bodyPr rtlCol="0" anchor="ctr"/>
           <a:lstStyle/>
           <a:p>
-            <a:pPr algn="ctr"/>
-            <a:r>
-              <a:rPr lang="fr-FR" b="1" dirty="0" smtClean="0"/>
+            <a:pPr xmlns:a="http://schemas.openxmlformats.org/drawingml/2006/main" algn="ctr"/>
+            <a:r xmlns:a="http://schemas.openxmlformats.org/drawingml/2006/main">
+              <a:rPr lang="en" b="1" dirty="0" smtClean="0"/>
               <a:t>5</a:t>
             </a:r>
-            <a:endParaRPr lang="en-US" b="1" dirty="0"/>
+            <a:endParaRPr xmlns:a="http://schemas.openxmlformats.org/drawingml/2006/main" lang="en-US" b="1" dirty="0"/>
           </a:p>
         </p:txBody>
       </p:sp>
@@ -5395,12 +5264,12 @@
           <a:bodyPr rtlCol="0" anchor="ctr"/>
           <a:lstStyle/>
           <a:p>
-            <a:pPr algn="ctr"/>
-            <a:r>
-              <a:rPr lang="fr-FR" b="1" dirty="0" smtClean="0"/>
+            <a:pPr xmlns:a="http://schemas.openxmlformats.org/drawingml/2006/main" algn="ctr"/>
+            <a:r xmlns:a="http://schemas.openxmlformats.org/drawingml/2006/main">
+              <a:rPr lang="en" b="1" dirty="0" smtClean="0"/>
               <a:t>6</a:t>
             </a:r>
-            <a:endParaRPr lang="en-US" b="1" dirty="0"/>
+            <a:endParaRPr xmlns:a="http://schemas.openxmlformats.org/drawingml/2006/main" lang="en-US" b="1" dirty="0"/>
           </a:p>
         </p:txBody>
       </p:sp>
@@ -5440,12 +5309,12 @@
           <a:bodyPr rtlCol="0" anchor="ctr"/>
           <a:lstStyle/>
           <a:p>
-            <a:pPr algn="ctr"/>
-            <a:r>
-              <a:rPr lang="fr-FR" b="1" dirty="0" smtClean="0"/>
+            <a:pPr xmlns:a="http://schemas.openxmlformats.org/drawingml/2006/main" algn="ctr"/>
+            <a:r xmlns:a="http://schemas.openxmlformats.org/drawingml/2006/main">
+              <a:rPr lang="en" b="1" dirty="0" smtClean="0"/>
               <a:t>7</a:t>
             </a:r>
-            <a:endParaRPr lang="en-US" b="1" dirty="0"/>
+            <a:endParaRPr xmlns:a="http://schemas.openxmlformats.org/drawingml/2006/main" lang="en-US" b="1" dirty="0"/>
           </a:p>
         </p:txBody>
       </p:sp>
@@ -5485,12 +5354,12 @@
           <a:bodyPr rtlCol="0" anchor="ctr"/>
           <a:lstStyle/>
           <a:p>
-            <a:pPr algn="ctr"/>
-            <a:r>
-              <a:rPr lang="fr-FR" b="1" dirty="0" smtClean="0"/>
+            <a:pPr xmlns:a="http://schemas.openxmlformats.org/drawingml/2006/main" algn="ctr"/>
+            <a:r xmlns:a="http://schemas.openxmlformats.org/drawingml/2006/main">
+              <a:rPr lang="en" b="1" dirty="0" smtClean="0"/>
               <a:t>8</a:t>
             </a:r>
-            <a:endParaRPr lang="en-US" b="1" dirty="0"/>
+            <a:endParaRPr xmlns:a="http://schemas.openxmlformats.org/drawingml/2006/main" lang="en-US" b="1" dirty="0"/>
           </a:p>
         </p:txBody>
       </p:sp>
@@ -5530,12 +5399,12 @@
           <a:bodyPr rtlCol="0" anchor="ctr"/>
           <a:lstStyle/>
           <a:p>
-            <a:pPr algn="ctr"/>
-            <a:r>
-              <a:rPr lang="fr-FR" b="1" dirty="0" smtClean="0"/>
+            <a:pPr xmlns:a="http://schemas.openxmlformats.org/drawingml/2006/main" algn="ctr"/>
+            <a:r xmlns:a="http://schemas.openxmlformats.org/drawingml/2006/main">
+              <a:rPr lang="en" b="1" dirty="0" smtClean="0"/>
               <a:t>9</a:t>
             </a:r>
-            <a:endParaRPr lang="en-US" b="1" dirty="0"/>
+            <a:endParaRPr xmlns:a="http://schemas.openxmlformats.org/drawingml/2006/main" lang="en-US" b="1" dirty="0"/>
           </a:p>
         </p:txBody>
       </p:sp>
@@ -5548,7 +5417,7 @@
         <p:spPr>
           <a:xfrm>
             <a:off x="968551" y="1624479"/>
-            <a:ext cx="1987339" cy="307777"/>
+            <a:ext cx="1301125" cy="307777"/>
           </a:xfrm>
           <a:prstGeom prst="rect">
             <a:avLst/>
@@ -5560,14 +5429,28 @@
           </a:bodyPr>
           <a:lstStyle/>
           <a:p>
-            <a:r>
-              <a:rPr lang="en-US" sz="1400" b="1" dirty="0" smtClean="0">
+            <a:r xmlns:a="http://schemas.openxmlformats.org/drawingml/2006/main">
+              <a:rPr lang="en" sz="1400" b="1" dirty="0" smtClean="0">
                 <a:latin typeface="Segoe UI" panose="020B0502040204020203" pitchFamily="34" charset="0"/>
                 <a:cs typeface="Segoe UI" panose="020B0502040204020203" pitchFamily="34" charset="0"/>
               </a:rPr>
-              <a:t>The gateway location</a:t>
-            </a:r>
-            <a:endParaRPr lang="en-US" sz="1400" b="1" dirty="0">
+              <a:t>The </a:t>
+            </a:r>
+            <a:r xmlns:a="http://schemas.openxmlformats.org/drawingml/2006/main">
+              <a:rPr lang="en" sz="1400" b="1" dirty="0" err="1" smtClean="0">
+                <a:latin typeface="Segoe UI" panose="020B0502040204020203" pitchFamily="34" charset="0"/>
+                <a:cs typeface="Segoe UI" panose="020B0502040204020203" pitchFamily="34" charset="0"/>
+              </a:rPr>
+              <a:t>footbridge</a:t>
+            </a:r>
+            <a:r xmlns:a="http://schemas.openxmlformats.org/drawingml/2006/main">
+              <a:rPr lang="en" sz="1400" b="1" dirty="0" smtClean="0">
+                <a:latin typeface="Segoe UI" panose="020B0502040204020203" pitchFamily="34" charset="0"/>
+                <a:cs typeface="Segoe UI" panose="020B0502040204020203" pitchFamily="34" charset="0"/>
+              </a:rPr>
+              <a:t> </a:t>
+            </a:r>
+            <a:endParaRPr xmlns:a="http://schemas.openxmlformats.org/drawingml/2006/main" lang="en-US" sz="1400" b="1" dirty="0">
               <a:latin typeface="Segoe UI" panose="020B0502040204020203" pitchFamily="34" charset="0"/>
               <a:cs typeface="Segoe UI" panose="020B0502040204020203" pitchFamily="34" charset="0"/>
             </a:endParaRPr>
@@ -5583,7 +5466,7 @@
         <p:spPr>
           <a:xfrm>
             <a:off x="1792842" y="2944428"/>
-            <a:ext cx="1772537" cy="307777"/>
+            <a:ext cx="806631" cy="307777"/>
           </a:xfrm>
           <a:prstGeom prst="rect">
             <a:avLst/>
@@ -5595,14 +5478,14 @@
           </a:bodyPr>
           <a:lstStyle/>
           <a:p>
-            <a:r>
-              <a:rPr lang="en-US" sz="1400" b="1" dirty="0" smtClean="0">
+            <a:r xmlns:a="http://schemas.openxmlformats.org/drawingml/2006/main">
+              <a:rPr lang="en" sz="1400" b="1" dirty="0" smtClean="0">
                 <a:latin typeface="Segoe UI" panose="020B0502040204020203" pitchFamily="34" charset="0"/>
                 <a:cs typeface="Segoe UI" panose="020B0502040204020203" pitchFamily="34" charset="0"/>
               </a:rPr>
-              <a:t>The gateway name</a:t>
-            </a:r>
-            <a:endParaRPr lang="en-US" sz="1400" b="1" dirty="0">
+              <a:t>The name</a:t>
+            </a:r>
+            <a:endParaRPr xmlns:a="http://schemas.openxmlformats.org/drawingml/2006/main" lang="en-US" sz="1400" b="1" dirty="0">
               <a:latin typeface="Segoe UI" panose="020B0502040204020203" pitchFamily="34" charset="0"/>
               <a:cs typeface="Segoe UI" panose="020B0502040204020203" pitchFamily="34" charset="0"/>
             </a:endParaRPr>
@@ -5618,7 +5501,7 @@
         <p:spPr>
           <a:xfrm>
             <a:off x="2097536" y="3532093"/>
-            <a:ext cx="2000869" cy="307777"/>
+            <a:ext cx="1994457" cy="307777"/>
           </a:xfrm>
           <a:prstGeom prst="rect">
             <a:avLst/>
@@ -5630,14 +5513,14 @@
           </a:bodyPr>
           <a:lstStyle/>
           <a:p>
-            <a:r>
-              <a:rPr lang="en-US" sz="1400" b="1" dirty="0" smtClean="0">
+            <a:r xmlns:a="http://schemas.openxmlformats.org/drawingml/2006/main">
+              <a:rPr lang="en" sz="1400" b="1" dirty="0" smtClean="0">
                 <a:latin typeface="Segoe UI" panose="020B0502040204020203" pitchFamily="34" charset="0"/>
                 <a:cs typeface="Segoe UI" panose="020B0502040204020203" pitchFamily="34" charset="0"/>
               </a:rPr>
-              <a:t>The connection name</a:t>
-            </a:r>
-            <a:endParaRPr lang="en-US" sz="1400" b="1" dirty="0">
+              <a:t>The login name</a:t>
+            </a:r>
+            <a:endParaRPr xmlns:a="http://schemas.openxmlformats.org/drawingml/2006/main" lang="en-US" sz="1400" b="1" dirty="0">
               <a:latin typeface="Segoe UI" panose="020B0502040204020203" pitchFamily="34" charset="0"/>
               <a:cs typeface="Segoe UI" panose="020B0502040204020203" pitchFamily="34" charset="0"/>
             </a:endParaRPr>
@@ -5653,7 +5536,7 @@
         <p:spPr>
           <a:xfrm>
             <a:off x="1666285" y="4181133"/>
-            <a:ext cx="1907895" cy="307777"/>
+            <a:ext cx="1986441" cy="307777"/>
           </a:xfrm>
           <a:prstGeom prst="rect">
             <a:avLst/>
@@ -5665,14 +5548,14 @@
           </a:bodyPr>
           <a:lstStyle/>
           <a:p>
-            <a:r>
-              <a:rPr lang="en-US" sz="1400" b="1" dirty="0" smtClean="0">
+            <a:r xmlns:a="http://schemas.openxmlformats.org/drawingml/2006/main">
+              <a:rPr lang="en" sz="1400" b="1" dirty="0" smtClean="0">
                 <a:latin typeface="Segoe UI" panose="020B0502040204020203" pitchFamily="34" charset="0"/>
                 <a:cs typeface="Segoe UI" panose="020B0502040204020203" pitchFamily="34" charset="0"/>
               </a:rPr>
               <a:t>The connection type</a:t>
             </a:r>
-            <a:endParaRPr lang="en-US" sz="1400" b="1" dirty="0">
+            <a:endParaRPr xmlns:a="http://schemas.openxmlformats.org/drawingml/2006/main" lang="en-US" sz="1400" b="1" dirty="0">
               <a:latin typeface="Segoe UI" panose="020B0502040204020203" pitchFamily="34" charset="0"/>
               <a:cs typeface="Segoe UI" panose="020B0502040204020203" pitchFamily="34" charset="0"/>
             </a:endParaRPr>
@@ -5688,7 +5571,7 @@
         <p:spPr>
           <a:xfrm>
             <a:off x="1473200" y="5184158"/>
-            <a:ext cx="2272545" cy="307777"/>
+            <a:ext cx="2147639" cy="307777"/>
           </a:xfrm>
           <a:prstGeom prst="rect">
             <a:avLst/>
@@ -5700,14 +5583,28 @@
           </a:bodyPr>
           <a:lstStyle/>
           <a:p>
-            <a:r>
-              <a:rPr lang="en-US" sz="1400" b="1" dirty="0" smtClean="0">
+            <a:r xmlns:a="http://schemas.openxmlformats.org/drawingml/2006/main">
+              <a:rPr lang="en" sz="1400" b="1" dirty="0" smtClean="0">
                 <a:latin typeface="Segoe UI" panose="020B0502040204020203" pitchFamily="34" charset="0"/>
                 <a:cs typeface="Segoe UI" panose="020B0502040204020203" pitchFamily="34" charset="0"/>
               </a:rPr>
-              <a:t>The data source file path</a:t>
-            </a:r>
-            <a:endParaRPr lang="en-US" sz="1400" b="1" dirty="0">
+              <a:t>The </a:t>
+            </a:r>
+            <a:r xmlns:a="http://schemas.openxmlformats.org/drawingml/2006/main">
+              <a:rPr lang="en" sz="1400" b="1" dirty="0" err="1" smtClean="0">
+                <a:latin typeface="Segoe UI" panose="020B0502040204020203" pitchFamily="34" charset="0"/>
+                <a:cs typeface="Segoe UI" panose="020B0502040204020203" pitchFamily="34" charset="0"/>
+              </a:rPr>
+              <a:t>path </a:t>
+            </a:r>
+            <a:r xmlns:a="http://schemas.openxmlformats.org/drawingml/2006/main">
+              <a:rPr lang="en" sz="1400" b="1" dirty="0" smtClean="0">
+                <a:latin typeface="Segoe UI" panose="020B0502040204020203" pitchFamily="34" charset="0"/>
+                <a:cs typeface="Segoe UI" panose="020B0502040204020203" pitchFamily="34" charset="0"/>
+              </a:rPr>
+              <a:t>to the source</a:t>
+            </a:r>
+            <a:endParaRPr xmlns:a="http://schemas.openxmlformats.org/drawingml/2006/main" lang="en-US" sz="1400" b="1" dirty="0">
               <a:latin typeface="Segoe UI" panose="020B0502040204020203" pitchFamily="34" charset="0"/>
               <a:cs typeface="Segoe UI" panose="020B0502040204020203" pitchFamily="34" charset="0"/>
             </a:endParaRPr>
@@ -5723,7 +5620,7 @@
         <p:spPr>
           <a:xfrm>
             <a:off x="6537702" y="1922561"/>
-            <a:ext cx="2489784" cy="307777"/>
+            <a:ext cx="2737352" cy="307777"/>
           </a:xfrm>
           <a:prstGeom prst="rect">
             <a:avLst/>
@@ -5735,14 +5632,14 @@
           </a:bodyPr>
           <a:lstStyle/>
           <a:p>
-            <a:r>
-              <a:rPr lang="en-US" sz="1400" b="1" dirty="0" smtClean="0">
+            <a:r xmlns:a="http://schemas.openxmlformats.org/drawingml/2006/main">
+              <a:rPr lang="en" sz="1400" b="1" dirty="0" smtClean="0">
                 <a:latin typeface="Segoe UI" panose="020B0502040204020203" pitchFamily="34" charset="0"/>
                 <a:cs typeface="Segoe UI" panose="020B0502040204020203" pitchFamily="34" charset="0"/>
               </a:rPr>
               <a:t>The authentication method</a:t>
             </a:r>
-            <a:endParaRPr lang="en-US" sz="1400" b="1" dirty="0">
+            <a:endParaRPr xmlns:a="http://schemas.openxmlformats.org/drawingml/2006/main" lang="en-US" sz="1400" b="1" dirty="0">
               <a:latin typeface="Segoe UI" panose="020B0502040204020203" pitchFamily="34" charset="0"/>
               <a:cs typeface="Segoe UI" panose="020B0502040204020203" pitchFamily="34" charset="0"/>
             </a:endParaRPr>
@@ -5758,7 +5655,7 @@
         <p:spPr>
           <a:xfrm>
             <a:off x="7848600" y="2540000"/>
-            <a:ext cx="1420582" cy="307777"/>
+            <a:ext cx="2073901" cy="307777"/>
           </a:xfrm>
           <a:prstGeom prst="rect">
             <a:avLst/>
@@ -5770,14 +5667,21 @@
           </a:bodyPr>
           <a:lstStyle/>
           <a:p>
-            <a:r>
-              <a:rPr lang="en-US" sz="1400" b="1" dirty="0" smtClean="0">
+            <a:r xmlns:a="http://schemas.openxmlformats.org/drawingml/2006/main">
+              <a:rPr lang="en" sz="1400" b="1" dirty="0" smtClean="0">
                 <a:latin typeface="Segoe UI" panose="020B0502040204020203" pitchFamily="34" charset="0"/>
                 <a:cs typeface="Segoe UI" panose="020B0502040204020203" pitchFamily="34" charset="0"/>
               </a:rPr>
-              <a:t>The user name</a:t>
-            </a:r>
-            <a:endParaRPr lang="en-US" sz="1400" b="1" dirty="0">
+              <a:t>The </a:t>
+            </a:r>
+            <a:r xmlns:a="http://schemas.openxmlformats.org/drawingml/2006/main">
+              <a:rPr lang="en" sz="1400" b="1" dirty="0" err="1" smtClean="0">
+                <a:latin typeface="Segoe UI" panose="020B0502040204020203" pitchFamily="34" charset="0"/>
+                <a:cs typeface="Segoe UI" panose="020B0502040204020203" pitchFamily="34" charset="0"/>
+              </a:rPr>
+              <a:t>username</a:t>
+            </a:r>
+            <a:endParaRPr xmlns:a="http://schemas.openxmlformats.org/drawingml/2006/main" lang="en-US" sz="1400" b="1" dirty="0">
               <a:latin typeface="Segoe UI" panose="020B0502040204020203" pitchFamily="34" charset="0"/>
               <a:cs typeface="Segoe UI" panose="020B0502040204020203" pitchFamily="34" charset="0"/>
             </a:endParaRPr>
@@ -5793,7 +5697,7 @@
         <p:spPr>
           <a:xfrm>
             <a:off x="7807085" y="3063875"/>
-            <a:ext cx="1340303" cy="307777"/>
+            <a:ext cx="1535870" cy="307777"/>
           </a:xfrm>
           <a:prstGeom prst="rect">
             <a:avLst/>
@@ -5805,14 +5709,21 @@
           </a:bodyPr>
           <a:lstStyle/>
           <a:p>
-            <a:r>
-              <a:rPr lang="en-US" sz="1400" b="1" dirty="0" smtClean="0">
+            <a:r xmlns:a="http://schemas.openxmlformats.org/drawingml/2006/main">
+              <a:rPr lang="en" sz="1400" b="1" dirty="0" smtClean="0">
                 <a:latin typeface="Segoe UI" panose="020B0502040204020203" pitchFamily="34" charset="0"/>
                 <a:cs typeface="Segoe UI" panose="020B0502040204020203" pitchFamily="34" charset="0"/>
               </a:rPr>
-              <a:t>The password</a:t>
-            </a:r>
-            <a:endParaRPr lang="en-US" sz="1400" b="1" dirty="0">
+              <a:t>The </a:t>
+            </a:r>
+            <a:r xmlns:a="http://schemas.openxmlformats.org/drawingml/2006/main">
+              <a:rPr lang="en" sz="1400" b="1" dirty="0" err="1" smtClean="0">
+                <a:latin typeface="Segoe UI" panose="020B0502040204020203" pitchFamily="34" charset="0"/>
+                <a:cs typeface="Segoe UI" panose="020B0502040204020203" pitchFamily="34" charset="0"/>
+              </a:rPr>
+              <a:t>password</a:t>
+            </a:r>
+            <a:endParaRPr xmlns:a="http://schemas.openxmlformats.org/drawingml/2006/main" lang="en-US" sz="1400" b="1" dirty="0">
               <a:latin typeface="Segoe UI" panose="020B0502040204020203" pitchFamily="34" charset="0"/>
               <a:cs typeface="Segoe UI" panose="020B0502040204020203" pitchFamily="34" charset="0"/>
             </a:endParaRPr>
@@ -5828,7 +5739,7 @@
         <p:spPr>
           <a:xfrm>
             <a:off x="7072312" y="4349948"/>
-            <a:ext cx="1598002" cy="307777"/>
+            <a:ext cx="2022092" cy="307777"/>
           </a:xfrm>
           <a:prstGeom prst="rect">
             <a:avLst/>
@@ -5840,17 +5751,78 @@
           </a:bodyPr>
           <a:lstStyle/>
           <a:p>
-            <a:r>
-              <a:rPr lang="en-US" sz="1400" b="1" dirty="0" smtClean="0">
+            <a:r xmlns:a="http://schemas.openxmlformats.org/drawingml/2006/main">
+              <a:rPr lang="en" sz="1400" b="1" dirty="0" smtClean="0">
                 <a:latin typeface="Segoe UI" panose="020B0502040204020203" pitchFamily="34" charset="0"/>
                 <a:cs typeface="Segoe UI" panose="020B0502040204020203" pitchFamily="34" charset="0"/>
               </a:rPr>
-              <a:t>The privacy level</a:t>
-            </a:r>
-            <a:endParaRPr lang="en-US" sz="1400" b="1" dirty="0">
+              <a:t>The </a:t>
+            </a:r>
+            <a:r xmlns:a="http://schemas.openxmlformats.org/drawingml/2006/main">
+              <a:rPr lang="en" sz="1400" b="1" dirty="0" err="1" smtClean="0">
+                <a:latin typeface="Segoe UI" panose="020B0502040204020203" pitchFamily="34" charset="0"/>
+                <a:cs typeface="Segoe UI" panose="020B0502040204020203" pitchFamily="34" charset="0"/>
+              </a:rPr>
+              <a:t>level </a:t>
+            </a:r>
+            <a:r xmlns:a="http://schemas.openxmlformats.org/drawingml/2006/main">
+              <a:rPr lang="en" sz="1400" b="1" dirty="0" smtClean="0">
+                <a:latin typeface="Segoe UI" panose="020B0502040204020203" pitchFamily="34" charset="0"/>
+                <a:cs typeface="Segoe UI" panose="020B0502040204020203" pitchFamily="34" charset="0"/>
+              </a:rPr>
+              <a:t>of </a:t>
+            </a:r>
+            <a:r xmlns:a="http://schemas.openxmlformats.org/drawingml/2006/main">
+              <a:rPr lang="en" sz="1400" b="1" dirty="0" err="1" smtClean="0">
+                <a:latin typeface="Segoe UI" panose="020B0502040204020203" pitchFamily="34" charset="0"/>
+                <a:cs typeface="Segoe UI" panose="020B0502040204020203" pitchFamily="34" charset="0"/>
+              </a:rPr>
+              <a:t>privacy</a:t>
+            </a:r>
+            <a:endParaRPr xmlns:a="http://schemas.openxmlformats.org/drawingml/2006/main" lang="en-US" sz="1400" b="1" dirty="0">
               <a:latin typeface="Segoe UI" panose="020B0502040204020203" pitchFamily="34" charset="0"/>
               <a:cs typeface="Segoe UI" panose="020B0502040204020203" pitchFamily="34" charset="0"/>
             </a:endParaRPr>
+          </a:p>
+        </p:txBody>
+      </p:sp>
+      <p:sp>
+        <p:nvSpPr>
+          <p:cNvPr id="3" name="Rectangle 2"/>
+          <p:cNvSpPr/>
+          <p:nvPr/>
+        </p:nvSpPr>
+        <p:spPr>
+          <a:xfrm>
+            <a:off x="342948" y="827663"/>
+            <a:ext cx="2443105" cy="400110"/>
+          </a:xfrm>
+          <a:prstGeom prst="rect">
+            <a:avLst/>
+          </a:prstGeom>
+        </p:spPr>
+        <p:txBody>
+          <a:bodyPr wrap="none">
+            <a:spAutoFit/>
+          </a:bodyPr>
+          <a:lstStyle/>
+          <a:p>
+            <a:r xmlns:a="http://schemas.openxmlformats.org/drawingml/2006/main">
+              <a:rPr lang="en" sz="2000" dirty="0" err="1"/>
+              <a:t>Click </a:t>
+            </a:r>
+            <a:r xmlns:a="http://schemas.openxmlformats.org/drawingml/2006/main">
+              <a:rPr lang="en" sz="2000" dirty="0"/>
+              <a:t>the </a:t>
+            </a:r>
+            <a:r xmlns:a="http://schemas.openxmlformats.org/drawingml/2006/main">
+              <a:rPr lang="en" sz="2000" dirty="0" err="1"/>
+              <a:t>button </a:t>
+            </a:r>
+            <a:r xmlns:a="http://schemas.openxmlformats.org/drawingml/2006/main">
+              <a:rPr lang="en" sz="2000" dirty="0"/>
+              <a:t>.</a:t>
+            </a:r>
           </a:p>
         </p:txBody>
       </p:sp>
@@ -5893,7 +5865,7 @@
         <p:spPr>
           <a:xfrm>
             <a:off x="295632" y="275007"/>
-            <a:ext cx="2164375" cy="461665"/>
+            <a:ext cx="3382080" cy="461665"/>
           </a:xfrm>
           <a:prstGeom prst="rect">
             <a:avLst/>
@@ -5906,59 +5878,21 @@
           </a:bodyPr>
           <a:lstStyle/>
           <a:p>
-            <a:r>
-              <a:rPr lang="en-US" sz="2400" dirty="0" smtClean="0">
+            <a:r xmlns:a="http://schemas.openxmlformats.org/drawingml/2006/main">
+              <a:rPr lang="en" sz="2400" b="1" dirty="0" err="1" smtClean="0">
                 <a:latin typeface="Segoe UI" panose="020B0502040204020203" pitchFamily="34" charset="0"/>
                 <a:cs typeface="Segoe UI" panose="020B0502040204020203" pitchFamily="34" charset="0"/>
               </a:rPr>
-              <a:t>Deploy report </a:t>
-            </a:r>
-            <a:endParaRPr lang="en-US" sz="2400" dirty="0">
-              <a:latin typeface="Segoe UI" panose="020B0502040204020203" pitchFamily="34" charset="0"/>
-              <a:cs typeface="Segoe UI" panose="020B0502040204020203" pitchFamily="34" charset="0"/>
-            </a:endParaRPr>
-          </a:p>
-        </p:txBody>
-      </p:sp>
-      <p:sp>
-        <p:nvSpPr>
-          <p:cNvPr id="9" name="TextBox 8"/>
-          <p:cNvSpPr txBox="1"/>
-          <p:nvPr/>
-        </p:nvSpPr>
-        <p:spPr>
-          <a:xfrm>
-            <a:off x="295632" y="822661"/>
-            <a:ext cx="11440824" cy="646331"/>
-          </a:xfrm>
-          <a:prstGeom prst="rect">
-            <a:avLst/>
-          </a:prstGeom>
-          <a:noFill/>
-        </p:spPr>
-        <p:txBody>
-          <a:bodyPr wrap="none" rtlCol="0">
-            <a:spAutoFit/>
-          </a:bodyPr>
-          <a:lstStyle/>
-          <a:p>
-            <a:r>
-              <a:rPr lang="en-US" dirty="0" smtClean="0">
+              <a:t>Deploy </a:t>
+            </a:r>
+            <a:r xmlns:a="http://schemas.openxmlformats.org/drawingml/2006/main">
+              <a:rPr lang="en" sz="2400" b="1" dirty="0" smtClean="0">
                 <a:latin typeface="Segoe UI" panose="020B0502040204020203" pitchFamily="34" charset="0"/>
                 <a:cs typeface="Segoe UI" panose="020B0502040204020203" pitchFamily="34" charset="0"/>
               </a:rPr>
-              <a:t>It is possible to share that data source connection with other in the workspace, by searching them by email and</a:t>
-            </a:r>
-          </a:p>
-          <a:p>
-            <a:r>
-              <a:rPr lang="en-US" dirty="0" smtClean="0">
-                <a:latin typeface="Segoe UI" panose="020B0502040204020203" pitchFamily="34" charset="0"/>
-                <a:cs typeface="Segoe UI" panose="020B0502040204020203" pitchFamily="34" charset="0"/>
-              </a:rPr>
-              <a:t>adding them  </a:t>
-            </a:r>
-            <a:endParaRPr lang="en-US" dirty="0">
+              <a:t>reports</a:t>
+            </a:r>
+            <a:endParaRPr xmlns:a="http://schemas.openxmlformats.org/drawingml/2006/main" lang="en-US" sz="2400" b="1" dirty="0">
               <a:latin typeface="Segoe UI" panose="020B0502040204020203" pitchFamily="34" charset="0"/>
               <a:cs typeface="Segoe UI" panose="020B0502040204020203" pitchFamily="34" charset="0"/>
             </a:endParaRPr>
@@ -6174,6 +6108,427 @@
           <a:p>
             <a:pPr algn="ctr"/>
             <a:endParaRPr lang="en-US"/>
+          </a:p>
+        </p:txBody>
+      </p:sp>
+      <p:sp>
+        <p:nvSpPr>
+          <p:cNvPr id="4" name="Rectangle 1"/>
+          <p:cNvSpPr>
+            <a:spLocks noChangeArrowheads="1"/>
+          </p:cNvSpPr>
+          <p:nvPr/>
+        </p:nvSpPr>
+        <p:spPr bwMode="auto">
+          <a:xfrm>
+            <a:off x="310889" y="980762"/>
+            <a:ext cx="10870283" cy="707886"/>
+          </a:xfrm>
+          <a:prstGeom prst="rect">
+            <a:avLst/>
+          </a:prstGeom>
+          <a:noFill/>
+          <a:ln>
+            <a:noFill/>
+          </a:ln>
+          <a:effectLst/>
+          <a:extLst>
+            <a:ext uri="{909E8E84-426E-40DD-AFC4-6F175D3DCCD1}">
+              <a14:hiddenFill xmlns:a14="http://schemas.microsoft.com/office/drawing/2010/main">
+                <a:solidFill>
+                  <a:schemeClr val="accent1"/>
+                </a:solidFill>
+              </a14:hiddenFill>
+            </a:ext>
+            <a:ext uri="{91240B29-F687-4F45-9708-019B960494DF}">
+              <a14:hiddenLine xmlns:a14="http://schemas.microsoft.com/office/drawing/2010/main" w="9525">
+                <a:solidFill>
+                  <a:schemeClr val="tx1"/>
+                </a:solidFill>
+                <a:miter lim="800000"/>
+                <a:headEnd/>
+                <a:tailEnd/>
+              </a14:hiddenLine>
+            </a:ext>
+            <a:ext uri="{AF507438-7753-43E0-B8FC-AC1667EBCBE1}">
+              <a14:hiddenEffects xmlns:a14="http://schemas.microsoft.com/office/drawing/2010/main">
+                <a:effectLst>
+                  <a:outerShdw dist="35921" dir="2700000" algn="ctr" rotWithShape="0">
+                    <a:schemeClr val="bg2"/>
+                  </a:outerShdw>
+                </a:effectLst>
+              </a14:hiddenEffects>
+            </a:ext>
+          </a:extLst>
+        </p:spPr>
+        <p:txBody>
+          <a:bodyPr vert="horz" wrap="none" lIns="91440" tIns="45720" rIns="91440" bIns="45720" numCol="1" anchor="ctr" anchorCtr="0" compatLnSpc="1">
+            <a:prstTxWarp prst="textNoShape">
+              <a:avLst/>
+            </a:prstTxWarp>
+            <a:spAutoFit/>
+          </a:bodyPr>
+          <a:lstStyle/>
+          <a:p>
+            <a:pPr xmlns:a="http://schemas.openxmlformats.org/drawingml/2006/main" marL="0" marR="0" lvl="0" indent="0" algn="l" defTabSz="914400" rtl="0" eaLnBrk="0" fontAlgn="base" latinLnBrk="0" hangingPunct="0">
+              <a:lnSpc>
+                <a:spcPct val="100000"/>
+              </a:lnSpc>
+              <a:spcBef>
+                <a:spcPct val="0"/>
+              </a:spcBef>
+              <a:spcAft>
+                <a:spcPct val="0"/>
+              </a:spcAft>
+              <a:buClrTx/>
+              <a:buSzTx/>
+              <a:buFontTx/>
+              <a:buNone/>
+              <a:tabLst/>
+            </a:pPr>
+            <a:r xmlns:a="http://schemas.openxmlformats.org/drawingml/2006/main">
+              <a:rPr kumimoji="0" lang="en" altLang="en-US" sz="2000" b="0" i="0" u="none" strike="noStrike" cap="none" normalizeH="0" baseline="0" dirty="0" smtClean="0">
+                <a:ln>
+                  <a:noFill/>
+                </a:ln>
+                <a:solidFill>
+                  <a:schemeClr val="tx1"/>
+                </a:solidFill>
+                <a:effectLst/>
+                <a:latin typeface="Arial" panose="020B0604020202020204" pitchFamily="34" charset="0"/>
+              </a:rPr>
+              <a:t>It </a:t>
+            </a:r>
+            <a:r xmlns:a="http://schemas.openxmlformats.org/drawingml/2006/main">
+              <a:rPr kumimoji="0" lang="en" altLang="en-US" sz="2000" b="0" i="0" u="none" strike="noStrike" cap="none" normalizeH="0" baseline="0" dirty="0" err="1" smtClean="0">
+                <a:ln>
+                  <a:noFill/>
+                </a:ln>
+                <a:solidFill>
+                  <a:schemeClr val="tx1"/>
+                </a:solidFill>
+                <a:effectLst/>
+                <a:latin typeface="Arial" panose="020B0604020202020204" pitchFamily="34" charset="0"/>
+              </a:rPr>
+              <a:t>is </a:t>
+            </a:r>
+            <a:r xmlns:a="http://schemas.openxmlformats.org/drawingml/2006/main">
+              <a:rPr kumimoji="0" lang="en" altLang="en-US" sz="2000" b="0" i="0" u="none" strike="noStrike" cap="none" normalizeH="0" baseline="0" dirty="0" smtClean="0">
+                <a:ln>
+                  <a:noFill/>
+                </a:ln>
+                <a:solidFill>
+                  <a:schemeClr val="tx1"/>
+                </a:solidFill>
+                <a:effectLst/>
+                <a:latin typeface="Arial" panose="020B0604020202020204" pitchFamily="34" charset="0"/>
+              </a:rPr>
+              <a:t>possible to </a:t>
+            </a:r>
+            <a:r xmlns:a="http://schemas.openxmlformats.org/drawingml/2006/main">
+              <a:rPr kumimoji="0" lang="en" altLang="en-US" sz="2000" b="0" i="0" u="none" strike="noStrike" cap="none" normalizeH="0" baseline="0" dirty="0" err="1" smtClean="0">
+                <a:ln>
+                  <a:noFill/>
+                </a:ln>
+                <a:solidFill>
+                  <a:schemeClr val="tx1"/>
+                </a:solidFill>
+                <a:effectLst/>
+                <a:latin typeface="Arial" panose="020B0604020202020204" pitchFamily="34" charset="0"/>
+              </a:rPr>
+              <a:t>share</a:t>
+            </a:r>
+            <a:r xmlns:a="http://schemas.openxmlformats.org/drawingml/2006/main">
+              <a:rPr kumimoji="0" lang="en" altLang="en-US" sz="2000" b="0" i="0" u="none" strike="noStrike" cap="none" normalizeH="0" baseline="0" dirty="0" smtClean="0">
+                <a:ln>
+                  <a:noFill/>
+                </a:ln>
+                <a:solidFill>
+                  <a:schemeClr val="tx1"/>
+                </a:solidFill>
+                <a:effectLst/>
+                <a:latin typeface="Arial" panose="020B0604020202020204" pitchFamily="34" charset="0"/>
+              </a:rPr>
+              <a:t> </a:t>
+            </a:r>
+            <a:r xmlns:a="http://schemas.openxmlformats.org/drawingml/2006/main">
+              <a:rPr kumimoji="0" lang="en" altLang="en-US" sz="2000" b="0" i="0" u="none" strike="noStrike" cap="none" normalizeH="0" baseline="0" dirty="0" err="1" smtClean="0">
+                <a:ln>
+                  <a:noFill/>
+                </a:ln>
+                <a:solidFill>
+                  <a:schemeClr val="tx1"/>
+                </a:solidFill>
+                <a:effectLst/>
+                <a:latin typeface="Arial" panose="020B0604020202020204" pitchFamily="34" charset="0"/>
+              </a:rPr>
+              <a:t>this</a:t>
+            </a:r>
+            <a:r xmlns:a="http://schemas.openxmlformats.org/drawingml/2006/main">
+              <a:rPr kumimoji="0" lang="en" altLang="en-US" sz="2000" b="0" i="0" u="none" strike="noStrike" cap="none" normalizeH="0" baseline="0" dirty="0" smtClean="0">
+                <a:ln>
+                  <a:noFill/>
+                </a:ln>
+                <a:solidFill>
+                  <a:schemeClr val="tx1"/>
+                </a:solidFill>
+                <a:effectLst/>
+                <a:latin typeface="Arial" panose="020B0604020202020204" pitchFamily="34" charset="0"/>
+              </a:rPr>
+              <a:t> </a:t>
+            </a:r>
+            <a:r xmlns:a="http://schemas.openxmlformats.org/drawingml/2006/main">
+              <a:rPr kumimoji="0" lang="en" altLang="en-US" sz="2000" b="0" i="0" u="none" strike="noStrike" cap="none" normalizeH="0" baseline="0" dirty="0" err="1" smtClean="0">
+                <a:ln>
+                  <a:noFill/>
+                </a:ln>
+                <a:solidFill>
+                  <a:schemeClr val="tx1"/>
+                </a:solidFill>
+                <a:effectLst/>
+                <a:latin typeface="Arial" panose="020B0604020202020204" pitchFamily="34" charset="0"/>
+              </a:rPr>
+              <a:t>connecting </a:t>
+            </a:r>
+            <a:r xmlns:a="http://schemas.openxmlformats.org/drawingml/2006/main">
+              <a:rPr kumimoji="0" lang="en" altLang="en-US" sz="2000" b="0" i="0" u="none" strike="noStrike" cap="none" normalizeH="0" baseline="0" dirty="0" smtClean="0">
+                <a:ln>
+                  <a:noFill/>
+                </a:ln>
+                <a:solidFill>
+                  <a:schemeClr val="tx1"/>
+                </a:solidFill>
+                <a:effectLst/>
+                <a:latin typeface="Arial" panose="020B0604020202020204" pitchFamily="34" charset="0"/>
+              </a:rPr>
+              <a:t>to the </a:t>
+            </a:r>
+            <a:r xmlns:a="http://schemas.openxmlformats.org/drawingml/2006/main">
+              <a:rPr kumimoji="0" lang="en" altLang="en-US" sz="2000" b="0" i="0" u="none" strike="noStrike" cap="none" normalizeH="0" baseline="0" dirty="0" err="1" smtClean="0">
+                <a:ln>
+                  <a:noFill/>
+                </a:ln>
+                <a:solidFill>
+                  <a:schemeClr val="tx1"/>
+                </a:solidFill>
+                <a:effectLst/>
+                <a:latin typeface="Arial" panose="020B0604020202020204" pitchFamily="34" charset="0"/>
+              </a:rPr>
+              <a:t>data source </a:t>
+            </a:r>
+            <a:r xmlns:a="http://schemas.openxmlformats.org/drawingml/2006/main">
+              <a:rPr kumimoji="0" lang="en" altLang="en-US" sz="2000" b="0" i="0" u="none" strike="noStrike" cap="none" normalizeH="0" baseline="0" dirty="0" smtClean="0">
+                <a:ln>
+                  <a:noFill/>
+                </a:ln>
+                <a:solidFill>
+                  <a:schemeClr val="tx1"/>
+                </a:solidFill>
+                <a:effectLst/>
+                <a:latin typeface="Arial" panose="020B0604020202020204" pitchFamily="34" charset="0"/>
+              </a:rPr>
+              <a:t>with </a:t>
+            </a:r>
+            <a:r xmlns:a="http://schemas.openxmlformats.org/drawingml/2006/main">
+              <a:rPr kumimoji="0" lang="en" altLang="en-US" sz="2000" b="0" i="0" u="none" strike="noStrike" cap="none" normalizeH="0" baseline="0" dirty="0" err="1" smtClean="0">
+                <a:ln>
+                  <a:noFill/>
+                </a:ln>
+                <a:solidFill>
+                  <a:schemeClr val="tx1"/>
+                </a:solidFill>
+                <a:effectLst/>
+                <a:latin typeface="Arial" panose="020B0604020202020204" pitchFamily="34" charset="0"/>
+              </a:rPr>
+              <a:t>others</a:t>
+            </a:r>
+            <a:r xmlns:a="http://schemas.openxmlformats.org/drawingml/2006/main">
+              <a:rPr kumimoji="0" lang="en" altLang="en-US" sz="2000" b="0" i="0" u="none" strike="noStrike" cap="none" normalizeH="0" baseline="0" dirty="0" smtClean="0">
+                <a:ln>
+                  <a:noFill/>
+                </a:ln>
+                <a:solidFill>
+                  <a:schemeClr val="tx1"/>
+                </a:solidFill>
+                <a:effectLst/>
+                <a:latin typeface="Arial" panose="020B0604020202020204" pitchFamily="34" charset="0"/>
+              </a:rPr>
+              <a:t> </a:t>
+            </a:r>
+            <a:r xmlns:a="http://schemas.openxmlformats.org/drawingml/2006/main">
+              <a:rPr kumimoji="0" lang="en" altLang="en-US" sz="2000" b="0" i="0" u="none" strike="noStrike" cap="none" normalizeH="0" baseline="0" dirty="0" err="1" smtClean="0">
+                <a:ln>
+                  <a:noFill/>
+                </a:ln>
+                <a:solidFill>
+                  <a:schemeClr val="tx1"/>
+                </a:solidFill>
+                <a:effectLst/>
+                <a:latin typeface="Arial" panose="020B0604020202020204" pitchFamily="34" charset="0"/>
+              </a:rPr>
+              <a:t>members </a:t>
+            </a:r>
+            <a:r xmlns:a="http://schemas.openxmlformats.org/drawingml/2006/main">
+              <a:rPr kumimoji="0" lang="en" altLang="en-US" sz="2000" b="0" i="0" u="none" strike="noStrike" cap="none" normalizeH="0" baseline="0" dirty="0" smtClean="0">
+                <a:ln>
+                  <a:noFill/>
+                </a:ln>
+                <a:solidFill>
+                  <a:schemeClr val="tx1"/>
+                </a:solidFill>
+                <a:effectLst/>
+                <a:latin typeface="Arial" panose="020B0604020202020204" pitchFamily="34" charset="0"/>
+              </a:rPr>
+              <a:t>of</a:t>
+            </a:r>
+          </a:p>
+          <a:p>
+            <a:pPr xmlns:a="http://schemas.openxmlformats.org/drawingml/2006/main" marL="0" marR="0" lvl="0" indent="0" algn="l" defTabSz="914400" rtl="0" eaLnBrk="0" fontAlgn="base" latinLnBrk="0" hangingPunct="0">
+              <a:lnSpc>
+                <a:spcPct val="100000"/>
+              </a:lnSpc>
+              <a:spcBef>
+                <a:spcPct val="0"/>
+              </a:spcBef>
+              <a:spcAft>
+                <a:spcPct val="0"/>
+              </a:spcAft>
+              <a:buClrTx/>
+              <a:buSzTx/>
+              <a:buFontTx/>
+              <a:buNone/>
+              <a:tabLst/>
+            </a:pPr>
+            <a:r xmlns:a="http://schemas.openxmlformats.org/drawingml/2006/main">
+              <a:rPr kumimoji="0" lang="en" altLang="en-US" sz="2000" b="0" i="0" u="none" strike="noStrike" cap="none" normalizeH="0" baseline="0" dirty="0" err="1" smtClean="0">
+                <a:ln>
+                  <a:noFill/>
+                </a:ln>
+                <a:solidFill>
+                  <a:schemeClr val="tx1"/>
+                </a:solidFill>
+                <a:effectLst/>
+                <a:latin typeface="Arial" panose="020B0604020202020204" pitchFamily="34" charset="0"/>
+              </a:rPr>
+              <a:t>the </a:t>
+            </a:r>
+            <a:r xmlns:a="http://schemas.openxmlformats.org/drawingml/2006/main">
+              <a:rPr kumimoji="0" lang="en" altLang="en-US" sz="2000" b="0" i="0" u="none" strike="noStrike" cap="none" normalizeH="0" baseline="0" dirty="0" smtClean="0">
+                <a:ln>
+                  <a:noFill/>
+                </a:ln>
+                <a:solidFill>
+                  <a:schemeClr val="tx1"/>
+                </a:solidFill>
+                <a:effectLst/>
+                <a:latin typeface="Arial" panose="020B0604020202020204" pitchFamily="34" charset="0"/>
+              </a:rPr>
+              <a:t>workspace </a:t>
+            </a:r>
+            <a:r xmlns:a="http://schemas.openxmlformats.org/drawingml/2006/main">
+              <a:rPr kumimoji="0" lang="en" altLang="en-US" sz="2000" b="0" i="0" u="none" strike="noStrike" cap="none" normalizeH="0" baseline="0" dirty="0" err="1" smtClean="0">
+                <a:ln>
+                  <a:noFill/>
+                </a:ln>
+                <a:solidFill>
+                  <a:schemeClr val="tx1"/>
+                </a:solidFill>
+                <a:effectLst/>
+                <a:latin typeface="Arial" panose="020B0604020202020204" pitchFamily="34" charset="0"/>
+              </a:rPr>
+              <a:t>by </a:t>
+            </a:r>
+            <a:r xmlns:a="http://schemas.openxmlformats.org/drawingml/2006/main">
+              <a:rPr kumimoji="0" lang="en" altLang="en-US" sz="2000" b="0" i="0" u="none" strike="noStrike" cap="none" normalizeH="0" baseline="0" dirty="0" err="1" smtClean="0">
+                <a:ln>
+                  <a:noFill/>
+                </a:ln>
+                <a:solidFill>
+                  <a:schemeClr val="tx1"/>
+                </a:solidFill>
+                <a:effectLst/>
+                <a:latin typeface="Arial" panose="020B0604020202020204" pitchFamily="34" charset="0"/>
+              </a:rPr>
+              <a:t>searching </a:t>
+            </a:r>
+            <a:r xmlns:a="http://schemas.openxmlformats.org/drawingml/2006/main">
+              <a:rPr kumimoji="0" lang="en" altLang="en-US" sz="2000" b="0" i="0" u="none" strike="noStrike" cap="none" normalizeH="0" baseline="0" dirty="0" err="1" smtClean="0">
+                <a:ln>
+                  <a:noFill/>
+                </a:ln>
+                <a:solidFill>
+                  <a:schemeClr val="tx1"/>
+                </a:solidFill>
+                <a:effectLst/>
+                <a:latin typeface="Arial" panose="020B0604020202020204" pitchFamily="34" charset="0"/>
+              </a:rPr>
+              <a:t>for </a:t>
+            </a:r>
+            <a:r xmlns:a="http://schemas.openxmlformats.org/drawingml/2006/main">
+              <a:rPr kumimoji="0" lang="en" altLang="en-US" sz="2000" b="0" i="0" u="none" strike="noStrike" cap="none" normalizeH="0" baseline="0" dirty="0" smtClean="0">
+                <a:ln>
+                  <a:noFill/>
+                </a:ln>
+                <a:solidFill>
+                  <a:schemeClr val="tx1"/>
+                </a:solidFill>
+                <a:effectLst/>
+                <a:latin typeface="Arial" panose="020B0604020202020204" pitchFamily="34" charset="0"/>
+              </a:rPr>
+              <a:t>them </a:t>
+            </a:r>
+            <a:r xmlns:a="http://schemas.openxmlformats.org/drawingml/2006/main">
+              <a:rPr kumimoji="0" lang="en" altLang="en-US" sz="2000" b="0" i="0" u="none" strike="noStrike" cap="none" normalizeH="0" baseline="0" dirty="0" smtClean="0">
+                <a:ln>
+                  <a:noFill/>
+                </a:ln>
+                <a:solidFill>
+                  <a:schemeClr val="tx1"/>
+                </a:solidFill>
+                <a:effectLst/>
+                <a:latin typeface="Arial" panose="020B0604020202020204" pitchFamily="34" charset="0"/>
+              </a:rPr>
+              <a:t>by email and </a:t>
+            </a:r>
+            <a:r xmlns:a="http://schemas.openxmlformats.org/drawingml/2006/main">
+              <a:rPr kumimoji="0" lang="en" altLang="en-US" sz="2000" b="0" i="0" u="none" strike="noStrike" cap="none" normalizeH="0" baseline="0" dirty="0" err="1" smtClean="0">
+                <a:ln>
+                  <a:noFill/>
+                </a:ln>
+                <a:solidFill>
+                  <a:schemeClr val="tx1"/>
+                </a:solidFill>
+                <a:effectLst/>
+                <a:latin typeface="Arial" panose="020B0604020202020204" pitchFamily="34" charset="0"/>
+              </a:rPr>
+              <a:t>adding </a:t>
+            </a:r>
+            <a:r xmlns:a="http://schemas.openxmlformats.org/drawingml/2006/main">
+              <a:rPr kumimoji="0" lang="en" altLang="en-US" sz="2000" b="0" i="0" u="none" strike="noStrike" cap="none" normalizeH="0" baseline="0" dirty="0" smtClean="0">
+                <a:ln>
+                  <a:noFill/>
+                </a:ln>
+                <a:solidFill>
+                  <a:schemeClr val="tx1"/>
+                </a:solidFill>
+                <a:effectLst/>
+                <a:latin typeface="Arial" panose="020B0604020202020204" pitchFamily="34" charset="0"/>
+              </a:rPr>
+              <a:t>them </a:t>
+            </a:r>
+            <a:r xmlns:a="http://schemas.openxmlformats.org/drawingml/2006/main">
+              <a:rPr kumimoji="0" lang="en" altLang="en-US" sz="2000" b="0" i="0" u="none" strike="noStrike" cap="none" normalizeH="0" baseline="0" dirty="0" smtClean="0">
+                <a:ln>
+                  <a:noFill/>
+                </a:ln>
+                <a:solidFill>
+                  <a:schemeClr val="tx1"/>
+                </a:solidFill>
+                <a:effectLst/>
+                <a:latin typeface="Arial" panose="020B0604020202020204" pitchFamily="34" charset="0"/>
+              </a:rPr>
+              <a:t>.</a:t>
+            </a:r>
           </a:p>
         </p:txBody>
       </p:sp>
@@ -6256,14 +6611,14 @@
       </p:sp>
       <p:sp>
         <p:nvSpPr>
-          <p:cNvPr id="5" name="TextBox 4"/>
+          <p:cNvPr id="7" name="TextBox 6"/>
           <p:cNvSpPr txBox="1"/>
           <p:nvPr/>
         </p:nvSpPr>
         <p:spPr>
           <a:xfrm>
-            <a:off x="2916199" y="2162433"/>
-            <a:ext cx="6230360" cy="1569660"/>
+            <a:off x="3977355" y="2625277"/>
+            <a:ext cx="3456395" cy="1569660"/>
           </a:xfrm>
           <a:prstGeom prst="rect">
             <a:avLst/>
@@ -6276,8 +6631,8 @@
           </a:bodyPr>
           <a:lstStyle/>
           <a:p>
-            <a:r>
-              <a:rPr lang="en-US" sz="9600" b="1" dirty="0" smtClean="0">
+            <a:r xmlns:a="http://schemas.openxmlformats.org/drawingml/2006/main">
+              <a:rPr lang="en" sz="9600" b="1" dirty="0" smtClean="0">
                 <a:solidFill>
                   <a:srgbClr val="7030A0"/>
                 </a:solidFill>
@@ -6285,9 +6640,9 @@
                 <a:ea typeface="Verdana" panose="020B0604030504040204" pitchFamily="34" charset="0"/>
                 <a:cs typeface="Segoe UI" panose="020B0502040204020203" pitchFamily="34" charset="0"/>
               </a:rPr>
-              <a:t>Thank you</a:t>
-            </a:r>
-            <a:endParaRPr lang="en-US" sz="9600" b="1" dirty="0">
+              <a:t>THANKS</a:t>
+            </a:r>
+            <a:endParaRPr xmlns:a="http://schemas.openxmlformats.org/drawingml/2006/main" lang="en-US" sz="9600" b="1" dirty="0">
               <a:solidFill>
                 <a:srgbClr val="7030A0"/>
               </a:solidFill>
@@ -6300,14 +6655,14 @@
       </p:sp>
       <p:sp>
         <p:nvSpPr>
-          <p:cNvPr id="6" name="TextBox 5"/>
+          <p:cNvPr id="8" name="TextBox 7"/>
           <p:cNvSpPr txBox="1"/>
           <p:nvPr/>
         </p:nvSpPr>
         <p:spPr>
           <a:xfrm>
-            <a:off x="2990336" y="2217861"/>
-            <a:ext cx="6230360" cy="1569660"/>
+            <a:off x="3915266" y="2563188"/>
+            <a:ext cx="3456395" cy="1569660"/>
           </a:xfrm>
           <a:prstGeom prst="rect">
             <a:avLst/>
@@ -6320,8 +6675,8 @@
           </a:bodyPr>
           <a:lstStyle/>
           <a:p>
-            <a:r>
-              <a:rPr lang="en-US" sz="9600" b="1" dirty="0" smtClean="0">
+            <a:r xmlns:a="http://schemas.openxmlformats.org/drawingml/2006/main">
+              <a:rPr lang="en" sz="9600" b="1" dirty="0" smtClean="0">
                 <a:solidFill>
                   <a:schemeClr val="bg1"/>
                 </a:solidFill>
@@ -6329,9 +6684,9 @@
                 <a:ea typeface="Verdana" panose="020B0604030504040204" pitchFamily="34" charset="0"/>
                 <a:cs typeface="Segoe UI" panose="020B0502040204020203" pitchFamily="34" charset="0"/>
               </a:rPr>
-              <a:t>Thank you</a:t>
-            </a:r>
-            <a:endParaRPr lang="en-US" sz="9600" b="1" dirty="0">
+              <a:t>THANKS</a:t>
+            </a:r>
+            <a:endParaRPr xmlns:a="http://schemas.openxmlformats.org/drawingml/2006/main" lang="en-US" sz="9600" b="1" dirty="0">
               <a:solidFill>
                 <a:schemeClr val="bg1"/>
               </a:solidFill>
@@ -6381,7 +6736,7 @@
         <p:spPr>
           <a:xfrm>
             <a:off x="295632" y="275007"/>
-            <a:ext cx="2164375" cy="461665"/>
+            <a:ext cx="3297121" cy="461665"/>
           </a:xfrm>
           <a:prstGeom prst="rect">
             <a:avLst/>
@@ -6394,14 +6749,21 @@
           </a:bodyPr>
           <a:lstStyle/>
           <a:p>
-            <a:r>
-              <a:rPr lang="en-US" sz="2400" dirty="0" smtClean="0">
+            <a:r xmlns:a="http://schemas.openxmlformats.org/drawingml/2006/main">
+              <a:rPr lang="en" sz="2400" b="1" dirty="0" smtClean="0">
                 <a:latin typeface="Segoe UI" panose="020B0502040204020203" pitchFamily="34" charset="0"/>
                 <a:cs typeface="Segoe UI" panose="020B0502040204020203" pitchFamily="34" charset="0"/>
               </a:rPr>
-              <a:t>Deploy report </a:t>
-            </a:r>
-            <a:endParaRPr lang="en-US" sz="2400" dirty="0">
+              <a:t>Deploy </a:t>
+            </a:r>
+            <a:r xmlns:a="http://schemas.openxmlformats.org/drawingml/2006/main">
+              <a:rPr lang="en" sz="2400" b="1" dirty="0" smtClean="0">
+                <a:latin typeface="Segoe UI" panose="020B0502040204020203" pitchFamily="34" charset="0"/>
+                <a:cs typeface="Segoe UI" panose="020B0502040204020203" pitchFamily="34" charset="0"/>
+              </a:rPr>
+              <a:t>reports</a:t>
+            </a:r>
+            <a:endParaRPr xmlns:a="http://schemas.openxmlformats.org/drawingml/2006/main" lang="en-US" sz="2400" b="1" dirty="0">
               <a:latin typeface="Segoe UI" panose="020B0502040204020203" pitchFamily="34" charset="0"/>
               <a:cs typeface="Segoe UI" panose="020B0502040204020203" pitchFamily="34" charset="0"/>
             </a:endParaRPr>
@@ -6417,7 +6779,7 @@
         <p:spPr>
           <a:xfrm>
             <a:off x="352926" y="978860"/>
-            <a:ext cx="5463483" cy="366895"/>
+            <a:ext cx="6398509" cy="397416"/>
           </a:xfrm>
           <a:prstGeom prst="rect">
             <a:avLst/>
@@ -6429,7 +6791,7 @@
           </a:bodyPr>
           <a:lstStyle/>
           <a:p>
-            <a:pPr>
+            <a:pPr xmlns:a="http://schemas.openxmlformats.org/drawingml/2006/main">
               <a:lnSpc>
                 <a:spcPct val="107000"/>
               </a:lnSpc>
@@ -6440,23 +6802,23 @@
                 <a:spcPts val="0"/>
               </a:spcAft>
             </a:pPr>
-            <a:r>
-              <a:rPr lang="en-US" b="1" kern="0" dirty="0" smtClean="0">
+            <a:r xmlns:a="http://schemas.openxmlformats.org/drawingml/2006/main">
+              <a:rPr lang="en" sz="2000" b="1" kern="0" dirty="0" smtClean="0">
                 <a:latin typeface="Segoe UI" panose="020B0502040204020203" pitchFamily="34" charset="0"/>
                 <a:ea typeface="Times New Roman" panose="02020603050405020304" pitchFamily="18" charset="0"/>
                 <a:cs typeface="Times New Roman" panose="02020603050405020304" pitchFamily="18" charset="0"/>
               </a:rPr>
               <a:t>Note: </a:t>
             </a:r>
-            <a:r>
-              <a:rPr lang="en-US" kern="0" dirty="0" smtClean="0">
+            <a:r xmlns:a="http://schemas.openxmlformats.org/drawingml/2006/main">
+              <a:rPr lang="en" sz="2000" kern="0" dirty="0" smtClean="0">
                 <a:latin typeface="Segoe UI" panose="020B0502040204020203" pitchFamily="34" charset="0"/>
                 <a:ea typeface="Times New Roman" panose="02020603050405020304" pitchFamily="18" charset="0"/>
                 <a:cs typeface="Times New Roman" panose="02020603050405020304" pitchFamily="18" charset="0"/>
               </a:rPr>
-              <a:t>This lab requires a Power BI Services session </a:t>
-            </a:r>
-            <a:endParaRPr lang="en-US" sz="2800" b="1" kern="0" dirty="0">
+              <a:t>This workshop requires a Power BI account</a:t>
+            </a:r>
+            <a:endParaRPr xmlns:a="http://schemas.openxmlformats.org/drawingml/2006/main" lang="fr-FR" sz="3200" b="1" kern="0" dirty="0">
               <a:effectLst/>
               <a:latin typeface="Segoe UI" panose="020B0502040204020203" pitchFamily="34" charset="0"/>
               <a:ea typeface="Times New Roman" panose="02020603050405020304" pitchFamily="18" charset="0"/>
@@ -6473,8 +6835,8 @@
         </p:nvSpPr>
         <p:spPr>
           <a:xfrm>
-            <a:off x="352926" y="1415396"/>
-            <a:ext cx="9470524" cy="366895"/>
+            <a:off x="352925" y="1415396"/>
+            <a:ext cx="11218015" cy="421654"/>
           </a:xfrm>
           <a:prstGeom prst="rect">
             <a:avLst/>
@@ -6486,7 +6848,7 @@
           </a:bodyPr>
           <a:lstStyle/>
           <a:p>
-            <a:pPr>
+            <a:pPr xmlns:a="http://schemas.openxmlformats.org/drawingml/2006/main">
               <a:lnSpc>
                 <a:spcPct val="107000"/>
               </a:lnSpc>
@@ -6497,55 +6859,111 @@
                 <a:spcPts val="0"/>
               </a:spcAft>
             </a:pPr>
-            <a:r>
-              <a:rPr lang="en-US" b="1" kern="0" dirty="0" smtClean="0">
+            <a:r xmlns:a="http://schemas.openxmlformats.org/drawingml/2006/main">
+              <a:rPr lang="en" sz="2000" b="1" kern="0" dirty="0" smtClean="0">
                 <a:latin typeface="Segoe UI" panose="020B0502040204020203" pitchFamily="34" charset="0"/>
                 <a:ea typeface="Times New Roman" panose="02020603050405020304" pitchFamily="18" charset="0"/>
                 <a:cs typeface="Times New Roman" panose="02020603050405020304" pitchFamily="18" charset="0"/>
               </a:rPr>
               <a:t>Note: </a:t>
             </a:r>
-            <a:r>
-              <a:rPr lang="en-US" kern="0" dirty="0" smtClean="0">
+            <a:r xmlns:a="http://schemas.openxmlformats.org/drawingml/2006/main">
+              <a:rPr lang="en" sz="2000" kern="0" dirty="0" err="1" smtClean="0">
                 <a:latin typeface="Segoe UI" panose="020B0502040204020203" pitchFamily="34" charset="0"/>
                 <a:ea typeface="Times New Roman" panose="02020603050405020304" pitchFamily="18" charset="0"/>
                 <a:cs typeface="Times New Roman" panose="02020603050405020304" pitchFamily="18" charset="0"/>
               </a:rPr>
-              <a:t>This is using Sample1.pbix from </a:t>
-            </a:r>
-            <a:r>
-              <a:rPr lang="en-US" b="1" kern="0" dirty="0" smtClean="0">
+              <a:t>This</a:t>
+            </a:r>
+            <a:r xmlns:a="http://schemas.openxmlformats.org/drawingml/2006/main">
+              <a:rPr lang="en" sz="2000" kern="0" dirty="0" smtClean="0">
                 <a:latin typeface="Segoe UI" panose="020B0502040204020203" pitchFamily="34" charset="0"/>
                 <a:ea typeface="Times New Roman" panose="02020603050405020304" pitchFamily="18" charset="0"/>
                 <a:cs typeface="Times New Roman" panose="02020603050405020304" pitchFamily="18" charset="0"/>
               </a:rPr>
-              <a:t>Produits.xlsx </a:t>
-            </a:r>
-            <a:r>
-              <a:rPr lang="en-US" kern="0" dirty="0" smtClean="0">
+              <a:t> </a:t>
+            </a:r>
+            <a:r xmlns:a="http://schemas.openxmlformats.org/drawingml/2006/main">
+              <a:rPr lang="en" sz="2000" kern="0" dirty="0" err="1" smtClean="0">
                 <a:latin typeface="Segoe UI" panose="020B0502040204020203" pitchFamily="34" charset="0"/>
                 <a:ea typeface="Times New Roman" panose="02020603050405020304" pitchFamily="18" charset="0"/>
                 <a:cs typeface="Times New Roman" panose="02020603050405020304" pitchFamily="18" charset="0"/>
               </a:rPr>
-              <a:t>in the </a:t>
-            </a:r>
-            <a:r>
-              <a:rPr lang="en-US" b="1" kern="0" dirty="0" smtClean="0">
+              <a:t>exercise </a:t>
+            </a:r>
+            <a:r xmlns:a="http://schemas.openxmlformats.org/drawingml/2006/main">
+              <a:rPr lang="en" sz="2000" kern="0" dirty="0" smtClean="0">
                 <a:latin typeface="Segoe UI" panose="020B0502040204020203" pitchFamily="34" charset="0"/>
                 <a:ea typeface="Times New Roman" panose="02020603050405020304" pitchFamily="18" charset="0"/>
                 <a:cs typeface="Times New Roman" panose="02020603050405020304" pitchFamily="18" charset="0"/>
               </a:rPr>
-              <a:t>Excel Sources</a:t>
-            </a:r>
-            <a:r>
-              <a:rPr lang="en-US" kern="0" dirty="0" smtClean="0">
+              <a:t>uses </a:t>
+            </a:r>
+            <a:r xmlns:a="http://schemas.openxmlformats.org/drawingml/2006/main">
+              <a:rPr lang="en" sz="2000" b="1" kern="0" dirty="0" smtClean="0">
                 <a:latin typeface="Segoe UI" panose="020B0502040204020203" pitchFamily="34" charset="0"/>
                 <a:ea typeface="Times New Roman" panose="02020603050405020304" pitchFamily="18" charset="0"/>
                 <a:cs typeface="Times New Roman" panose="02020603050405020304" pitchFamily="18" charset="0"/>
               </a:rPr>
-              <a:t> folder</a:t>
-            </a:r>
-            <a:endParaRPr lang="en-US" sz="2800" b="1" kern="0" dirty="0">
+              <a:t>Sample1.pbix </a:t>
+            </a:r>
+            <a:r xmlns:a="http://schemas.openxmlformats.org/drawingml/2006/main">
+              <a:rPr lang="en" sz="2000" kern="0" dirty="0" smtClean="0">
+                <a:latin typeface="Segoe UI" panose="020B0502040204020203" pitchFamily="34" charset="0"/>
+                <a:ea typeface="Times New Roman" panose="02020603050405020304" pitchFamily="18" charset="0"/>
+                <a:cs typeface="Times New Roman" panose="02020603050405020304" pitchFamily="18" charset="0"/>
+              </a:rPr>
+              <a:t>from </a:t>
+            </a:r>
+            <a:r xmlns:a="http://schemas.openxmlformats.org/drawingml/2006/main">
+              <a:rPr lang="en" sz="2000" b="1" kern="0" dirty="0" smtClean="0">
+                <a:latin typeface="Segoe UI" panose="020B0502040204020203" pitchFamily="34" charset="0"/>
+                <a:ea typeface="Times New Roman" panose="02020603050405020304" pitchFamily="18" charset="0"/>
+                <a:cs typeface="Times New Roman" panose="02020603050405020304" pitchFamily="18" charset="0"/>
+              </a:rPr>
+              <a:t>Products.xlsx </a:t>
+            </a:r>
+            <a:r xmlns:a="http://schemas.openxmlformats.org/drawingml/2006/main">
+              <a:rPr lang="en" sz="2000" kern="0" dirty="0" smtClean="0">
+                <a:latin typeface="Segoe UI" panose="020B0502040204020203" pitchFamily="34" charset="0"/>
+                <a:ea typeface="Times New Roman" panose="02020603050405020304" pitchFamily="18" charset="0"/>
+                <a:cs typeface="Times New Roman" panose="02020603050405020304" pitchFamily="18" charset="0"/>
+              </a:rPr>
+              <a:t>at the </a:t>
+            </a:r>
+            <a:r xmlns:a="http://schemas.openxmlformats.org/drawingml/2006/main">
+              <a:rPr lang="en" sz="2000" b="1" kern="0" dirty="0" smtClean="0">
+                <a:latin typeface="Segoe UI" panose="020B0502040204020203" pitchFamily="34" charset="0"/>
+                <a:ea typeface="Times New Roman" panose="02020603050405020304" pitchFamily="18" charset="0"/>
+                <a:cs typeface="Times New Roman" panose="02020603050405020304" pitchFamily="18" charset="0"/>
+              </a:rPr>
+              <a:t>Excel Sources </a:t>
+            </a:r>
+            <a:r xmlns:a="http://schemas.openxmlformats.org/drawingml/2006/main">
+              <a:rPr lang="en" sz="2000" kern="0" dirty="0" smtClean="0">
+                <a:latin typeface="Segoe UI" panose="020B0502040204020203" pitchFamily="34" charset="0"/>
+                <a:ea typeface="Times New Roman" panose="02020603050405020304" pitchFamily="18" charset="0"/>
+                <a:cs typeface="Times New Roman" panose="02020603050405020304" pitchFamily="18" charset="0"/>
+              </a:rPr>
+              <a:t>folder </a:t>
+            </a:r>
+            <a:r xmlns:a="http://schemas.openxmlformats.org/drawingml/2006/main">
+              <a:rPr lang="en" sz="2000" kern="0" dirty="0" err="1" smtClean="0">
+                <a:latin typeface="Segoe UI" panose="020B0502040204020203" pitchFamily="34" charset="0"/>
+                <a:ea typeface="Times New Roman" panose="02020603050405020304" pitchFamily="18" charset="0"/>
+                <a:cs typeface="Times New Roman" panose="02020603050405020304" pitchFamily="18" charset="0"/>
+              </a:rPr>
+              <a:t>level</a:t>
+            </a:r>
+            <a:r xmlns:a="http://schemas.openxmlformats.org/drawingml/2006/main">
+              <a:rPr lang="en" sz="2000" kern="0" dirty="0" smtClean="0">
+                <a:latin typeface="Segoe UI" panose="020B0502040204020203" pitchFamily="34" charset="0"/>
+                <a:ea typeface="Times New Roman" panose="02020603050405020304" pitchFamily="18" charset="0"/>
+                <a:cs typeface="Times New Roman" panose="02020603050405020304" pitchFamily="18" charset="0"/>
+              </a:rPr>
+              <a:t> </a:t>
+            </a:r>
+            <a:endParaRPr xmlns:a="http://schemas.openxmlformats.org/drawingml/2006/main" lang="en-US" sz="3200" b="1" kern="0" dirty="0">
               <a:effectLst/>
               <a:latin typeface="Segoe UI" panose="020B0502040204020203" pitchFamily="34" charset="0"/>
               <a:ea typeface="Times New Roman" panose="02020603050405020304" pitchFamily="18" charset="0"/>
@@ -6627,7 +7045,7 @@
         <p:spPr>
           <a:xfrm>
             <a:off x="295632" y="275007"/>
-            <a:ext cx="2164375" cy="461665"/>
+            <a:ext cx="3382080" cy="461665"/>
           </a:xfrm>
           <a:prstGeom prst="rect">
             <a:avLst/>
@@ -6640,14 +7058,21 @@
           </a:bodyPr>
           <a:lstStyle/>
           <a:p>
-            <a:r>
-              <a:rPr lang="en-US" sz="2400" dirty="0" smtClean="0">
+            <a:r xmlns:a="http://schemas.openxmlformats.org/drawingml/2006/main">
+              <a:rPr lang="en" sz="2400" b="1" dirty="0" err="1" smtClean="0">
                 <a:latin typeface="Segoe UI" panose="020B0502040204020203" pitchFamily="34" charset="0"/>
                 <a:cs typeface="Segoe UI" panose="020B0502040204020203" pitchFamily="34" charset="0"/>
               </a:rPr>
-              <a:t>Deploy report </a:t>
-            </a:r>
-            <a:endParaRPr lang="en-US" sz="2400" dirty="0">
+              <a:t>Deploy </a:t>
+            </a:r>
+            <a:r xmlns:a="http://schemas.openxmlformats.org/drawingml/2006/main">
+              <a:rPr lang="en" sz="2400" b="1" dirty="0" smtClean="0">
+                <a:latin typeface="Segoe UI" panose="020B0502040204020203" pitchFamily="34" charset="0"/>
+                <a:cs typeface="Segoe UI" panose="020B0502040204020203" pitchFamily="34" charset="0"/>
+              </a:rPr>
+              <a:t>reports</a:t>
+            </a:r>
+            <a:endParaRPr xmlns:a="http://schemas.openxmlformats.org/drawingml/2006/main" lang="en-US" sz="2400" b="1" dirty="0">
               <a:latin typeface="Segoe UI" panose="020B0502040204020203" pitchFamily="34" charset="0"/>
               <a:cs typeface="Segoe UI" panose="020B0502040204020203" pitchFamily="34" charset="0"/>
             </a:endParaRPr>
@@ -6663,7 +7088,7 @@
         <p:spPr>
           <a:xfrm>
             <a:off x="295632" y="817659"/>
-            <a:ext cx="9299838" cy="388696"/>
+            <a:ext cx="10663418" cy="736355"/>
           </a:xfrm>
           <a:prstGeom prst="rect">
             <a:avLst/>
@@ -6675,7 +7100,7 @@
           </a:bodyPr>
           <a:lstStyle/>
           <a:p>
-            <a:pPr lvl="0">
+            <a:pPr xmlns:a="http://schemas.openxmlformats.org/drawingml/2006/main" lvl="0">
               <a:lnSpc>
                 <a:spcPct val="107000"/>
               </a:lnSpc>
@@ -6683,111 +7108,11 @@
                 <a:spcPts val="800"/>
               </a:spcAft>
             </a:pPr>
-            <a:r>
-              <a:rPr lang="fr-FR" dirty="0">
-                <a:latin typeface="Calibri" panose="020F0502020204030204" pitchFamily="34" charset="0"/>
-                <a:ea typeface="Calibri" panose="020F0502020204030204" pitchFamily="34" charset="0"/>
-                <a:cs typeface="Times New Roman" panose="02020603050405020304" pitchFamily="18" charset="0"/>
-              </a:rPr>
-              <a:t>Save the report and </a:t>
-            </a:r>
-            <a:r>
-              <a:rPr lang="fr-FR" dirty="0" err="1">
-                <a:latin typeface="Calibri" panose="020F0502020204030204" pitchFamily="34" charset="0"/>
-                <a:ea typeface="Calibri" panose="020F0502020204030204" pitchFamily="34" charset="0"/>
-                <a:cs typeface="Times New Roman" panose="02020603050405020304" pitchFamily="18" charset="0"/>
-              </a:rPr>
-              <a:t>publish</a:t>
-            </a:r>
-            <a:r>
-              <a:rPr lang="fr-FR" dirty="0">
-                <a:latin typeface="Calibri" panose="020F0502020204030204" pitchFamily="34" charset="0"/>
-                <a:ea typeface="Calibri" panose="020F0502020204030204" pitchFamily="34" charset="0"/>
-                <a:cs typeface="Times New Roman" panose="02020603050405020304" pitchFamily="18" charset="0"/>
-              </a:rPr>
-              <a:t> </a:t>
-            </a:r>
-            <a:r>
-              <a:rPr lang="fr-FR" dirty="0" err="1">
-                <a:latin typeface="Calibri" panose="020F0502020204030204" pitchFamily="34" charset="0"/>
-                <a:ea typeface="Calibri" panose="020F0502020204030204" pitchFamily="34" charset="0"/>
-                <a:cs typeface="Times New Roman" panose="02020603050405020304" pitchFamily="18" charset="0"/>
-              </a:rPr>
-              <a:t>it</a:t>
-            </a:r>
-            <a:r>
-              <a:rPr lang="fr-FR" dirty="0">
-                <a:latin typeface="Calibri" panose="020F0502020204030204" pitchFamily="34" charset="0"/>
-                <a:ea typeface="Calibri" panose="020F0502020204030204" pitchFamily="34" charset="0"/>
-                <a:cs typeface="Times New Roman" panose="02020603050405020304" pitchFamily="18" charset="0"/>
-              </a:rPr>
-              <a:t> in the </a:t>
-            </a:r>
-            <a:r>
-              <a:rPr lang="fr-FR" dirty="0" err="1">
-                <a:latin typeface="Calibri" panose="020F0502020204030204" pitchFamily="34" charset="0"/>
-                <a:ea typeface="Calibri" panose="020F0502020204030204" pitchFamily="34" charset="0"/>
-                <a:cs typeface="Times New Roman" panose="02020603050405020304" pitchFamily="18" charset="0"/>
-              </a:rPr>
-              <a:t>workspace</a:t>
-            </a:r>
-            <a:r>
-              <a:rPr lang="fr-FR" dirty="0">
-                <a:latin typeface="Calibri" panose="020F0502020204030204" pitchFamily="34" charset="0"/>
-                <a:ea typeface="Calibri" panose="020F0502020204030204" pitchFamily="34" charset="0"/>
-                <a:cs typeface="Times New Roman" panose="02020603050405020304" pitchFamily="18" charset="0"/>
-              </a:rPr>
-              <a:t> of </a:t>
-            </a:r>
-            <a:r>
-              <a:rPr lang="fr-FR" dirty="0" err="1">
-                <a:latin typeface="Calibri" panose="020F0502020204030204" pitchFamily="34" charset="0"/>
-                <a:ea typeface="Calibri" panose="020F0502020204030204" pitchFamily="34" charset="0"/>
-                <a:cs typeface="Times New Roman" panose="02020603050405020304" pitchFamily="18" charset="0"/>
-              </a:rPr>
-              <a:t>choice</a:t>
-            </a:r>
-            <a:r>
-              <a:rPr lang="fr-FR" dirty="0">
-                <a:latin typeface="Calibri" panose="020F0502020204030204" pitchFamily="34" charset="0"/>
-                <a:ea typeface="Calibri" panose="020F0502020204030204" pitchFamily="34" charset="0"/>
-                <a:cs typeface="Times New Roman" panose="02020603050405020304" pitchFamily="18" charset="0"/>
-              </a:rPr>
-              <a:t> by </a:t>
-            </a:r>
-            <a:r>
-              <a:rPr lang="fr-FR" dirty="0" err="1">
-                <a:latin typeface="Calibri" panose="020F0502020204030204" pitchFamily="34" charset="0"/>
-                <a:ea typeface="Calibri" panose="020F0502020204030204" pitchFamily="34" charset="0"/>
-                <a:cs typeface="Times New Roman" panose="02020603050405020304" pitchFamily="18" charset="0"/>
-              </a:rPr>
-              <a:t>clicking</a:t>
-            </a:r>
-            <a:r>
-              <a:rPr lang="fr-FR" dirty="0">
-                <a:latin typeface="Calibri" panose="020F0502020204030204" pitchFamily="34" charset="0"/>
-                <a:ea typeface="Calibri" panose="020F0502020204030204" pitchFamily="34" charset="0"/>
-                <a:cs typeface="Times New Roman" panose="02020603050405020304" pitchFamily="18" charset="0"/>
-              </a:rPr>
-              <a:t> the </a:t>
-            </a:r>
-            <a:r>
-              <a:rPr lang="fr-FR" b="1" dirty="0">
-                <a:latin typeface="Calibri" panose="020F0502020204030204" pitchFamily="34" charset="0"/>
-                <a:ea typeface="Calibri" panose="020F0502020204030204" pitchFamily="34" charset="0"/>
-                <a:cs typeface="Times New Roman" panose="02020603050405020304" pitchFamily="18" charset="0"/>
-              </a:rPr>
-              <a:t>Select </a:t>
-            </a:r>
-            <a:r>
-              <a:rPr lang="fr-FR" b="1" dirty="0" err="1">
-                <a:latin typeface="Calibri" panose="020F0502020204030204" pitchFamily="34" charset="0"/>
-                <a:ea typeface="Calibri" panose="020F0502020204030204" pitchFamily="34" charset="0"/>
-                <a:cs typeface="Times New Roman" panose="02020603050405020304" pitchFamily="18" charset="0"/>
-              </a:rPr>
-              <a:t>button</a:t>
-            </a:r>
-            <a:endParaRPr lang="en-US" dirty="0">
+            <a:r xmlns:a="http://schemas.openxmlformats.org/drawingml/2006/main">
+              <a:rPr lang="en" sz="2000" dirty="0"/>
+              <a:t>Save the report and publish it to the workspace of your choice by clicking the Select button.</a:t>
+            </a:r>
+            <a:endParaRPr xmlns:a="http://schemas.openxmlformats.org/drawingml/2006/main" lang="en-US" sz="2000" dirty="0">
               <a:latin typeface="Calibri" panose="020F0502020204030204" pitchFamily="34" charset="0"/>
               <a:ea typeface="Calibri" panose="020F0502020204030204" pitchFamily="34" charset="0"/>
               <a:cs typeface="Times New Roman" panose="02020603050405020304" pitchFamily="18" charset="0"/>
@@ -6811,7 +7136,7 @@
         </p:blipFill>
         <p:spPr>
           <a:xfrm>
-            <a:off x="295632" y="1384918"/>
+            <a:off x="295632" y="1756178"/>
             <a:ext cx="4477375" cy="1571844"/>
           </a:xfrm>
           <a:prstGeom prst="rect">
@@ -6845,7 +7170,7 @@
         </p:blipFill>
         <p:spPr>
           <a:xfrm>
-            <a:off x="5494103" y="1473812"/>
+            <a:off x="5892864" y="1756178"/>
             <a:ext cx="4572638" cy="4391638"/>
           </a:xfrm>
           <a:prstGeom prst="rect">
@@ -6902,7 +7227,7 @@
         <p:spPr>
           <a:xfrm>
             <a:off x="295632" y="275007"/>
-            <a:ext cx="2164375" cy="461665"/>
+            <a:ext cx="3382080" cy="461665"/>
           </a:xfrm>
           <a:prstGeom prst="rect">
             <a:avLst/>
@@ -6915,14 +7240,21 @@
           </a:bodyPr>
           <a:lstStyle/>
           <a:p>
-            <a:r>
-              <a:rPr lang="en-US" sz="2400" dirty="0" smtClean="0">
+            <a:r xmlns:a="http://schemas.openxmlformats.org/drawingml/2006/main">
+              <a:rPr lang="en" sz="2400" b="1" dirty="0" err="1" smtClean="0">
                 <a:latin typeface="Segoe UI" panose="020B0502040204020203" pitchFamily="34" charset="0"/>
                 <a:cs typeface="Segoe UI" panose="020B0502040204020203" pitchFamily="34" charset="0"/>
               </a:rPr>
-              <a:t>Deploy report </a:t>
-            </a:r>
-            <a:endParaRPr lang="en-US" sz="2400" dirty="0">
+              <a:t>Deploy </a:t>
+            </a:r>
+            <a:r xmlns:a="http://schemas.openxmlformats.org/drawingml/2006/main">
+              <a:rPr lang="en" sz="2400" b="1" dirty="0" smtClean="0">
+                <a:latin typeface="Segoe UI" panose="020B0502040204020203" pitchFamily="34" charset="0"/>
+                <a:cs typeface="Segoe UI" panose="020B0502040204020203" pitchFamily="34" charset="0"/>
+              </a:rPr>
+              <a:t>reports</a:t>
+            </a:r>
+            <a:endParaRPr xmlns:a="http://schemas.openxmlformats.org/drawingml/2006/main" lang="en-US" sz="2400" b="1" dirty="0">
               <a:latin typeface="Segoe UI" panose="020B0502040204020203" pitchFamily="34" charset="0"/>
               <a:cs typeface="Segoe UI" panose="020B0502040204020203" pitchFamily="34" charset="0"/>
             </a:endParaRPr>
@@ -6963,163 +7295,6 @@
           </a:effectLst>
         </p:spPr>
       </p:pic>
-      <p:sp>
-        <p:nvSpPr>
-          <p:cNvPr id="12" name="Rectangle 11"/>
-          <p:cNvSpPr/>
-          <p:nvPr/>
-        </p:nvSpPr>
-        <p:spPr>
-          <a:xfrm>
-            <a:off x="365530" y="826155"/>
-            <a:ext cx="8118452" cy="388696"/>
-          </a:xfrm>
-          <a:prstGeom prst="rect">
-            <a:avLst/>
-          </a:prstGeom>
-        </p:spPr>
-        <p:txBody>
-          <a:bodyPr wrap="square">
-            <a:spAutoFit/>
-          </a:bodyPr>
-          <a:lstStyle/>
-          <a:p>
-            <a:pPr lvl="0">
-              <a:lnSpc>
-                <a:spcPct val="107000"/>
-              </a:lnSpc>
-              <a:spcAft>
-                <a:spcPts val="800"/>
-              </a:spcAft>
-            </a:pPr>
-            <a:r>
-              <a:rPr lang="fr-FR" dirty="0" smtClean="0">
-                <a:latin typeface="Calibri" panose="020F0502020204030204" pitchFamily="34" charset="0"/>
-                <a:ea typeface="Calibri" panose="020F0502020204030204" pitchFamily="34" charset="0"/>
-                <a:cs typeface="Times New Roman" panose="02020603050405020304" pitchFamily="18" charset="0"/>
-              </a:rPr>
-              <a:t>Select the </a:t>
-            </a:r>
-            <a:r>
-              <a:rPr lang="fr-FR" dirty="0" err="1" smtClean="0">
-                <a:latin typeface="Calibri" panose="020F0502020204030204" pitchFamily="34" charset="0"/>
-                <a:ea typeface="Calibri" panose="020F0502020204030204" pitchFamily="34" charset="0"/>
-                <a:cs typeface="Times New Roman" panose="02020603050405020304" pitchFamily="18" charset="0"/>
-              </a:rPr>
-              <a:t>Workspace</a:t>
-            </a:r>
-            <a:r>
-              <a:rPr lang="fr-FR" dirty="0" smtClean="0">
-                <a:latin typeface="Calibri" panose="020F0502020204030204" pitchFamily="34" charset="0"/>
-                <a:ea typeface="Calibri" panose="020F0502020204030204" pitchFamily="34" charset="0"/>
-                <a:cs typeface="Times New Roman" panose="02020603050405020304" pitchFamily="18" charset="0"/>
-              </a:rPr>
-              <a:t> </a:t>
-            </a:r>
-            <a:r>
-              <a:rPr lang="fr-FR" dirty="0" err="1" smtClean="0">
-                <a:latin typeface="Calibri" panose="020F0502020204030204" pitchFamily="34" charset="0"/>
-                <a:ea typeface="Calibri" panose="020F0502020204030204" pitchFamily="34" charset="0"/>
-                <a:cs typeface="Times New Roman" panose="02020603050405020304" pitchFamily="18" charset="0"/>
-              </a:rPr>
-              <a:t>where</a:t>
-            </a:r>
-            <a:r>
-              <a:rPr lang="fr-FR" dirty="0" smtClean="0">
-                <a:latin typeface="Calibri" panose="020F0502020204030204" pitchFamily="34" charset="0"/>
-                <a:ea typeface="Calibri" panose="020F0502020204030204" pitchFamily="34" charset="0"/>
-                <a:cs typeface="Times New Roman" panose="02020603050405020304" pitchFamily="18" charset="0"/>
-              </a:rPr>
-              <a:t> the report </a:t>
-            </a:r>
-            <a:r>
-              <a:rPr lang="fr-FR" dirty="0" err="1" smtClean="0">
-                <a:latin typeface="Calibri" panose="020F0502020204030204" pitchFamily="34" charset="0"/>
-                <a:ea typeface="Calibri" panose="020F0502020204030204" pitchFamily="34" charset="0"/>
-                <a:cs typeface="Times New Roman" panose="02020603050405020304" pitchFamily="18" charset="0"/>
-              </a:rPr>
-              <a:t>would</a:t>
-            </a:r>
-            <a:r>
-              <a:rPr lang="fr-FR" dirty="0" smtClean="0">
-                <a:latin typeface="Calibri" panose="020F0502020204030204" pitchFamily="34" charset="0"/>
-                <a:ea typeface="Calibri" panose="020F0502020204030204" pitchFamily="34" charset="0"/>
-                <a:cs typeface="Times New Roman" panose="02020603050405020304" pitchFamily="18" charset="0"/>
-              </a:rPr>
-              <a:t> </a:t>
-            </a:r>
-            <a:r>
-              <a:rPr lang="fr-FR" dirty="0" err="1" smtClean="0">
-                <a:latin typeface="Calibri" panose="020F0502020204030204" pitchFamily="34" charset="0"/>
-                <a:ea typeface="Calibri" panose="020F0502020204030204" pitchFamily="34" charset="0"/>
-                <a:cs typeface="Times New Roman" panose="02020603050405020304" pitchFamily="18" charset="0"/>
-              </a:rPr>
-              <a:t>be</a:t>
-            </a:r>
-            <a:r>
-              <a:rPr lang="fr-FR" dirty="0" smtClean="0">
-                <a:latin typeface="Calibri" panose="020F0502020204030204" pitchFamily="34" charset="0"/>
-                <a:ea typeface="Calibri" panose="020F0502020204030204" pitchFamily="34" charset="0"/>
-                <a:cs typeface="Times New Roman" panose="02020603050405020304" pitchFamily="18" charset="0"/>
-              </a:rPr>
-              <a:t> </a:t>
-            </a:r>
-            <a:r>
-              <a:rPr lang="fr-FR" dirty="0" err="1" smtClean="0">
-                <a:latin typeface="Calibri" panose="020F0502020204030204" pitchFamily="34" charset="0"/>
-                <a:ea typeface="Calibri" panose="020F0502020204030204" pitchFamily="34" charset="0"/>
-                <a:cs typeface="Times New Roman" panose="02020603050405020304" pitchFamily="18" charset="0"/>
-              </a:rPr>
-              <a:t>published</a:t>
-            </a:r>
-            <a:r>
-              <a:rPr lang="fr-FR" dirty="0" smtClean="0">
-                <a:latin typeface="Calibri" panose="020F0502020204030204" pitchFamily="34" charset="0"/>
-                <a:ea typeface="Calibri" panose="020F0502020204030204" pitchFamily="34" charset="0"/>
-                <a:cs typeface="Times New Roman" panose="02020603050405020304" pitchFamily="18" charset="0"/>
-              </a:rPr>
-              <a:t> Ex: </a:t>
-            </a:r>
-            <a:r>
-              <a:rPr lang="fr-FR" b="1" dirty="0" err="1" smtClean="0">
-                <a:latin typeface="Calibri" panose="020F0502020204030204" pitchFamily="34" charset="0"/>
-                <a:ea typeface="Calibri" panose="020F0502020204030204" pitchFamily="34" charset="0"/>
-                <a:cs typeface="Times New Roman" panose="02020603050405020304" pitchFamily="18" charset="0"/>
-              </a:rPr>
-              <a:t>My</a:t>
-            </a:r>
-            <a:r>
-              <a:rPr lang="fr-FR" b="1" dirty="0" smtClean="0">
-                <a:latin typeface="Calibri" panose="020F0502020204030204" pitchFamily="34" charset="0"/>
-                <a:ea typeface="Calibri" panose="020F0502020204030204" pitchFamily="34" charset="0"/>
-                <a:cs typeface="Times New Roman" panose="02020603050405020304" pitchFamily="18" charset="0"/>
-              </a:rPr>
-              <a:t> </a:t>
-            </a:r>
-            <a:r>
-              <a:rPr lang="fr-FR" b="1" dirty="0" err="1" smtClean="0">
-                <a:latin typeface="Calibri" panose="020F0502020204030204" pitchFamily="34" charset="0"/>
-                <a:ea typeface="Calibri" panose="020F0502020204030204" pitchFamily="34" charset="0"/>
-                <a:cs typeface="Times New Roman" panose="02020603050405020304" pitchFamily="18" charset="0"/>
-              </a:rPr>
-              <a:t>workspace</a:t>
-            </a:r>
-            <a:r>
-              <a:rPr lang="fr-FR" b="1" dirty="0" smtClean="0">
-                <a:latin typeface="Calibri" panose="020F0502020204030204" pitchFamily="34" charset="0"/>
-                <a:ea typeface="Calibri" panose="020F0502020204030204" pitchFamily="34" charset="0"/>
-                <a:cs typeface="Times New Roman" panose="02020603050405020304" pitchFamily="18" charset="0"/>
-              </a:rPr>
-              <a:t> </a:t>
-            </a:r>
-            <a:endParaRPr lang="en-US" b="1" dirty="0">
-              <a:latin typeface="Calibri" panose="020F0502020204030204" pitchFamily="34" charset="0"/>
-              <a:ea typeface="Calibri" panose="020F0502020204030204" pitchFamily="34" charset="0"/>
-              <a:cs typeface="Times New Roman" panose="02020603050405020304" pitchFamily="18" charset="0"/>
-            </a:endParaRPr>
-          </a:p>
-        </p:txBody>
-      </p:sp>
       <p:pic>
         <p:nvPicPr>
           <p:cNvPr id="13" name="Picture 12"/>
@@ -7224,12 +7399,12 @@
           <a:bodyPr rtlCol="0" anchor="ctr"/>
           <a:lstStyle/>
           <a:p>
-            <a:pPr algn="ctr"/>
-            <a:r>
-              <a:rPr lang="fr-FR" b="1" dirty="0" smtClean="0"/>
+            <a:pPr xmlns:a="http://schemas.openxmlformats.org/drawingml/2006/main" algn="ctr"/>
+            <a:r xmlns:a="http://schemas.openxmlformats.org/drawingml/2006/main">
+              <a:rPr lang="en" b="1" dirty="0" smtClean="0"/>
               <a:t>1</a:t>
             </a:r>
-            <a:endParaRPr lang="en-US" b="1" dirty="0"/>
+            <a:endParaRPr xmlns:a="http://schemas.openxmlformats.org/drawingml/2006/main" lang="en-US" b="1" dirty="0"/>
           </a:p>
         </p:txBody>
       </p:sp>
@@ -7269,12 +7444,12 @@
           <a:bodyPr rtlCol="0" anchor="ctr"/>
           <a:lstStyle/>
           <a:p>
-            <a:pPr algn="ctr"/>
-            <a:r>
-              <a:rPr lang="fr-FR" b="1" dirty="0" smtClean="0"/>
+            <a:pPr xmlns:a="http://schemas.openxmlformats.org/drawingml/2006/main" algn="ctr"/>
+            <a:r xmlns:a="http://schemas.openxmlformats.org/drawingml/2006/main">
+              <a:rPr lang="en" b="1" dirty="0" smtClean="0"/>
               <a:t>2</a:t>
             </a:r>
-            <a:endParaRPr lang="en-US" b="1" dirty="0"/>
+            <a:endParaRPr xmlns:a="http://schemas.openxmlformats.org/drawingml/2006/main" lang="en-US" b="1" dirty="0"/>
           </a:p>
         </p:txBody>
       </p:sp>
@@ -7314,12 +7489,81 @@
           <a:bodyPr rtlCol="0" anchor="ctr"/>
           <a:lstStyle/>
           <a:p>
-            <a:pPr algn="ctr"/>
-            <a:r>
-              <a:rPr lang="fr-FR" b="1" dirty="0" smtClean="0"/>
+            <a:pPr xmlns:a="http://schemas.openxmlformats.org/drawingml/2006/main" algn="ctr"/>
+            <a:r xmlns:a="http://schemas.openxmlformats.org/drawingml/2006/main">
+              <a:rPr lang="en" b="1" dirty="0" smtClean="0"/>
               <a:t>3</a:t>
             </a:r>
-            <a:endParaRPr lang="en-US" b="1" dirty="0"/>
+            <a:endParaRPr xmlns:a="http://schemas.openxmlformats.org/drawingml/2006/main" lang="en-US" b="1" dirty="0"/>
+          </a:p>
+        </p:txBody>
+      </p:sp>
+      <p:sp>
+        <p:nvSpPr>
+          <p:cNvPr id="10" name="Rectangle 9"/>
+          <p:cNvSpPr/>
+          <p:nvPr/>
+        </p:nvSpPr>
+        <p:spPr>
+          <a:xfrm>
+            <a:off x="385008" y="736672"/>
+            <a:ext cx="9480885" cy="421654"/>
+          </a:xfrm>
+          <a:prstGeom prst="rect">
+            <a:avLst/>
+          </a:prstGeom>
+        </p:spPr>
+        <p:txBody>
+          <a:bodyPr wrap="square">
+            <a:spAutoFit/>
+          </a:bodyPr>
+          <a:lstStyle/>
+          <a:p>
+            <a:pPr xmlns:a="http://schemas.openxmlformats.org/drawingml/2006/main" lvl="0">
+              <a:lnSpc>
+                <a:spcPct val="107000"/>
+              </a:lnSpc>
+              <a:spcAft>
+                <a:spcPts val="800"/>
+              </a:spcAft>
+            </a:pPr>
+            <a:r xmlns:a="http://schemas.openxmlformats.org/drawingml/2006/main">
+              <a:rPr lang="en" sz="2000" dirty="0" smtClean="0">
+                <a:latin typeface="Calibri" panose="020F0502020204030204" pitchFamily="34" charset="0"/>
+                <a:ea typeface="Calibri" panose="020F0502020204030204" pitchFamily="34" charset="0"/>
+                <a:cs typeface="Times New Roman" panose="02020603050405020304" pitchFamily="18" charset="0"/>
+              </a:rPr>
+              <a:t>Select the workspace where the report will be published Ex: </a:t>
+            </a:r>
+            <a:r xmlns:a="http://schemas.openxmlformats.org/drawingml/2006/main">
+              <a:rPr lang="en" sz="2000" b="1" dirty="0" err="1" smtClean="0">
+                <a:latin typeface="Calibri" panose="020F0502020204030204" pitchFamily="34" charset="0"/>
+                <a:ea typeface="Calibri" panose="020F0502020204030204" pitchFamily="34" charset="0"/>
+                <a:cs typeface="Times New Roman" panose="02020603050405020304" pitchFamily="18" charset="0"/>
+              </a:rPr>
+              <a:t>My</a:t>
+            </a:r>
+            <a:r xmlns:a="http://schemas.openxmlformats.org/drawingml/2006/main">
+              <a:rPr lang="en" sz="2000" b="1" dirty="0" smtClean="0">
+                <a:latin typeface="Calibri" panose="020F0502020204030204" pitchFamily="34" charset="0"/>
+                <a:ea typeface="Calibri" panose="020F0502020204030204" pitchFamily="34" charset="0"/>
+                <a:cs typeface="Times New Roman" panose="02020603050405020304" pitchFamily="18" charset="0"/>
+              </a:rPr>
+              <a:t> </a:t>
+            </a:r>
+            <a:r xmlns:a="http://schemas.openxmlformats.org/drawingml/2006/main">
+              <a:rPr lang="en" sz="2000" b="1" dirty="0" err="1" smtClean="0">
+                <a:latin typeface="Calibri" panose="020F0502020204030204" pitchFamily="34" charset="0"/>
+                <a:ea typeface="Calibri" panose="020F0502020204030204" pitchFamily="34" charset="0"/>
+                <a:cs typeface="Times New Roman" panose="02020603050405020304" pitchFamily="18" charset="0"/>
+              </a:rPr>
+              <a:t>workspace</a:t>
+            </a:r>
+            <a:endParaRPr xmlns:a="http://schemas.openxmlformats.org/drawingml/2006/main" lang="en-US" sz="2000" b="1" dirty="0">
+              <a:latin typeface="Calibri" panose="020F0502020204030204" pitchFamily="34" charset="0"/>
+              <a:ea typeface="Calibri" panose="020F0502020204030204" pitchFamily="34" charset="0"/>
+              <a:cs typeface="Times New Roman" panose="02020603050405020304" pitchFamily="18" charset="0"/>
+            </a:endParaRPr>
           </a:p>
         </p:txBody>
       </p:sp>
@@ -7362,7 +7606,7 @@
         <p:spPr>
           <a:xfrm>
             <a:off x="295632" y="275007"/>
-            <a:ext cx="2164375" cy="461665"/>
+            <a:ext cx="3382080" cy="461665"/>
           </a:xfrm>
           <a:prstGeom prst="rect">
             <a:avLst/>
@@ -7375,61 +7619,23 @@
           </a:bodyPr>
           <a:lstStyle/>
           <a:p>
-            <a:r>
-              <a:rPr lang="en-US" sz="2400" dirty="0" smtClean="0">
+            <a:r xmlns:a="http://schemas.openxmlformats.org/drawingml/2006/main">
+              <a:rPr lang="en" sz="2400" b="1" dirty="0" err="1" smtClean="0">
                 <a:latin typeface="Segoe UI" panose="020B0502040204020203" pitchFamily="34" charset="0"/>
                 <a:cs typeface="Segoe UI" panose="020B0502040204020203" pitchFamily="34" charset="0"/>
               </a:rPr>
-              <a:t>Deploy report </a:t>
-            </a:r>
-            <a:endParaRPr lang="en-US" sz="2400" dirty="0">
+              <a:t>Deploy </a:t>
+            </a:r>
+            <a:r xmlns:a="http://schemas.openxmlformats.org/drawingml/2006/main">
+              <a:rPr lang="en" sz="2400" b="1" dirty="0" smtClean="0">
+                <a:latin typeface="Segoe UI" panose="020B0502040204020203" pitchFamily="34" charset="0"/>
+                <a:cs typeface="Segoe UI" panose="020B0502040204020203" pitchFamily="34" charset="0"/>
+              </a:rPr>
+              <a:t>reports</a:t>
+            </a:r>
+            <a:endParaRPr xmlns:a="http://schemas.openxmlformats.org/drawingml/2006/main" lang="en-US" sz="2400" b="1" dirty="0">
               <a:latin typeface="Segoe UI" panose="020B0502040204020203" pitchFamily="34" charset="0"/>
               <a:cs typeface="Segoe UI" panose="020B0502040204020203" pitchFamily="34" charset="0"/>
-            </a:endParaRPr>
-          </a:p>
-        </p:txBody>
-      </p:sp>
-      <p:sp>
-        <p:nvSpPr>
-          <p:cNvPr id="12" name="Rectangle 11"/>
-          <p:cNvSpPr/>
-          <p:nvPr/>
-        </p:nvSpPr>
-        <p:spPr>
-          <a:xfrm>
-            <a:off x="365529" y="826155"/>
-            <a:ext cx="9394195" cy="388696"/>
-          </a:xfrm>
-          <a:prstGeom prst="rect">
-            <a:avLst/>
-          </a:prstGeom>
-        </p:spPr>
-        <p:txBody>
-          <a:bodyPr wrap="square">
-            <a:spAutoFit/>
-          </a:bodyPr>
-          <a:lstStyle/>
-          <a:p>
-            <a:pPr lvl="0">
-              <a:lnSpc>
-                <a:spcPct val="107000"/>
-              </a:lnSpc>
-              <a:spcAft>
-                <a:spcPts val="800"/>
-              </a:spcAft>
-            </a:pPr>
-            <a:r>
-              <a:rPr lang="en-US" dirty="0" smtClean="0">
-                <a:latin typeface="Calibri" panose="020F0502020204030204" pitchFamily="34" charset="0"/>
-                <a:ea typeface="Calibri" panose="020F0502020204030204" pitchFamily="34" charset="0"/>
-                <a:cs typeface="Times New Roman" panose="02020603050405020304" pitchFamily="18" charset="0"/>
-              </a:rPr>
-              <a:t>Note the presence of two files in the report list at My workspace Level </a:t>
-            </a:r>
-            <a:endParaRPr lang="en-US" b="1" dirty="0">
-              <a:latin typeface="Calibri" panose="020F0502020204030204" pitchFamily="34" charset="0"/>
-              <a:ea typeface="Calibri" panose="020F0502020204030204" pitchFamily="34" charset="0"/>
-              <a:cs typeface="Times New Roman" panose="02020603050405020304" pitchFamily="18" charset="0"/>
             </a:endParaRPr>
           </a:p>
         </p:txBody>
@@ -7513,6 +7719,51 @@
           <a:p>
             <a:pPr algn="ctr"/>
             <a:endParaRPr lang="en-US"/>
+          </a:p>
+        </p:txBody>
+      </p:sp>
+      <p:sp>
+        <p:nvSpPr>
+          <p:cNvPr id="6" name="Rectangle 5"/>
+          <p:cNvSpPr/>
+          <p:nvPr/>
+        </p:nvSpPr>
+        <p:spPr>
+          <a:xfrm>
+            <a:off x="365529" y="736672"/>
+            <a:ext cx="9906002" cy="421654"/>
+          </a:xfrm>
+          <a:prstGeom prst="rect">
+            <a:avLst/>
+          </a:prstGeom>
+        </p:spPr>
+        <p:txBody>
+          <a:bodyPr wrap="square">
+            <a:spAutoFit/>
+          </a:bodyPr>
+          <a:lstStyle/>
+          <a:p>
+            <a:pPr xmlns:a="http://schemas.openxmlformats.org/drawingml/2006/main" lvl="0">
+              <a:lnSpc>
+                <a:spcPct val="107000"/>
+              </a:lnSpc>
+              <a:spcAft>
+                <a:spcPts val="800"/>
+              </a:spcAft>
+            </a:pPr>
+            <a:r xmlns:a="http://schemas.openxmlformats.org/drawingml/2006/main">
+              <a:rPr lang="en" sz="2000" dirty="0" smtClean="0">
+                <a:latin typeface="Calibri" panose="020F0502020204030204" pitchFamily="34" charset="0"/>
+                <a:ea typeface="Calibri" panose="020F0502020204030204" pitchFamily="34" charset="0"/>
+                <a:cs typeface="Times New Roman" panose="02020603050405020304" pitchFamily="18" charset="0"/>
+              </a:rPr>
+              <a:t>Notice the presence of two files at the list level at the workspace level</a:t>
+            </a:r>
+            <a:endParaRPr xmlns:a="http://schemas.openxmlformats.org/drawingml/2006/main" lang="en-US" sz="2000" b="1" dirty="0">
+              <a:latin typeface="Calibri" panose="020F0502020204030204" pitchFamily="34" charset="0"/>
+              <a:ea typeface="Calibri" panose="020F0502020204030204" pitchFamily="34" charset="0"/>
+              <a:cs typeface="Times New Roman" panose="02020603050405020304" pitchFamily="18" charset="0"/>
+            </a:endParaRPr>
           </a:p>
         </p:txBody>
       </p:sp>
@@ -7555,7 +7806,7 @@
         <p:spPr>
           <a:xfrm>
             <a:off x="295632" y="275007"/>
-            <a:ext cx="2164375" cy="461665"/>
+            <a:ext cx="3382080" cy="461665"/>
           </a:xfrm>
           <a:prstGeom prst="rect">
             <a:avLst/>
@@ -7568,14 +7819,21 @@
           </a:bodyPr>
           <a:lstStyle/>
           <a:p>
-            <a:r>
-              <a:rPr lang="en-US" sz="2400" dirty="0" smtClean="0">
+            <a:r xmlns:a="http://schemas.openxmlformats.org/drawingml/2006/main">
+              <a:rPr lang="en" sz="2400" b="1" dirty="0" err="1" smtClean="0">
                 <a:latin typeface="Segoe UI" panose="020B0502040204020203" pitchFamily="34" charset="0"/>
                 <a:cs typeface="Segoe UI" panose="020B0502040204020203" pitchFamily="34" charset="0"/>
               </a:rPr>
-              <a:t>Deploy report </a:t>
-            </a:r>
-            <a:endParaRPr lang="en-US" sz="2400" dirty="0">
+              <a:t>Deploy </a:t>
+            </a:r>
+            <a:r xmlns:a="http://schemas.openxmlformats.org/drawingml/2006/main">
+              <a:rPr lang="en" sz="2400" b="1" dirty="0" smtClean="0">
+                <a:latin typeface="Segoe UI" panose="020B0502040204020203" pitchFamily="34" charset="0"/>
+                <a:cs typeface="Segoe UI" panose="020B0502040204020203" pitchFamily="34" charset="0"/>
+              </a:rPr>
+              <a:t>reports</a:t>
+            </a:r>
+            <a:endParaRPr xmlns:a="http://schemas.openxmlformats.org/drawingml/2006/main" lang="en-US" sz="2400" b="1" dirty="0">
               <a:latin typeface="Segoe UI" panose="020B0502040204020203" pitchFamily="34" charset="0"/>
               <a:cs typeface="Segoe UI" panose="020B0502040204020203" pitchFamily="34" charset="0"/>
             </a:endParaRPr>
@@ -7591,7 +7849,7 @@
         <p:spPr>
           <a:xfrm>
             <a:off x="365529" y="826155"/>
-            <a:ext cx="9394195" cy="646331"/>
+            <a:ext cx="11088534" cy="707886"/>
           </a:xfrm>
           <a:prstGeom prst="rect">
             <a:avLst/>
@@ -7603,36 +7861,19 @@
           </a:bodyPr>
           <a:lstStyle/>
           <a:p>
-            <a:r>
-              <a:rPr lang="en-US" dirty="0" smtClean="0">
-                <a:latin typeface="Segoe UI" panose="020B0502040204020203" pitchFamily="34" charset="0"/>
-                <a:ea typeface="Calibri" panose="020F0502020204030204" pitchFamily="34" charset="0"/>
-                <a:cs typeface="Segoe UI" panose="020B0502040204020203" pitchFamily="34" charset="0"/>
-              </a:rPr>
-              <a:t>The second file Semantic Model is the Data model presentation </a:t>
-            </a:r>
-            <a:r>
-              <a:rPr lang="en-US" dirty="0">
-                <a:latin typeface="Segoe UI" panose="020B0502040204020203" pitchFamily="34" charset="0"/>
-                <a:cs typeface="Segoe UI" panose="020B0502040204020203" pitchFamily="34" charset="0"/>
-              </a:rPr>
-              <a:t>that provides a structured, meaningful, and user-friendly abstraction layer for </a:t>
-            </a:r>
-            <a:r>
-              <a:rPr lang="en-US" dirty="0" smtClean="0">
-                <a:latin typeface="Segoe UI" panose="020B0502040204020203" pitchFamily="34" charset="0"/>
-                <a:cs typeface="Segoe UI" panose="020B0502040204020203" pitchFamily="34" charset="0"/>
-              </a:rPr>
-              <a:t>the  </a:t>
-            </a:r>
-            <a:r>
-              <a:rPr lang="en-US" dirty="0">
-                <a:latin typeface="Segoe UI" panose="020B0502040204020203" pitchFamily="34" charset="0"/>
-                <a:cs typeface="Segoe UI" panose="020B0502040204020203" pitchFamily="34" charset="0"/>
-              </a:rPr>
-              <a:t>data</a:t>
-            </a:r>
-            <a:endParaRPr lang="en-US" dirty="0">
+            <a:r xmlns:a="http://schemas.openxmlformats.org/drawingml/2006/main">
+              <a:rPr lang="en" sz="2000" dirty="0"/>
+              <a:t>The second </a:t>
+            </a:r>
+            <a:r xmlns:a="http://schemas.openxmlformats.org/drawingml/2006/main">
+              <a:rPr lang="en" sz="2000" b="1" dirty="0"/>
+              <a:t>Semantic Model file </a:t>
+            </a:r>
+            <a:r xmlns:a="http://schemas.openxmlformats.org/drawingml/2006/main">
+              <a:rPr lang="en" sz="2000" dirty="0"/>
+              <a:t>is the presentation of the data model that provides a structured, meaningful, and user-friendly abstraction layer for the data.</a:t>
+            </a:r>
+            <a:endParaRPr xmlns:a="http://schemas.openxmlformats.org/drawingml/2006/main" xmlns:r="http://schemas.openxmlformats.org/officeDocument/2006/relationships" lang="en-US" sz="2000" dirty="0">
               <a:latin typeface="Segoe UI" panose="020B0502040204020203" pitchFamily="34" charset="0"/>
               <a:cs typeface="Segoe UI" panose="020B0502040204020203" pitchFamily="34" charset="0"/>
               <a:hlinkClick r:id="rId3"/>
@@ -7879,7 +8120,7 @@
         <p:spPr>
           <a:xfrm>
             <a:off x="295632" y="275007"/>
-            <a:ext cx="2164375" cy="461665"/>
+            <a:ext cx="3382080" cy="461665"/>
           </a:xfrm>
           <a:prstGeom prst="rect">
             <a:avLst/>
@@ -7892,50 +8133,21 @@
           </a:bodyPr>
           <a:lstStyle/>
           <a:p>
-            <a:r>
-              <a:rPr lang="en-US" sz="2400" dirty="0" smtClean="0">
+            <a:r xmlns:a="http://schemas.openxmlformats.org/drawingml/2006/main">
+              <a:rPr lang="en" sz="2400" b="1" dirty="0" err="1" smtClean="0">
                 <a:latin typeface="Segoe UI" panose="020B0502040204020203" pitchFamily="34" charset="0"/>
                 <a:cs typeface="Segoe UI" panose="020B0502040204020203" pitchFamily="34" charset="0"/>
               </a:rPr>
-              <a:t>Deploy report </a:t>
-            </a:r>
-            <a:endParaRPr lang="en-US" sz="2400" dirty="0">
-              <a:latin typeface="Segoe UI" panose="020B0502040204020203" pitchFamily="34" charset="0"/>
-              <a:cs typeface="Segoe UI" panose="020B0502040204020203" pitchFamily="34" charset="0"/>
-            </a:endParaRPr>
-          </a:p>
-        </p:txBody>
-      </p:sp>
-      <p:sp>
-        <p:nvSpPr>
-          <p:cNvPr id="3" name="TextBox 2"/>
-          <p:cNvSpPr txBox="1"/>
-          <p:nvPr/>
-        </p:nvSpPr>
-        <p:spPr>
-          <a:xfrm>
-            <a:off x="426261" y="736672"/>
-            <a:ext cx="11027571" cy="369332"/>
-          </a:xfrm>
-          <a:prstGeom prst="rect">
-            <a:avLst/>
-          </a:prstGeom>
-          <a:noFill/>
-        </p:spPr>
-        <p:txBody>
-          <a:bodyPr wrap="none" rtlCol="0">
-            <a:spAutoFit/>
-          </a:bodyPr>
-          <a:lstStyle/>
-          <a:p>
-            <a:r>
-              <a:rPr lang="en-US" dirty="0" smtClean="0">
+              <a:t>Deploy </a:t>
+            </a:r>
+            <a:r xmlns:a="http://schemas.openxmlformats.org/drawingml/2006/main">
+              <a:rPr lang="en" sz="2400" b="1" dirty="0" smtClean="0">
                 <a:latin typeface="Segoe UI" panose="020B0502040204020203" pitchFamily="34" charset="0"/>
                 <a:cs typeface="Segoe UI" panose="020B0502040204020203" pitchFamily="34" charset="0"/>
               </a:rPr>
-              <a:t>Then Gateway should be verified and configured correctly, to guarantee data is refreshed when it is needed </a:t>
-            </a:r>
-            <a:endParaRPr lang="en-US" dirty="0">
+              <a:t>reports</a:t>
+            </a:r>
+            <a:endParaRPr xmlns:a="http://schemas.openxmlformats.org/drawingml/2006/main" lang="en-US" sz="2400" b="1" dirty="0">
               <a:latin typeface="Segoe UI" panose="020B0502040204020203" pitchFamily="34" charset="0"/>
               <a:cs typeface="Segoe UI" panose="020B0502040204020203" pitchFamily="34" charset="0"/>
             </a:endParaRPr>
@@ -7958,7 +8170,7 @@
         </p:blipFill>
         <p:spPr>
           <a:xfrm>
-            <a:off x="7907781" y="1241317"/>
+            <a:off x="8010909" y="1303194"/>
             <a:ext cx="3210373" cy="5296639"/>
           </a:xfrm>
           <a:prstGeom prst="rect">
@@ -7992,8 +8204,8 @@
         </p:blipFill>
         <p:spPr>
           <a:xfrm>
-            <a:off x="635266" y="1241317"/>
-            <a:ext cx="6521743" cy="3340737"/>
+            <a:off x="605017" y="1940394"/>
+            <a:ext cx="5465713" cy="2799790"/>
           </a:xfrm>
           <a:prstGeom prst="rect">
             <a:avLst/>
@@ -8018,8 +8230,8 @@
         </p:nvSpPr>
         <p:spPr>
           <a:xfrm>
-            <a:off x="6028166" y="1567669"/>
-            <a:ext cx="1128844" cy="3014385"/>
+            <a:off x="5039512" y="2035055"/>
+            <a:ext cx="1031218" cy="2784925"/>
           </a:xfrm>
           <a:prstGeom prst="rect">
             <a:avLst/>
@@ -8066,7 +8278,7 @@
         </p:nvSpPr>
         <p:spPr>
           <a:xfrm>
-            <a:off x="8951495" y="1241318"/>
+            <a:off x="9054623" y="1303195"/>
             <a:ext cx="375385" cy="443104"/>
           </a:xfrm>
           <a:prstGeom prst="rect">
@@ -8114,7 +8326,7 @@
         </p:nvSpPr>
         <p:spPr>
           <a:xfrm>
-            <a:off x="7946282" y="5580707"/>
+            <a:off x="8049410" y="5642584"/>
             <a:ext cx="3171872" cy="443104"/>
           </a:xfrm>
           <a:prstGeom prst="rect">
@@ -8162,7 +8374,7 @@
         </p:nvSpPr>
         <p:spPr>
           <a:xfrm>
-            <a:off x="9160958" y="1137845"/>
+            <a:off x="9264086" y="1199722"/>
             <a:ext cx="371260" cy="364385"/>
           </a:xfrm>
           <a:prstGeom prst="ellipse">
@@ -8190,12 +8402,12 @@
           <a:bodyPr rtlCol="0" anchor="ctr"/>
           <a:lstStyle/>
           <a:p>
-            <a:pPr algn="ctr"/>
-            <a:r>
-              <a:rPr lang="fr-FR" b="1" dirty="0" smtClean="0"/>
+            <a:pPr xmlns:a="http://schemas.openxmlformats.org/drawingml/2006/main" algn="ctr"/>
+            <a:r xmlns:a="http://schemas.openxmlformats.org/drawingml/2006/main">
+              <a:rPr lang="en" b="1" dirty="0" smtClean="0"/>
               <a:t>1</a:t>
             </a:r>
-            <a:endParaRPr lang="en-US" b="1" dirty="0"/>
+            <a:endParaRPr xmlns:a="http://schemas.openxmlformats.org/drawingml/2006/main" lang="en-US" b="1" dirty="0"/>
           </a:p>
         </p:txBody>
       </p:sp>
@@ -8207,7 +8419,7 @@
         </p:nvSpPr>
         <p:spPr>
           <a:xfrm>
-            <a:off x="10488558" y="5477234"/>
+            <a:off x="10591686" y="5539111"/>
             <a:ext cx="371260" cy="364385"/>
           </a:xfrm>
           <a:prstGeom prst="ellipse">
@@ -8235,12 +8447,41 @@
           <a:bodyPr rtlCol="0" anchor="ctr"/>
           <a:lstStyle/>
           <a:p>
-            <a:pPr algn="ctr"/>
-            <a:r>
-              <a:rPr lang="fr-FR" b="1" dirty="0" smtClean="0"/>
+            <a:pPr xmlns:a="http://schemas.openxmlformats.org/drawingml/2006/main" algn="ctr"/>
+            <a:r xmlns:a="http://schemas.openxmlformats.org/drawingml/2006/main">
+              <a:rPr lang="en" b="1" dirty="0" smtClean="0"/>
               <a:t>2</a:t>
             </a:r>
-            <a:endParaRPr lang="en-US" b="1" dirty="0"/>
+            <a:endParaRPr xmlns:a="http://schemas.openxmlformats.org/drawingml/2006/main" lang="en-US" b="1" dirty="0"/>
+          </a:p>
+        </p:txBody>
+      </p:sp>
+      <p:sp>
+        <p:nvSpPr>
+          <p:cNvPr id="6" name="Rectangle 5"/>
+          <p:cNvSpPr/>
+          <p:nvPr/>
+        </p:nvSpPr>
+        <p:spPr>
+          <a:xfrm>
+            <a:off x="347426" y="805325"/>
+            <a:ext cx="11086012" cy="707886"/>
+          </a:xfrm>
+          <a:prstGeom prst="rect">
+            <a:avLst/>
+          </a:prstGeom>
+        </p:spPr>
+        <p:txBody>
+          <a:bodyPr wrap="square">
+            <a:spAutoFit/>
+          </a:bodyPr>
+          <a:lstStyle/>
+          <a:p>
+            <a:r xmlns:a="http://schemas.openxmlformats.org/drawingml/2006/main">
+              <a:rPr lang="en" sz="2000" dirty="0"/>
+              <a:t>Next, the gateway must be checked and configured correctly to ensure that data is refreshed when needed.</a:t>
+            </a:r>
+            <a:endParaRPr xmlns:a="http://schemas.openxmlformats.org/drawingml/2006/main" lang="en-US" sz="2000" dirty="0"/>
           </a:p>
         </p:txBody>
       </p:sp>
@@ -8283,7 +8524,7 @@
         <p:spPr>
           <a:xfrm>
             <a:off x="295632" y="275007"/>
-            <a:ext cx="2164375" cy="461665"/>
+            <a:ext cx="3382080" cy="461665"/>
           </a:xfrm>
           <a:prstGeom prst="rect">
             <a:avLst/>
@@ -8296,50 +8537,21 @@
           </a:bodyPr>
           <a:lstStyle/>
           <a:p>
-            <a:r>
-              <a:rPr lang="en-US" sz="2400" dirty="0" smtClean="0">
+            <a:r xmlns:a="http://schemas.openxmlformats.org/drawingml/2006/main">
+              <a:rPr lang="en" sz="2400" b="1" dirty="0" err="1" smtClean="0">
                 <a:latin typeface="Segoe UI" panose="020B0502040204020203" pitchFamily="34" charset="0"/>
                 <a:cs typeface="Segoe UI" panose="020B0502040204020203" pitchFamily="34" charset="0"/>
               </a:rPr>
-              <a:t>Deploy report </a:t>
-            </a:r>
-            <a:endParaRPr lang="en-US" sz="2400" dirty="0">
-              <a:latin typeface="Segoe UI" panose="020B0502040204020203" pitchFamily="34" charset="0"/>
-              <a:cs typeface="Segoe UI" panose="020B0502040204020203" pitchFamily="34" charset="0"/>
-            </a:endParaRPr>
-          </a:p>
-        </p:txBody>
-      </p:sp>
-      <p:sp>
-        <p:nvSpPr>
-          <p:cNvPr id="3" name="TextBox 2"/>
-          <p:cNvSpPr txBox="1"/>
-          <p:nvPr/>
-        </p:nvSpPr>
-        <p:spPr>
-          <a:xfrm>
-            <a:off x="295632" y="813674"/>
-            <a:ext cx="9286838" cy="369332"/>
-          </a:xfrm>
-          <a:prstGeom prst="rect">
-            <a:avLst/>
-          </a:prstGeom>
-          <a:noFill/>
-        </p:spPr>
-        <p:txBody>
-          <a:bodyPr wrap="none" rtlCol="0">
-            <a:spAutoFit/>
-          </a:bodyPr>
-          <a:lstStyle/>
-          <a:p>
-            <a:r>
-              <a:rPr lang="en-US" dirty="0" smtClean="0">
+              <a:t>Deploy </a:t>
+            </a:r>
+            <a:r xmlns:a="http://schemas.openxmlformats.org/drawingml/2006/main">
+              <a:rPr lang="en" sz="2400" b="1" dirty="0" smtClean="0">
                 <a:latin typeface="Segoe UI" panose="020B0502040204020203" pitchFamily="34" charset="0"/>
                 <a:cs typeface="Segoe UI" panose="020B0502040204020203" pitchFamily="34" charset="0"/>
               </a:rPr>
-              <a:t>We should verify if connection is created and established to the on premises data source </a:t>
-            </a:r>
-            <a:endParaRPr lang="en-US" dirty="0">
+              <a:t>reports</a:t>
+            </a:r>
+            <a:endParaRPr xmlns:a="http://schemas.openxmlformats.org/drawingml/2006/main" lang="en-US" sz="2400" b="1" dirty="0">
               <a:latin typeface="Segoe UI" panose="020B0502040204020203" pitchFamily="34" charset="0"/>
               <a:cs typeface="Segoe UI" panose="020B0502040204020203" pitchFamily="34" charset="0"/>
             </a:endParaRPr>
@@ -8425,6 +8637,35 @@
           <a:p>
             <a:pPr algn="ctr"/>
             <a:endParaRPr lang="en-US"/>
+          </a:p>
+        </p:txBody>
+      </p:sp>
+      <p:sp>
+        <p:nvSpPr>
+          <p:cNvPr id="4" name="Rectangle 3"/>
+          <p:cNvSpPr/>
+          <p:nvPr/>
+        </p:nvSpPr>
+        <p:spPr>
+          <a:xfrm>
+            <a:off x="377234" y="819913"/>
+            <a:ext cx="10193614" cy="400110"/>
+          </a:xfrm>
+          <a:prstGeom prst="rect">
+            <a:avLst/>
+          </a:prstGeom>
+        </p:spPr>
+        <p:txBody>
+          <a:bodyPr wrap="square">
+            <a:spAutoFit/>
+          </a:bodyPr>
+          <a:lstStyle/>
+          <a:p>
+            <a:r xmlns:a="http://schemas.openxmlformats.org/drawingml/2006/main">
+              <a:rPr lang="en" sz="2000" dirty="0"/>
+              <a:t>We need to check if the connection is created and established with the local data source.</a:t>
+            </a:r>
+            <a:endParaRPr xmlns:a="http://schemas.openxmlformats.org/drawingml/2006/main" lang="en-US" sz="2000" dirty="0"/>
           </a:p>
         </p:txBody>
       </p:sp>
@@ -8467,7 +8708,7 @@
         <p:spPr>
           <a:xfrm>
             <a:off x="295632" y="275007"/>
-            <a:ext cx="2164375" cy="461665"/>
+            <a:ext cx="3382080" cy="461665"/>
           </a:xfrm>
           <a:prstGeom prst="rect">
             <a:avLst/>
@@ -8480,50 +8721,21 @@
           </a:bodyPr>
           <a:lstStyle/>
           <a:p>
-            <a:r>
-              <a:rPr lang="en-US" sz="2400" dirty="0" smtClean="0">
+            <a:r xmlns:a="http://schemas.openxmlformats.org/drawingml/2006/main">
+              <a:rPr lang="en" sz="2400" b="1" dirty="0" err="1" smtClean="0">
                 <a:latin typeface="Segoe UI" panose="020B0502040204020203" pitchFamily="34" charset="0"/>
                 <a:cs typeface="Segoe UI" panose="020B0502040204020203" pitchFamily="34" charset="0"/>
               </a:rPr>
-              <a:t>Deploy report </a:t>
-            </a:r>
-            <a:endParaRPr lang="en-US" sz="2400" dirty="0">
-              <a:latin typeface="Segoe UI" panose="020B0502040204020203" pitchFamily="34" charset="0"/>
-              <a:cs typeface="Segoe UI" panose="020B0502040204020203" pitchFamily="34" charset="0"/>
-            </a:endParaRPr>
-          </a:p>
-        </p:txBody>
-      </p:sp>
-      <p:sp>
-        <p:nvSpPr>
-          <p:cNvPr id="3" name="TextBox 2"/>
-          <p:cNvSpPr txBox="1"/>
-          <p:nvPr/>
-        </p:nvSpPr>
-        <p:spPr>
-          <a:xfrm>
-            <a:off x="295632" y="813674"/>
-            <a:ext cx="7268785" cy="369332"/>
-          </a:xfrm>
-          <a:prstGeom prst="rect">
-            <a:avLst/>
-          </a:prstGeom>
-          <a:noFill/>
-        </p:spPr>
-        <p:txBody>
-          <a:bodyPr wrap="none" rtlCol="0">
-            <a:spAutoFit/>
-          </a:bodyPr>
-          <a:lstStyle/>
-          <a:p>
-            <a:r>
-              <a:rPr lang="en-US" dirty="0" smtClean="0">
+              <a:t>Deploy </a:t>
+            </a:r>
+            <a:r xmlns:a="http://schemas.openxmlformats.org/drawingml/2006/main">
+              <a:rPr lang="en" sz="2400" b="1" dirty="0" smtClean="0">
                 <a:latin typeface="Segoe UI" panose="020B0502040204020203" pitchFamily="34" charset="0"/>
                 <a:cs typeface="Segoe UI" panose="020B0502040204020203" pitchFamily="34" charset="0"/>
               </a:rPr>
-              <a:t>Otherwise we should verify the data gateway by clicking the    button </a:t>
-            </a:r>
-            <a:endParaRPr lang="en-US" dirty="0">
+              <a:t>reports</a:t>
+            </a:r>
+            <a:endParaRPr xmlns:a="http://schemas.openxmlformats.org/drawingml/2006/main" lang="en-US" sz="2400" b="1" dirty="0">
               <a:latin typeface="Segoe UI" panose="020B0502040204020203" pitchFamily="34" charset="0"/>
               <a:cs typeface="Segoe UI" panose="020B0502040204020203" pitchFamily="34" charset="0"/>
             </a:endParaRPr>
@@ -8675,8 +8887,8 @@
         </p:blipFill>
         <p:spPr>
           <a:xfrm>
-            <a:off x="6462677" y="888336"/>
-            <a:ext cx="199380" cy="220007"/>
+            <a:off x="8512629" y="753685"/>
+            <a:ext cx="308237" cy="340126"/>
           </a:xfrm>
           <a:prstGeom prst="rect">
             <a:avLst/>
@@ -8719,44 +8931,63 @@
       </p:pic>
       <p:sp>
         <p:nvSpPr>
-          <p:cNvPr id="13" name="TextBox 12"/>
-          <p:cNvSpPr txBox="1"/>
+          <p:cNvPr id="6" name="Rectangle 5"/>
+          <p:cNvSpPr/>
           <p:nvPr/>
         </p:nvSpPr>
         <p:spPr>
           <a:xfrm>
-            <a:off x="357509" y="4723333"/>
-            <a:ext cx="3969356" cy="369332"/>
+            <a:off x="357509" y="753685"/>
+            <a:ext cx="8923995" cy="400110"/>
           </a:xfrm>
           <a:prstGeom prst="rect">
             <a:avLst/>
           </a:prstGeom>
-          <a:noFill/>
-        </p:spPr>
-        <p:txBody>
-          <a:bodyPr wrap="none" rtlCol="0">
+        </p:spPr>
+        <p:txBody>
+          <a:bodyPr wrap="square">
             <a:spAutoFit/>
           </a:bodyPr>
           <a:lstStyle/>
           <a:p>
-            <a:r>
-              <a:rPr lang="en-US" dirty="0" smtClean="0">
-                <a:latin typeface="Segoe UI" panose="020B0502040204020203" pitchFamily="34" charset="0"/>
-                <a:cs typeface="Segoe UI" panose="020B0502040204020203" pitchFamily="34" charset="0"/>
-              </a:rPr>
-              <a:t>The status should be showing </a:t>
-            </a:r>
-            <a:r>
-              <a:rPr lang="en-US" b="1" dirty="0" smtClean="0">
-                <a:latin typeface="Segoe UI" panose="020B0502040204020203" pitchFamily="34" charset="0"/>
-                <a:cs typeface="Segoe UI" panose="020B0502040204020203" pitchFamily="34" charset="0"/>
-              </a:rPr>
-              <a:t>Online</a:t>
-            </a:r>
-            <a:endParaRPr lang="en-US" b="1" dirty="0">
-              <a:latin typeface="Segoe UI" panose="020B0502040204020203" pitchFamily="34" charset="0"/>
-              <a:cs typeface="Segoe UI" panose="020B0502040204020203" pitchFamily="34" charset="0"/>
-            </a:endParaRPr>
+            <a:r xmlns:a="http://schemas.openxmlformats.org/drawingml/2006/main">
+              <a:rPr lang="en" sz="2000" dirty="0"/>
+              <a:t>Otherwise, we need to check the data gateway by clicking the </a:t>
+            </a:r>
+            <a:r xmlns:a="http://schemas.openxmlformats.org/drawingml/2006/main">
+              <a:rPr lang="en" sz="2000" dirty="0" smtClean="0"/>
+              <a:t>button</a:t>
+            </a:r>
+            <a:endParaRPr xmlns:a="http://schemas.openxmlformats.org/drawingml/2006/main" lang="en-US" sz="2000" dirty="0"/>
+          </a:p>
+        </p:txBody>
+      </p:sp>
+      <p:sp>
+        <p:nvSpPr>
+          <p:cNvPr id="11" name="Rectangle 10"/>
+          <p:cNvSpPr/>
+          <p:nvPr/>
+        </p:nvSpPr>
+        <p:spPr>
+          <a:xfrm>
+            <a:off x="414416" y="4665392"/>
+            <a:ext cx="5839547" cy="400110"/>
+          </a:xfrm>
+          <a:prstGeom prst="rect">
+            <a:avLst/>
+          </a:prstGeom>
+        </p:spPr>
+        <p:txBody>
+          <a:bodyPr wrap="none">
+            <a:spAutoFit/>
+          </a:bodyPr>
+          <a:lstStyle/>
+          <a:p>
+            <a:r xmlns:a="http://schemas.openxmlformats.org/drawingml/2006/main">
+              <a:rPr lang="en" sz="2000"/>
+              <a:t>We also need to check the connection status.</a:t>
+            </a:r>
+            <a:endParaRPr xmlns:a="http://schemas.openxmlformats.org/drawingml/2006/main" lang="en-US" sz="2000" dirty="0"/>
           </a:p>
         </p:txBody>
       </p:sp>

--- a/English/7.Power BI Services/1.Deploy Report.pptx
+++ b/English/7.Power BI Services/1.Deploy Report.pptx
@@ -211,7 +211,7 @@
           <a:p>
             <a:fld id="{056BA3B8-9F76-4D81-B71D-76CB85363062}" type="datetimeFigureOut">
               <a:rPr lang="en-US" smtClean="0"/>
-              <a:t>2/27/2025</a:t>
+              <a:t>4/3/2025</a:t>
             </a:fld>
             <a:endParaRPr lang="en-US"/>
           </a:p>
@@ -1450,7 +1450,7 @@
           <a:p>
             <a:fld id="{6F01DA4D-20EA-48D2-973C-0311EC3005D6}" type="datetimeFigureOut">
               <a:rPr lang="en-US" smtClean="0"/>
-              <a:t>2/27/2025</a:t>
+              <a:t>4/3/2025</a:t>
             </a:fld>
             <a:endParaRPr lang="en-US"/>
           </a:p>
@@ -1620,7 +1620,7 @@
           <a:p>
             <a:fld id="{6F01DA4D-20EA-48D2-973C-0311EC3005D6}" type="datetimeFigureOut">
               <a:rPr lang="en-US" smtClean="0"/>
-              <a:t>2/27/2025</a:t>
+              <a:t>4/3/2025</a:t>
             </a:fld>
             <a:endParaRPr lang="en-US"/>
           </a:p>
@@ -1800,7 +1800,7 @@
           <a:p>
             <a:fld id="{6F01DA4D-20EA-48D2-973C-0311EC3005D6}" type="datetimeFigureOut">
               <a:rPr lang="en-US" smtClean="0"/>
-              <a:t>2/27/2025</a:t>
+              <a:t>4/3/2025</a:t>
             </a:fld>
             <a:endParaRPr lang="en-US"/>
           </a:p>
@@ -1970,7 +1970,7 @@
           <a:p>
             <a:fld id="{6F01DA4D-20EA-48D2-973C-0311EC3005D6}" type="datetimeFigureOut">
               <a:rPr lang="en-US" smtClean="0"/>
-              <a:t>2/27/2025</a:t>
+              <a:t>4/3/2025</a:t>
             </a:fld>
             <a:endParaRPr lang="en-US"/>
           </a:p>
@@ -2216,7 +2216,7 @@
           <a:p>
             <a:fld id="{6F01DA4D-20EA-48D2-973C-0311EC3005D6}" type="datetimeFigureOut">
               <a:rPr lang="en-US" smtClean="0"/>
-              <a:t>2/27/2025</a:t>
+              <a:t>4/3/2025</a:t>
             </a:fld>
             <a:endParaRPr lang="en-US"/>
           </a:p>
@@ -2448,7 +2448,7 @@
           <a:p>
             <a:fld id="{6F01DA4D-20EA-48D2-973C-0311EC3005D6}" type="datetimeFigureOut">
               <a:rPr lang="en-US" smtClean="0"/>
-              <a:t>2/27/2025</a:t>
+              <a:t>4/3/2025</a:t>
             </a:fld>
             <a:endParaRPr lang="en-US"/>
           </a:p>
@@ -2815,7 +2815,7 @@
           <a:p>
             <a:fld id="{6F01DA4D-20EA-48D2-973C-0311EC3005D6}" type="datetimeFigureOut">
               <a:rPr lang="en-US" smtClean="0"/>
-              <a:t>2/27/2025</a:t>
+              <a:t>4/3/2025</a:t>
             </a:fld>
             <a:endParaRPr lang="en-US"/>
           </a:p>
@@ -2933,7 +2933,7 @@
           <a:p>
             <a:fld id="{6F01DA4D-20EA-48D2-973C-0311EC3005D6}" type="datetimeFigureOut">
               <a:rPr lang="en-US" smtClean="0"/>
-              <a:t>2/27/2025</a:t>
+              <a:t>4/3/2025</a:t>
             </a:fld>
             <a:endParaRPr lang="en-US"/>
           </a:p>
@@ -3028,7 +3028,7 @@
           <a:p>
             <a:fld id="{6F01DA4D-20EA-48D2-973C-0311EC3005D6}" type="datetimeFigureOut">
               <a:rPr lang="en-US" smtClean="0"/>
-              <a:t>2/27/2025</a:t>
+              <a:t>4/3/2025</a:t>
             </a:fld>
             <a:endParaRPr lang="en-US"/>
           </a:p>
@@ -3305,7 +3305,7 @@
           <a:p>
             <a:fld id="{6F01DA4D-20EA-48D2-973C-0311EC3005D6}" type="datetimeFigureOut">
               <a:rPr lang="en-US" smtClean="0"/>
-              <a:t>2/27/2025</a:t>
+              <a:t>4/3/2025</a:t>
             </a:fld>
             <a:endParaRPr lang="en-US"/>
           </a:p>
@@ -3558,7 +3558,7 @@
           <a:p>
             <a:fld id="{6F01DA4D-20EA-48D2-973C-0311EC3005D6}" type="datetimeFigureOut">
               <a:rPr lang="en-US" smtClean="0"/>
-              <a:t>2/27/2025</a:t>
+              <a:t>4/3/2025</a:t>
             </a:fld>
             <a:endParaRPr lang="en-US"/>
           </a:p>
@@ -3771,7 +3771,7 @@
           <a:p>
             <a:fld id="{6F01DA4D-20EA-48D2-973C-0311EC3005D6}" type="datetimeFigureOut">
               <a:rPr lang="en-US" smtClean="0"/>
-              <a:t>2/27/2025</a:t>
+              <a:t>4/3/2025</a:t>
             </a:fld>
             <a:endParaRPr lang="en-US"/>
           </a:p>
@@ -4206,8 +4206,8 @@
           </a:bodyPr>
           <a:lstStyle/>
           <a:p>
-            <a:pPr xmlns:a="http://schemas.openxmlformats.org/drawingml/2006/main" algn="ctr"/>
-            <a:r xmlns:a="http://schemas.openxmlformats.org/drawingml/2006/main">
+            <a:pPr algn="ctr"/>
+            <a:r>
               <a:rPr lang="en" sz="8000" b="1" dirty="0" smtClean="0">
                 <a:solidFill>
                   <a:srgbClr val="7030A0"/>
@@ -4218,7 +4218,7 @@
               </a:rPr>
               <a:t>Deploy reports</a:t>
             </a:r>
-            <a:endParaRPr xmlns:a="http://schemas.openxmlformats.org/drawingml/2006/main" lang="en-US" sz="8000" b="1" dirty="0">
+            <a:endParaRPr lang="en-US" sz="8000" b="1" dirty="0">
               <a:solidFill>
                 <a:srgbClr val="7030A0"/>
               </a:solidFill>
@@ -4251,8 +4251,8 @@
           </a:bodyPr>
           <a:lstStyle/>
           <a:p>
-            <a:pPr xmlns:a="http://schemas.openxmlformats.org/drawingml/2006/main" algn="ctr"/>
-            <a:r xmlns:a="http://schemas.openxmlformats.org/drawingml/2006/main">
+            <a:pPr algn="ctr"/>
+            <a:r>
               <a:rPr lang="en" sz="8000" b="1" dirty="0" smtClean="0">
                 <a:solidFill>
                   <a:schemeClr val="bg1"/>
@@ -4263,7 +4263,7 @@
               </a:rPr>
               <a:t>Deploy reports</a:t>
             </a:r>
-            <a:endParaRPr xmlns:a="http://schemas.openxmlformats.org/drawingml/2006/main" lang="en-US" sz="8000" b="1" dirty="0">
+            <a:endParaRPr lang="en-US" sz="8000" b="1" dirty="0">
               <a:solidFill>
                 <a:schemeClr val="bg1"/>
               </a:solidFill>
@@ -4326,21 +4326,21 @@
           </a:bodyPr>
           <a:lstStyle/>
           <a:p>
-            <a:r xmlns:a="http://schemas.openxmlformats.org/drawingml/2006/main">
+            <a:r>
               <a:rPr lang="en" sz="2400" b="1" dirty="0" err="1" smtClean="0">
                 <a:latin typeface="Segoe UI" panose="020B0502040204020203" pitchFamily="34" charset="0"/>
                 <a:cs typeface="Segoe UI" panose="020B0502040204020203" pitchFamily="34" charset="0"/>
               </a:rPr>
               <a:t>Deploy </a:t>
             </a:r>
-            <a:r xmlns:a="http://schemas.openxmlformats.org/drawingml/2006/main">
+            <a:r>
               <a:rPr lang="en" sz="2400" b="1" dirty="0" smtClean="0">
                 <a:latin typeface="Segoe UI" panose="020B0502040204020203" pitchFamily="34" charset="0"/>
                 <a:cs typeface="Segoe UI" panose="020B0502040204020203" pitchFamily="34" charset="0"/>
               </a:rPr>
               <a:t>reports</a:t>
             </a:r>
-            <a:endParaRPr xmlns:a="http://schemas.openxmlformats.org/drawingml/2006/main" lang="en-US" sz="2400" b="1" dirty="0">
+            <a:endParaRPr lang="en-US" sz="2400" b="1" dirty="0">
               <a:latin typeface="Segoe UI" panose="020B0502040204020203" pitchFamily="34" charset="0"/>
               <a:cs typeface="Segoe UI" panose="020B0502040204020203" pitchFamily="34" charset="0"/>
             </a:endParaRPr>
@@ -4425,11 +4425,11 @@
           </a:bodyPr>
           <a:lstStyle/>
           <a:p>
-            <a:r xmlns:a="http://schemas.openxmlformats.org/drawingml/2006/main">
+            <a:r>
               <a:rPr lang="en" sz="2000" dirty="0"/>
               <a:t>We also need to check the connection status.</a:t>
             </a:r>
-            <a:endParaRPr xmlns:a="http://schemas.openxmlformats.org/drawingml/2006/main" lang="en-US" sz="2000" dirty="0"/>
+            <a:endParaRPr lang="en-US" sz="2000" dirty="0"/>
           </a:p>
         </p:txBody>
       </p:sp>
@@ -4485,21 +4485,21 @@
           </a:bodyPr>
           <a:lstStyle/>
           <a:p>
-            <a:r xmlns:a="http://schemas.openxmlformats.org/drawingml/2006/main">
+            <a:r>
               <a:rPr lang="en" sz="2400" b="1" dirty="0" err="1" smtClean="0">
                 <a:latin typeface="Segoe UI" panose="020B0502040204020203" pitchFamily="34" charset="0"/>
                 <a:cs typeface="Segoe UI" panose="020B0502040204020203" pitchFamily="34" charset="0"/>
               </a:rPr>
               <a:t>Deploy </a:t>
             </a:r>
-            <a:r xmlns:a="http://schemas.openxmlformats.org/drawingml/2006/main">
+            <a:r>
               <a:rPr lang="en" sz="2400" b="1" dirty="0" smtClean="0">
                 <a:latin typeface="Segoe UI" panose="020B0502040204020203" pitchFamily="34" charset="0"/>
                 <a:cs typeface="Segoe UI" panose="020B0502040204020203" pitchFamily="34" charset="0"/>
               </a:rPr>
               <a:t>reports</a:t>
             </a:r>
-            <a:endParaRPr xmlns:a="http://schemas.openxmlformats.org/drawingml/2006/main" lang="en-US" sz="2400" b="1" dirty="0">
+            <a:endParaRPr lang="en-US" sz="2400" b="1" dirty="0">
               <a:latin typeface="Segoe UI" panose="020B0502040204020203" pitchFamily="34" charset="0"/>
               <a:cs typeface="Segoe UI" panose="020B0502040204020203" pitchFamily="34" charset="0"/>
             </a:endParaRPr>
@@ -4527,11 +4527,11 @@
           </a:bodyPr>
           <a:lstStyle/>
           <a:p>
-            <a:r xmlns:a="http://schemas.openxmlformats.org/drawingml/2006/main">
+            <a:r>
               <a:rPr lang="en" sz="2000" dirty="0"/>
               <a:t>If the connection settings change, it is possible to update or create a connection to the data source </a:t>
             </a:r>
-            <a:r xmlns:a="http://schemas.openxmlformats.org/drawingml/2006/main">
+            <a:r>
               <a:rPr lang="en" sz="2000" dirty="0" smtClean="0"/>
               <a:t>.</a:t>
             </a:r>
@@ -4540,33 +4540,33 @@
             <a:endParaRPr lang="fr-FR" sz="2000" dirty="0"/>
           </a:p>
           <a:p>
-            <a:r xmlns:a="http://schemas.openxmlformats.org/drawingml/2006/main">
+            <a:r>
               <a:rPr lang="en" sz="2000" b="1" dirty="0"/>
               <a:t>Note: </a:t>
             </a:r>
-            <a:r xmlns:a="http://schemas.openxmlformats.org/drawingml/2006/main">
+            <a:r>
               <a:rPr lang="en" sz="2000" dirty="0"/>
               <a:t>A valid Windows username and password are required.</a:t>
             </a:r>
           </a:p>
           <a:p>
-            <a:r xmlns:a="http://schemas.openxmlformats.org/drawingml/2006/main">
+            <a:r>
               <a:rPr lang="en" sz="2000" b="1" dirty="0"/>
               <a:t>Note: </a:t>
             </a:r>
-            <a:r xmlns:a="http://schemas.openxmlformats.org/drawingml/2006/main">
+            <a:r>
               <a:rPr lang="en" sz="2000" dirty="0"/>
               <a:t>The username must follow the pattern </a:t>
             </a:r>
-            <a:r xmlns:a="http://schemas.openxmlformats.org/drawingml/2006/main">
+            <a:r>
               <a:rPr lang="en" sz="2000" b="1" dirty="0" err="1"/>
               <a:t>computername </a:t>
             </a:r>
-            <a:r xmlns:a="http://schemas.openxmlformats.org/drawingml/2006/main">
+            <a:r>
               <a:rPr lang="en" sz="2000" b="1" dirty="0"/>
               <a:t>\user </a:t>
             </a:r>
-            <a:r xmlns:a="http://schemas.openxmlformats.org/drawingml/2006/main">
+            <a:r>
               <a:rPr lang="en" sz="2000" dirty="0"/>
               <a:t>.</a:t>
             </a:r>
@@ -4625,21 +4625,21 @@
           </a:bodyPr>
           <a:lstStyle/>
           <a:p>
-            <a:r xmlns:a="http://schemas.openxmlformats.org/drawingml/2006/main">
+            <a:r>
               <a:rPr lang="en" sz="2400" b="1" dirty="0" err="1" smtClean="0">
                 <a:latin typeface="Segoe UI" panose="020B0502040204020203" pitchFamily="34" charset="0"/>
                 <a:cs typeface="Segoe UI" panose="020B0502040204020203" pitchFamily="34" charset="0"/>
               </a:rPr>
               <a:t>Deploy </a:t>
             </a:r>
-            <a:r xmlns:a="http://schemas.openxmlformats.org/drawingml/2006/main">
+            <a:r>
               <a:rPr lang="en" sz="2400" b="1" dirty="0" smtClean="0">
                 <a:latin typeface="Segoe UI" panose="020B0502040204020203" pitchFamily="34" charset="0"/>
                 <a:cs typeface="Segoe UI" panose="020B0502040204020203" pitchFamily="34" charset="0"/>
               </a:rPr>
               <a:t>reports</a:t>
             </a:r>
-            <a:endParaRPr xmlns:a="http://schemas.openxmlformats.org/drawingml/2006/main" lang="en-US" sz="2400" b="1" dirty="0">
+            <a:endParaRPr lang="en-US" sz="2400" b="1" dirty="0">
               <a:latin typeface="Segoe UI" panose="020B0502040204020203" pitchFamily="34" charset="0"/>
               <a:cs typeface="Segoe UI" panose="020B0502040204020203" pitchFamily="34" charset="0"/>
             </a:endParaRPr>
@@ -4796,11 +4796,11 @@
           </a:bodyPr>
           <a:lstStyle/>
           <a:p>
-            <a:r xmlns:a="http://schemas.openxmlformats.org/drawingml/2006/main">
+            <a:r>
               <a:rPr lang="en" sz="2000" dirty="0"/>
               <a:t>We assume creating a new connection to the Excel file.</a:t>
             </a:r>
-            <a:endParaRPr xmlns:a="http://schemas.openxmlformats.org/drawingml/2006/main" lang="en-US" sz="2000" dirty="0"/>
+            <a:endParaRPr lang="en-US" sz="2000" dirty="0"/>
           </a:p>
         </p:txBody>
       </p:sp>
@@ -4825,19 +4825,19 @@
           </a:bodyPr>
           <a:lstStyle/>
           <a:p>
-            <a:r xmlns:a="http://schemas.openxmlformats.org/drawingml/2006/main">
+            <a:r>
               <a:rPr lang="en" sz="2000" dirty="0"/>
               <a:t>Select the </a:t>
             </a:r>
-            <a:r xmlns:a="http://schemas.openxmlformats.org/drawingml/2006/main">
+            <a:r>
               <a:rPr lang="en" sz="2000" b="1" dirty="0"/>
               <a:t>Connections tab </a:t>
             </a:r>
-            <a:r xmlns:a="http://schemas.openxmlformats.org/drawingml/2006/main">
+            <a:r>
               <a:rPr lang="en" sz="2000" dirty="0"/>
               <a:t>, and appears</a:t>
             </a:r>
-            <a:endParaRPr xmlns:a="http://schemas.openxmlformats.org/drawingml/2006/main" lang="en-US" sz="2000" dirty="0"/>
+            <a:endParaRPr lang="en-US" sz="2000" dirty="0"/>
           </a:p>
         </p:txBody>
       </p:sp>
@@ -4893,21 +4893,21 @@
           </a:bodyPr>
           <a:lstStyle/>
           <a:p>
-            <a:r xmlns:a="http://schemas.openxmlformats.org/drawingml/2006/main">
+            <a:r>
               <a:rPr lang="en" sz="2400" b="1" dirty="0" err="1" smtClean="0">
                 <a:latin typeface="Segoe UI" panose="020B0502040204020203" pitchFamily="34" charset="0"/>
                 <a:cs typeface="Segoe UI" panose="020B0502040204020203" pitchFamily="34" charset="0"/>
               </a:rPr>
               <a:t>Deploy </a:t>
             </a:r>
-            <a:r xmlns:a="http://schemas.openxmlformats.org/drawingml/2006/main">
+            <a:r>
               <a:rPr lang="en" sz="2400" b="1" dirty="0" smtClean="0">
                 <a:latin typeface="Segoe UI" panose="020B0502040204020203" pitchFamily="34" charset="0"/>
                 <a:cs typeface="Segoe UI" panose="020B0502040204020203" pitchFamily="34" charset="0"/>
               </a:rPr>
               <a:t>reports</a:t>
             </a:r>
-            <a:endParaRPr xmlns:a="http://schemas.openxmlformats.org/drawingml/2006/main" lang="en-US" sz="2400" b="1" dirty="0">
+            <a:endParaRPr lang="en-US" sz="2400" b="1" dirty="0">
               <a:latin typeface="Segoe UI" panose="020B0502040204020203" pitchFamily="34" charset="0"/>
               <a:cs typeface="Segoe UI" panose="020B0502040204020203" pitchFamily="34" charset="0"/>
             </a:endParaRPr>
@@ -5039,12 +5039,12 @@
           <a:bodyPr rtlCol="0" anchor="ctr"/>
           <a:lstStyle/>
           <a:p>
-            <a:pPr xmlns:a="http://schemas.openxmlformats.org/drawingml/2006/main" algn="ctr"/>
-            <a:r xmlns:a="http://schemas.openxmlformats.org/drawingml/2006/main">
+            <a:pPr algn="ctr"/>
+            <a:r>
               <a:rPr lang="en" b="1" dirty="0" smtClean="0"/>
               <a:t>1</a:t>
             </a:r>
-            <a:endParaRPr xmlns:a="http://schemas.openxmlformats.org/drawingml/2006/main" lang="en-US" b="1" dirty="0"/>
+            <a:endParaRPr lang="en-US" b="1" dirty="0"/>
           </a:p>
         </p:txBody>
       </p:sp>
@@ -5084,12 +5084,12 @@
           <a:bodyPr rtlCol="0" anchor="ctr"/>
           <a:lstStyle/>
           <a:p>
-            <a:pPr xmlns:a="http://schemas.openxmlformats.org/drawingml/2006/main" algn="ctr"/>
-            <a:r xmlns:a="http://schemas.openxmlformats.org/drawingml/2006/main">
+            <a:pPr algn="ctr"/>
+            <a:r>
               <a:rPr lang="en" b="1" dirty="0" smtClean="0"/>
               <a:t>2</a:t>
             </a:r>
-            <a:endParaRPr xmlns:a="http://schemas.openxmlformats.org/drawingml/2006/main" lang="en-US" b="1" dirty="0"/>
+            <a:endParaRPr lang="en-US" b="1" dirty="0"/>
           </a:p>
         </p:txBody>
       </p:sp>
@@ -5129,12 +5129,12 @@
           <a:bodyPr rtlCol="0" anchor="ctr"/>
           <a:lstStyle/>
           <a:p>
-            <a:pPr xmlns:a="http://schemas.openxmlformats.org/drawingml/2006/main" algn="ctr"/>
-            <a:r xmlns:a="http://schemas.openxmlformats.org/drawingml/2006/main">
+            <a:pPr algn="ctr"/>
+            <a:r>
               <a:rPr lang="en" b="1" dirty="0" smtClean="0"/>
               <a:t>3</a:t>
             </a:r>
-            <a:endParaRPr xmlns:a="http://schemas.openxmlformats.org/drawingml/2006/main" lang="en-US" b="1" dirty="0"/>
+            <a:endParaRPr lang="en-US" b="1" dirty="0"/>
           </a:p>
         </p:txBody>
       </p:sp>
@@ -5174,12 +5174,12 @@
           <a:bodyPr rtlCol="0" anchor="ctr"/>
           <a:lstStyle/>
           <a:p>
-            <a:pPr xmlns:a="http://schemas.openxmlformats.org/drawingml/2006/main" algn="ctr"/>
-            <a:r xmlns:a="http://schemas.openxmlformats.org/drawingml/2006/main">
+            <a:pPr algn="ctr"/>
+            <a:r>
               <a:rPr lang="en" b="1" dirty="0" smtClean="0"/>
               <a:t>4</a:t>
             </a:r>
-            <a:endParaRPr xmlns:a="http://schemas.openxmlformats.org/drawingml/2006/main" lang="en-US" b="1" dirty="0"/>
+            <a:endParaRPr lang="en-US" b="1" dirty="0"/>
           </a:p>
         </p:txBody>
       </p:sp>
@@ -5219,12 +5219,12 @@
           <a:bodyPr rtlCol="0" anchor="ctr"/>
           <a:lstStyle/>
           <a:p>
-            <a:pPr xmlns:a="http://schemas.openxmlformats.org/drawingml/2006/main" algn="ctr"/>
-            <a:r xmlns:a="http://schemas.openxmlformats.org/drawingml/2006/main">
+            <a:pPr algn="ctr"/>
+            <a:r>
               <a:rPr lang="en" b="1" dirty="0" smtClean="0"/>
               <a:t>5</a:t>
             </a:r>
-            <a:endParaRPr xmlns:a="http://schemas.openxmlformats.org/drawingml/2006/main" lang="en-US" b="1" dirty="0"/>
+            <a:endParaRPr lang="en-US" b="1" dirty="0"/>
           </a:p>
         </p:txBody>
       </p:sp>
@@ -5264,12 +5264,12 @@
           <a:bodyPr rtlCol="0" anchor="ctr"/>
           <a:lstStyle/>
           <a:p>
-            <a:pPr xmlns:a="http://schemas.openxmlformats.org/drawingml/2006/main" algn="ctr"/>
-            <a:r xmlns:a="http://schemas.openxmlformats.org/drawingml/2006/main">
+            <a:pPr algn="ctr"/>
+            <a:r>
               <a:rPr lang="en" b="1" dirty="0" smtClean="0"/>
               <a:t>6</a:t>
             </a:r>
-            <a:endParaRPr xmlns:a="http://schemas.openxmlformats.org/drawingml/2006/main" lang="en-US" b="1" dirty="0"/>
+            <a:endParaRPr lang="en-US" b="1" dirty="0"/>
           </a:p>
         </p:txBody>
       </p:sp>
@@ -5309,12 +5309,12 @@
           <a:bodyPr rtlCol="0" anchor="ctr"/>
           <a:lstStyle/>
           <a:p>
-            <a:pPr xmlns:a="http://schemas.openxmlformats.org/drawingml/2006/main" algn="ctr"/>
-            <a:r xmlns:a="http://schemas.openxmlformats.org/drawingml/2006/main">
+            <a:pPr algn="ctr"/>
+            <a:r>
               <a:rPr lang="en" b="1" dirty="0" smtClean="0"/>
               <a:t>7</a:t>
             </a:r>
-            <a:endParaRPr xmlns:a="http://schemas.openxmlformats.org/drawingml/2006/main" lang="en-US" b="1" dirty="0"/>
+            <a:endParaRPr lang="en-US" b="1" dirty="0"/>
           </a:p>
         </p:txBody>
       </p:sp>
@@ -5354,12 +5354,12 @@
           <a:bodyPr rtlCol="0" anchor="ctr"/>
           <a:lstStyle/>
           <a:p>
-            <a:pPr xmlns:a="http://schemas.openxmlformats.org/drawingml/2006/main" algn="ctr"/>
-            <a:r xmlns:a="http://schemas.openxmlformats.org/drawingml/2006/main">
+            <a:pPr algn="ctr"/>
+            <a:r>
               <a:rPr lang="en" b="1" dirty="0" smtClean="0"/>
               <a:t>8</a:t>
             </a:r>
-            <a:endParaRPr xmlns:a="http://schemas.openxmlformats.org/drawingml/2006/main" lang="en-US" b="1" dirty="0"/>
+            <a:endParaRPr lang="en-US" b="1" dirty="0"/>
           </a:p>
         </p:txBody>
       </p:sp>
@@ -5399,12 +5399,12 @@
           <a:bodyPr rtlCol="0" anchor="ctr"/>
           <a:lstStyle/>
           <a:p>
-            <a:pPr xmlns:a="http://schemas.openxmlformats.org/drawingml/2006/main" algn="ctr"/>
-            <a:r xmlns:a="http://schemas.openxmlformats.org/drawingml/2006/main">
+            <a:pPr algn="ctr"/>
+            <a:r>
               <a:rPr lang="en" b="1" dirty="0" smtClean="0"/>
               <a:t>9</a:t>
             </a:r>
-            <a:endParaRPr xmlns:a="http://schemas.openxmlformats.org/drawingml/2006/main" lang="en-US" b="1" dirty="0"/>
+            <a:endParaRPr lang="en-US" b="1" dirty="0"/>
           </a:p>
         </p:txBody>
       </p:sp>
@@ -5429,28 +5429,28 @@
           </a:bodyPr>
           <a:lstStyle/>
           <a:p>
-            <a:r xmlns:a="http://schemas.openxmlformats.org/drawingml/2006/main">
+            <a:r>
               <a:rPr lang="en" sz="1400" b="1" dirty="0" smtClean="0">
                 <a:latin typeface="Segoe UI" panose="020B0502040204020203" pitchFamily="34" charset="0"/>
                 <a:cs typeface="Segoe UI" panose="020B0502040204020203" pitchFamily="34" charset="0"/>
               </a:rPr>
               <a:t>The </a:t>
             </a:r>
-            <a:r xmlns:a="http://schemas.openxmlformats.org/drawingml/2006/main">
+            <a:r>
               <a:rPr lang="en" sz="1400" b="1" dirty="0" err="1" smtClean="0">
                 <a:latin typeface="Segoe UI" panose="020B0502040204020203" pitchFamily="34" charset="0"/>
                 <a:cs typeface="Segoe UI" panose="020B0502040204020203" pitchFamily="34" charset="0"/>
               </a:rPr>
               <a:t>footbridge</a:t>
             </a:r>
-            <a:r xmlns:a="http://schemas.openxmlformats.org/drawingml/2006/main">
+            <a:r>
               <a:rPr lang="en" sz="1400" b="1" dirty="0" smtClean="0">
                 <a:latin typeface="Segoe UI" panose="020B0502040204020203" pitchFamily="34" charset="0"/>
                 <a:cs typeface="Segoe UI" panose="020B0502040204020203" pitchFamily="34" charset="0"/>
               </a:rPr>
               <a:t> </a:t>
             </a:r>
-            <a:endParaRPr xmlns:a="http://schemas.openxmlformats.org/drawingml/2006/main" lang="en-US" sz="1400" b="1" dirty="0">
+            <a:endParaRPr lang="en-US" sz="1400" b="1" dirty="0">
               <a:latin typeface="Segoe UI" panose="020B0502040204020203" pitchFamily="34" charset="0"/>
               <a:cs typeface="Segoe UI" panose="020B0502040204020203" pitchFamily="34" charset="0"/>
             </a:endParaRPr>
@@ -5478,14 +5478,14 @@
           </a:bodyPr>
           <a:lstStyle/>
           <a:p>
-            <a:r xmlns:a="http://schemas.openxmlformats.org/drawingml/2006/main">
+            <a:r>
               <a:rPr lang="en" sz="1400" b="1" dirty="0" smtClean="0">
                 <a:latin typeface="Segoe UI" panose="020B0502040204020203" pitchFamily="34" charset="0"/>
                 <a:cs typeface="Segoe UI" panose="020B0502040204020203" pitchFamily="34" charset="0"/>
               </a:rPr>
               <a:t>The name</a:t>
             </a:r>
-            <a:endParaRPr xmlns:a="http://schemas.openxmlformats.org/drawingml/2006/main" lang="en-US" sz="1400" b="1" dirty="0">
+            <a:endParaRPr lang="en-US" sz="1400" b="1" dirty="0">
               <a:latin typeface="Segoe UI" panose="020B0502040204020203" pitchFamily="34" charset="0"/>
               <a:cs typeface="Segoe UI" panose="020B0502040204020203" pitchFamily="34" charset="0"/>
             </a:endParaRPr>
@@ -5513,14 +5513,14 @@
           </a:bodyPr>
           <a:lstStyle/>
           <a:p>
-            <a:r xmlns:a="http://schemas.openxmlformats.org/drawingml/2006/main">
+            <a:r>
               <a:rPr lang="en" sz="1400" b="1" dirty="0" smtClean="0">
                 <a:latin typeface="Segoe UI" panose="020B0502040204020203" pitchFamily="34" charset="0"/>
                 <a:cs typeface="Segoe UI" panose="020B0502040204020203" pitchFamily="34" charset="0"/>
               </a:rPr>
               <a:t>The login name</a:t>
             </a:r>
-            <a:endParaRPr xmlns:a="http://schemas.openxmlformats.org/drawingml/2006/main" lang="en-US" sz="1400" b="1" dirty="0">
+            <a:endParaRPr lang="en-US" sz="1400" b="1" dirty="0">
               <a:latin typeface="Segoe UI" panose="020B0502040204020203" pitchFamily="34" charset="0"/>
               <a:cs typeface="Segoe UI" panose="020B0502040204020203" pitchFamily="34" charset="0"/>
             </a:endParaRPr>
@@ -5548,14 +5548,14 @@
           </a:bodyPr>
           <a:lstStyle/>
           <a:p>
-            <a:r xmlns:a="http://schemas.openxmlformats.org/drawingml/2006/main">
+            <a:r>
               <a:rPr lang="en" sz="1400" b="1" dirty="0" smtClean="0">
                 <a:latin typeface="Segoe UI" panose="020B0502040204020203" pitchFamily="34" charset="0"/>
                 <a:cs typeface="Segoe UI" panose="020B0502040204020203" pitchFamily="34" charset="0"/>
               </a:rPr>
               <a:t>The connection type</a:t>
             </a:r>
-            <a:endParaRPr xmlns:a="http://schemas.openxmlformats.org/drawingml/2006/main" lang="en-US" sz="1400" b="1" dirty="0">
+            <a:endParaRPr lang="en-US" sz="1400" b="1" dirty="0">
               <a:latin typeface="Segoe UI" panose="020B0502040204020203" pitchFamily="34" charset="0"/>
               <a:cs typeface="Segoe UI" panose="020B0502040204020203" pitchFamily="34" charset="0"/>
             </a:endParaRPr>
@@ -5583,28 +5583,28 @@
           </a:bodyPr>
           <a:lstStyle/>
           <a:p>
-            <a:r xmlns:a="http://schemas.openxmlformats.org/drawingml/2006/main">
+            <a:r>
               <a:rPr lang="en" sz="1400" b="1" dirty="0" smtClean="0">
                 <a:latin typeface="Segoe UI" panose="020B0502040204020203" pitchFamily="34" charset="0"/>
                 <a:cs typeface="Segoe UI" panose="020B0502040204020203" pitchFamily="34" charset="0"/>
               </a:rPr>
               <a:t>The </a:t>
             </a:r>
-            <a:r xmlns:a="http://schemas.openxmlformats.org/drawingml/2006/main">
+            <a:r>
               <a:rPr lang="en" sz="1400" b="1" dirty="0" err="1" smtClean="0">
                 <a:latin typeface="Segoe UI" panose="020B0502040204020203" pitchFamily="34" charset="0"/>
                 <a:cs typeface="Segoe UI" panose="020B0502040204020203" pitchFamily="34" charset="0"/>
               </a:rPr>
               <a:t>path </a:t>
             </a:r>
-            <a:r xmlns:a="http://schemas.openxmlformats.org/drawingml/2006/main">
+            <a:r>
               <a:rPr lang="en" sz="1400" b="1" dirty="0" smtClean="0">
                 <a:latin typeface="Segoe UI" panose="020B0502040204020203" pitchFamily="34" charset="0"/>
                 <a:cs typeface="Segoe UI" panose="020B0502040204020203" pitchFamily="34" charset="0"/>
               </a:rPr>
               <a:t>to the source</a:t>
             </a:r>
-            <a:endParaRPr xmlns:a="http://schemas.openxmlformats.org/drawingml/2006/main" lang="en-US" sz="1400" b="1" dirty="0">
+            <a:endParaRPr lang="en-US" sz="1400" b="1" dirty="0">
               <a:latin typeface="Segoe UI" panose="020B0502040204020203" pitchFamily="34" charset="0"/>
               <a:cs typeface="Segoe UI" panose="020B0502040204020203" pitchFamily="34" charset="0"/>
             </a:endParaRPr>
@@ -5632,14 +5632,14 @@
           </a:bodyPr>
           <a:lstStyle/>
           <a:p>
-            <a:r xmlns:a="http://schemas.openxmlformats.org/drawingml/2006/main">
+            <a:r>
               <a:rPr lang="en" sz="1400" b="1" dirty="0" smtClean="0">
                 <a:latin typeface="Segoe UI" panose="020B0502040204020203" pitchFamily="34" charset="0"/>
                 <a:cs typeface="Segoe UI" panose="020B0502040204020203" pitchFamily="34" charset="0"/>
               </a:rPr>
               <a:t>The authentication method</a:t>
             </a:r>
-            <a:endParaRPr xmlns:a="http://schemas.openxmlformats.org/drawingml/2006/main" lang="en-US" sz="1400" b="1" dirty="0">
+            <a:endParaRPr lang="en-US" sz="1400" b="1" dirty="0">
               <a:latin typeface="Segoe UI" panose="020B0502040204020203" pitchFamily="34" charset="0"/>
               <a:cs typeface="Segoe UI" panose="020B0502040204020203" pitchFamily="34" charset="0"/>
             </a:endParaRPr>
@@ -5667,21 +5667,21 @@
           </a:bodyPr>
           <a:lstStyle/>
           <a:p>
-            <a:r xmlns:a="http://schemas.openxmlformats.org/drawingml/2006/main">
+            <a:r>
               <a:rPr lang="en" sz="1400" b="1" dirty="0" smtClean="0">
                 <a:latin typeface="Segoe UI" panose="020B0502040204020203" pitchFamily="34" charset="0"/>
                 <a:cs typeface="Segoe UI" panose="020B0502040204020203" pitchFamily="34" charset="0"/>
               </a:rPr>
               <a:t>The </a:t>
             </a:r>
-            <a:r xmlns:a="http://schemas.openxmlformats.org/drawingml/2006/main">
+            <a:r>
               <a:rPr lang="en" sz="1400" b="1" dirty="0" err="1" smtClean="0">
                 <a:latin typeface="Segoe UI" panose="020B0502040204020203" pitchFamily="34" charset="0"/>
                 <a:cs typeface="Segoe UI" panose="020B0502040204020203" pitchFamily="34" charset="0"/>
               </a:rPr>
               <a:t>username</a:t>
             </a:r>
-            <a:endParaRPr xmlns:a="http://schemas.openxmlformats.org/drawingml/2006/main" lang="en-US" sz="1400" b="1" dirty="0">
+            <a:endParaRPr lang="en-US" sz="1400" b="1" dirty="0">
               <a:latin typeface="Segoe UI" panose="020B0502040204020203" pitchFamily="34" charset="0"/>
               <a:cs typeface="Segoe UI" panose="020B0502040204020203" pitchFamily="34" charset="0"/>
             </a:endParaRPr>
@@ -5709,21 +5709,21 @@
           </a:bodyPr>
           <a:lstStyle/>
           <a:p>
-            <a:r xmlns:a="http://schemas.openxmlformats.org/drawingml/2006/main">
+            <a:r>
               <a:rPr lang="en" sz="1400" b="1" dirty="0" smtClean="0">
                 <a:latin typeface="Segoe UI" panose="020B0502040204020203" pitchFamily="34" charset="0"/>
                 <a:cs typeface="Segoe UI" panose="020B0502040204020203" pitchFamily="34" charset="0"/>
               </a:rPr>
               <a:t>The </a:t>
             </a:r>
-            <a:r xmlns:a="http://schemas.openxmlformats.org/drawingml/2006/main">
+            <a:r>
               <a:rPr lang="en" sz="1400" b="1" dirty="0" err="1" smtClean="0">
                 <a:latin typeface="Segoe UI" panose="020B0502040204020203" pitchFamily="34" charset="0"/>
                 <a:cs typeface="Segoe UI" panose="020B0502040204020203" pitchFamily="34" charset="0"/>
               </a:rPr>
               <a:t>password</a:t>
             </a:r>
-            <a:endParaRPr xmlns:a="http://schemas.openxmlformats.org/drawingml/2006/main" lang="en-US" sz="1400" b="1" dirty="0">
+            <a:endParaRPr lang="en-US" sz="1400" b="1" dirty="0">
               <a:latin typeface="Segoe UI" panose="020B0502040204020203" pitchFamily="34" charset="0"/>
               <a:cs typeface="Segoe UI" panose="020B0502040204020203" pitchFamily="34" charset="0"/>
             </a:endParaRPr>
@@ -5751,35 +5751,35 @@
           </a:bodyPr>
           <a:lstStyle/>
           <a:p>
-            <a:r xmlns:a="http://schemas.openxmlformats.org/drawingml/2006/main">
+            <a:r>
               <a:rPr lang="en" sz="1400" b="1" dirty="0" smtClean="0">
                 <a:latin typeface="Segoe UI" panose="020B0502040204020203" pitchFamily="34" charset="0"/>
                 <a:cs typeface="Segoe UI" panose="020B0502040204020203" pitchFamily="34" charset="0"/>
               </a:rPr>
               <a:t>The </a:t>
             </a:r>
-            <a:r xmlns:a="http://schemas.openxmlformats.org/drawingml/2006/main">
+            <a:r>
               <a:rPr lang="en" sz="1400" b="1" dirty="0" err="1" smtClean="0">
                 <a:latin typeface="Segoe UI" panose="020B0502040204020203" pitchFamily="34" charset="0"/>
                 <a:cs typeface="Segoe UI" panose="020B0502040204020203" pitchFamily="34" charset="0"/>
               </a:rPr>
               <a:t>level </a:t>
             </a:r>
-            <a:r xmlns:a="http://schemas.openxmlformats.org/drawingml/2006/main">
+            <a:r>
               <a:rPr lang="en" sz="1400" b="1" dirty="0" smtClean="0">
                 <a:latin typeface="Segoe UI" panose="020B0502040204020203" pitchFamily="34" charset="0"/>
                 <a:cs typeface="Segoe UI" panose="020B0502040204020203" pitchFamily="34" charset="0"/>
               </a:rPr>
               <a:t>of </a:t>
             </a:r>
-            <a:r xmlns:a="http://schemas.openxmlformats.org/drawingml/2006/main">
+            <a:r>
               <a:rPr lang="en" sz="1400" b="1" dirty="0" err="1" smtClean="0">
                 <a:latin typeface="Segoe UI" panose="020B0502040204020203" pitchFamily="34" charset="0"/>
                 <a:cs typeface="Segoe UI" panose="020B0502040204020203" pitchFamily="34" charset="0"/>
               </a:rPr>
               <a:t>privacy</a:t>
             </a:r>
-            <a:endParaRPr xmlns:a="http://schemas.openxmlformats.org/drawingml/2006/main" lang="en-US" sz="1400" b="1" dirty="0">
+            <a:endParaRPr lang="en-US" sz="1400" b="1" dirty="0">
               <a:latin typeface="Segoe UI" panose="020B0502040204020203" pitchFamily="34" charset="0"/>
               <a:cs typeface="Segoe UI" panose="020B0502040204020203" pitchFamily="34" charset="0"/>
             </a:endParaRPr>
@@ -5807,19 +5807,19 @@
           </a:bodyPr>
           <a:lstStyle/>
           <a:p>
-            <a:r xmlns:a="http://schemas.openxmlformats.org/drawingml/2006/main">
+            <a:r>
               <a:rPr lang="en" sz="2000" dirty="0" err="1"/>
               <a:t>Click </a:t>
             </a:r>
-            <a:r xmlns:a="http://schemas.openxmlformats.org/drawingml/2006/main">
+            <a:r>
               <a:rPr lang="en" sz="2000" dirty="0"/>
               <a:t>the </a:t>
             </a:r>
-            <a:r xmlns:a="http://schemas.openxmlformats.org/drawingml/2006/main">
+            <a:r>
               <a:rPr lang="en" sz="2000" dirty="0" err="1"/>
               <a:t>button </a:t>
             </a:r>
-            <a:r xmlns:a="http://schemas.openxmlformats.org/drawingml/2006/main">
+            <a:r>
               <a:rPr lang="en" sz="2000" dirty="0"/>
               <a:t>.</a:t>
             </a:r>
@@ -5878,21 +5878,21 @@
           </a:bodyPr>
           <a:lstStyle/>
           <a:p>
-            <a:r xmlns:a="http://schemas.openxmlformats.org/drawingml/2006/main">
+            <a:r>
               <a:rPr lang="en" sz="2400" b="1" dirty="0" err="1" smtClean="0">
                 <a:latin typeface="Segoe UI" panose="020B0502040204020203" pitchFamily="34" charset="0"/>
                 <a:cs typeface="Segoe UI" panose="020B0502040204020203" pitchFamily="34" charset="0"/>
               </a:rPr>
               <a:t>Deploy </a:t>
             </a:r>
-            <a:r xmlns:a="http://schemas.openxmlformats.org/drawingml/2006/main">
+            <a:r>
               <a:rPr lang="en" sz="2400" b="1" dirty="0" smtClean="0">
                 <a:latin typeface="Segoe UI" panose="020B0502040204020203" pitchFamily="34" charset="0"/>
                 <a:cs typeface="Segoe UI" panose="020B0502040204020203" pitchFamily="34" charset="0"/>
               </a:rPr>
               <a:t>reports</a:t>
             </a:r>
-            <a:endParaRPr xmlns:a="http://schemas.openxmlformats.org/drawingml/2006/main" lang="en-US" sz="2400" b="1" dirty="0">
+            <a:endParaRPr lang="en-US" sz="2400" b="1" dirty="0">
               <a:latin typeface="Segoe UI" panose="020B0502040204020203" pitchFamily="34" charset="0"/>
               <a:cs typeface="Segoe UI" panose="020B0502040204020203" pitchFamily="34" charset="0"/>
             </a:endParaRPr>
@@ -6170,7 +6170,7 @@
           </a:bodyPr>
           <a:lstStyle/>
           <a:p>
-            <a:pPr xmlns:a="http://schemas.openxmlformats.org/drawingml/2006/main" marL="0" marR="0" lvl="0" indent="0" algn="l" defTabSz="914400" rtl="0" eaLnBrk="0" fontAlgn="base" latinLnBrk="0" hangingPunct="0">
+            <a:pPr marL="0" marR="0" lvl="0" indent="0" algn="l" defTabSz="914400" rtl="0" eaLnBrk="0" fontAlgn="base" latinLnBrk="0" hangingPunct="0">
               <a:lnSpc>
                 <a:spcPct val="100000"/>
               </a:lnSpc>
@@ -6186,7 +6186,7 @@
               <a:buNone/>
               <a:tabLst/>
             </a:pPr>
-            <a:r xmlns:a="http://schemas.openxmlformats.org/drawingml/2006/main">
+            <a:r>
               <a:rPr kumimoji="0" lang="en" altLang="en-US" sz="2000" b="0" i="0" u="none" strike="noStrike" cap="none" normalizeH="0" baseline="0" dirty="0" smtClean="0">
                 <a:ln>
                   <a:noFill/>
@@ -6199,7 +6199,7 @@
               </a:rPr>
               <a:t>It </a:t>
             </a:r>
-            <a:r xmlns:a="http://schemas.openxmlformats.org/drawingml/2006/main">
+            <a:r>
               <a:rPr kumimoji="0" lang="en" altLang="en-US" sz="2000" b="0" i="0" u="none" strike="noStrike" cap="none" normalizeH="0" baseline="0" dirty="0" err="1" smtClean="0">
                 <a:ln>
                   <a:noFill/>
@@ -6212,7 +6212,7 @@
               </a:rPr>
               <a:t>is </a:t>
             </a:r>
-            <a:r xmlns:a="http://schemas.openxmlformats.org/drawingml/2006/main">
+            <a:r>
               <a:rPr kumimoji="0" lang="en" altLang="en-US" sz="2000" b="0" i="0" u="none" strike="noStrike" cap="none" normalizeH="0" baseline="0" dirty="0" smtClean="0">
                 <a:ln>
                   <a:noFill/>
@@ -6225,7 +6225,7 @@
               </a:rPr>
               <a:t>possible to </a:t>
             </a:r>
-            <a:r xmlns:a="http://schemas.openxmlformats.org/drawingml/2006/main">
+            <a:r>
               <a:rPr kumimoji="0" lang="en" altLang="en-US" sz="2000" b="0" i="0" u="none" strike="noStrike" cap="none" normalizeH="0" baseline="0" dirty="0" err="1" smtClean="0">
                 <a:ln>
                   <a:noFill/>
@@ -6238,7 +6238,7 @@
               </a:rPr>
               <a:t>share</a:t>
             </a:r>
-            <a:r xmlns:a="http://schemas.openxmlformats.org/drawingml/2006/main">
+            <a:r>
               <a:rPr kumimoji="0" lang="en" altLang="en-US" sz="2000" b="0" i="0" u="none" strike="noStrike" cap="none" normalizeH="0" baseline="0" dirty="0" smtClean="0">
                 <a:ln>
                   <a:noFill/>
@@ -6251,7 +6251,7 @@
               </a:rPr>
               <a:t> </a:t>
             </a:r>
-            <a:r xmlns:a="http://schemas.openxmlformats.org/drawingml/2006/main">
+            <a:r>
               <a:rPr kumimoji="0" lang="en" altLang="en-US" sz="2000" b="0" i="0" u="none" strike="noStrike" cap="none" normalizeH="0" baseline="0" dirty="0" err="1" smtClean="0">
                 <a:ln>
                   <a:noFill/>
@@ -6264,7 +6264,7 @@
               </a:rPr>
               <a:t>this</a:t>
             </a:r>
-            <a:r xmlns:a="http://schemas.openxmlformats.org/drawingml/2006/main">
+            <a:r>
               <a:rPr kumimoji="0" lang="en" altLang="en-US" sz="2000" b="0" i="0" u="none" strike="noStrike" cap="none" normalizeH="0" baseline="0" dirty="0" smtClean="0">
                 <a:ln>
                   <a:noFill/>
@@ -6277,7 +6277,7 @@
               </a:rPr>
               <a:t> </a:t>
             </a:r>
-            <a:r xmlns:a="http://schemas.openxmlformats.org/drawingml/2006/main">
+            <a:r>
               <a:rPr kumimoji="0" lang="en" altLang="en-US" sz="2000" b="0" i="0" u="none" strike="noStrike" cap="none" normalizeH="0" baseline="0" dirty="0" err="1" smtClean="0">
                 <a:ln>
                   <a:noFill/>
@@ -6290,7 +6290,7 @@
               </a:rPr>
               <a:t>connecting </a:t>
             </a:r>
-            <a:r xmlns:a="http://schemas.openxmlformats.org/drawingml/2006/main">
+            <a:r>
               <a:rPr kumimoji="0" lang="en" altLang="en-US" sz="2000" b="0" i="0" u="none" strike="noStrike" cap="none" normalizeH="0" baseline="0" dirty="0" smtClean="0">
                 <a:ln>
                   <a:noFill/>
@@ -6303,7 +6303,7 @@
               </a:rPr>
               <a:t>to the </a:t>
             </a:r>
-            <a:r xmlns:a="http://schemas.openxmlformats.org/drawingml/2006/main">
+            <a:r>
               <a:rPr kumimoji="0" lang="en" altLang="en-US" sz="2000" b="0" i="0" u="none" strike="noStrike" cap="none" normalizeH="0" baseline="0" dirty="0" err="1" smtClean="0">
                 <a:ln>
                   <a:noFill/>
@@ -6316,7 +6316,7 @@
               </a:rPr>
               <a:t>data source </a:t>
             </a:r>
-            <a:r xmlns:a="http://schemas.openxmlformats.org/drawingml/2006/main">
+            <a:r>
               <a:rPr kumimoji="0" lang="en" altLang="en-US" sz="2000" b="0" i="0" u="none" strike="noStrike" cap="none" normalizeH="0" baseline="0" dirty="0" smtClean="0">
                 <a:ln>
                   <a:noFill/>
@@ -6329,7 +6329,7 @@
               </a:rPr>
               <a:t>with </a:t>
             </a:r>
-            <a:r xmlns:a="http://schemas.openxmlformats.org/drawingml/2006/main">
+            <a:r>
               <a:rPr kumimoji="0" lang="en" altLang="en-US" sz="2000" b="0" i="0" u="none" strike="noStrike" cap="none" normalizeH="0" baseline="0" dirty="0" err="1" smtClean="0">
                 <a:ln>
                   <a:noFill/>
@@ -6342,7 +6342,7 @@
               </a:rPr>
               <a:t>others</a:t>
             </a:r>
-            <a:r xmlns:a="http://schemas.openxmlformats.org/drawingml/2006/main">
+            <a:r>
               <a:rPr kumimoji="0" lang="en" altLang="en-US" sz="2000" b="0" i="0" u="none" strike="noStrike" cap="none" normalizeH="0" baseline="0" dirty="0" smtClean="0">
                 <a:ln>
                   <a:noFill/>
@@ -6355,7 +6355,7 @@
               </a:rPr>
               <a:t> </a:t>
             </a:r>
-            <a:r xmlns:a="http://schemas.openxmlformats.org/drawingml/2006/main">
+            <a:r>
               <a:rPr kumimoji="0" lang="en" altLang="en-US" sz="2000" b="0" i="0" u="none" strike="noStrike" cap="none" normalizeH="0" baseline="0" dirty="0" err="1" smtClean="0">
                 <a:ln>
                   <a:noFill/>
@@ -6368,7 +6368,7 @@
               </a:rPr>
               <a:t>members </a:t>
             </a:r>
-            <a:r xmlns:a="http://schemas.openxmlformats.org/drawingml/2006/main">
+            <a:r>
               <a:rPr kumimoji="0" lang="en" altLang="en-US" sz="2000" b="0" i="0" u="none" strike="noStrike" cap="none" normalizeH="0" baseline="0" dirty="0" smtClean="0">
                 <a:ln>
                   <a:noFill/>
@@ -6383,7 +6383,7 @@
             </a:r>
           </a:p>
           <a:p>
-            <a:pPr xmlns:a="http://schemas.openxmlformats.org/drawingml/2006/main" marL="0" marR="0" lvl="0" indent="0" algn="l" defTabSz="914400" rtl="0" eaLnBrk="0" fontAlgn="base" latinLnBrk="0" hangingPunct="0">
+            <a:pPr marL="0" marR="0" lvl="0" indent="0" algn="l" defTabSz="914400" rtl="0" eaLnBrk="0" fontAlgn="base" latinLnBrk="0" hangingPunct="0">
               <a:lnSpc>
                 <a:spcPct val="100000"/>
               </a:lnSpc>
@@ -6399,7 +6399,7 @@
               <a:buNone/>
               <a:tabLst/>
             </a:pPr>
-            <a:r xmlns:a="http://schemas.openxmlformats.org/drawingml/2006/main">
+            <a:r>
               <a:rPr kumimoji="0" lang="en" altLang="en-US" sz="2000" b="0" i="0" u="none" strike="noStrike" cap="none" normalizeH="0" baseline="0" dirty="0" err="1" smtClean="0">
                 <a:ln>
                   <a:noFill/>
@@ -6412,7 +6412,7 @@
               </a:rPr>
               <a:t>the </a:t>
             </a:r>
-            <a:r xmlns:a="http://schemas.openxmlformats.org/drawingml/2006/main">
+            <a:r>
               <a:rPr kumimoji="0" lang="en" altLang="en-US" sz="2000" b="0" i="0" u="none" strike="noStrike" cap="none" normalizeH="0" baseline="0" dirty="0" smtClean="0">
                 <a:ln>
                   <a:noFill/>
@@ -6425,7 +6425,7 @@
               </a:rPr>
               <a:t>workspace </a:t>
             </a:r>
-            <a:r xmlns:a="http://schemas.openxmlformats.org/drawingml/2006/main">
+            <a:r>
               <a:rPr kumimoji="0" lang="en" altLang="en-US" sz="2000" b="0" i="0" u="none" strike="noStrike" cap="none" normalizeH="0" baseline="0" dirty="0" err="1" smtClean="0">
                 <a:ln>
                   <a:noFill/>
@@ -6436,35 +6436,9 @@
                 <a:effectLst/>
                 <a:latin typeface="Arial" panose="020B0604020202020204" pitchFamily="34" charset="0"/>
               </a:rPr>
-              <a:t>by </a:t>
-            </a:r>
-            <a:r xmlns:a="http://schemas.openxmlformats.org/drawingml/2006/main">
-              <a:rPr kumimoji="0" lang="en" altLang="en-US" sz="2000" b="0" i="0" u="none" strike="noStrike" cap="none" normalizeH="0" baseline="0" dirty="0" err="1" smtClean="0">
-                <a:ln>
-                  <a:noFill/>
-                </a:ln>
-                <a:solidFill>
-                  <a:schemeClr val="tx1"/>
-                </a:solidFill>
-                <a:effectLst/>
-                <a:latin typeface="Arial" panose="020B0604020202020204" pitchFamily="34" charset="0"/>
-              </a:rPr>
-              <a:t>searching </a:t>
-            </a:r>
-            <a:r xmlns:a="http://schemas.openxmlformats.org/drawingml/2006/main">
-              <a:rPr kumimoji="0" lang="en" altLang="en-US" sz="2000" b="0" i="0" u="none" strike="noStrike" cap="none" normalizeH="0" baseline="0" dirty="0" err="1" smtClean="0">
-                <a:ln>
-                  <a:noFill/>
-                </a:ln>
-                <a:solidFill>
-                  <a:schemeClr val="tx1"/>
-                </a:solidFill>
-                <a:effectLst/>
-                <a:latin typeface="Arial" panose="020B0604020202020204" pitchFamily="34" charset="0"/>
-              </a:rPr>
-              <a:t>for </a:t>
-            </a:r>
-            <a:r xmlns:a="http://schemas.openxmlformats.org/drawingml/2006/main">
+              <a:t>by searching for </a:t>
+            </a:r>
+            <a:r>
               <a:rPr kumimoji="0" lang="en" altLang="en-US" sz="2000" b="0" i="0" u="none" strike="noStrike" cap="none" normalizeH="0" baseline="0" dirty="0" smtClean="0">
                 <a:ln>
                   <a:noFill/>
@@ -6475,22 +6449,9 @@
                 <a:effectLst/>
                 <a:latin typeface="Arial" panose="020B0604020202020204" pitchFamily="34" charset="0"/>
               </a:rPr>
-              <a:t>them </a:t>
-            </a:r>
-            <a:r xmlns:a="http://schemas.openxmlformats.org/drawingml/2006/main">
-              <a:rPr kumimoji="0" lang="en" altLang="en-US" sz="2000" b="0" i="0" u="none" strike="noStrike" cap="none" normalizeH="0" baseline="0" dirty="0" smtClean="0">
-                <a:ln>
-                  <a:noFill/>
-                </a:ln>
-                <a:solidFill>
-                  <a:schemeClr val="tx1"/>
-                </a:solidFill>
-                <a:effectLst/>
-                <a:latin typeface="Arial" panose="020B0604020202020204" pitchFamily="34" charset="0"/>
-              </a:rPr>
-              <a:t>by email and </a:t>
-            </a:r>
-            <a:r xmlns:a="http://schemas.openxmlformats.org/drawingml/2006/main">
+              <a:t>them by email and </a:t>
+            </a:r>
+            <a:r>
               <a:rPr kumimoji="0" lang="en" altLang="en-US" sz="2000" b="0" i="0" u="none" strike="noStrike" cap="none" normalizeH="0" baseline="0" dirty="0" err="1" smtClean="0">
                 <a:ln>
                   <a:noFill/>
@@ -6503,7 +6464,7 @@
               </a:rPr>
               <a:t>adding </a:t>
             </a:r>
-            <a:r xmlns:a="http://schemas.openxmlformats.org/drawingml/2006/main">
+            <a:r>
               <a:rPr kumimoji="0" lang="en" altLang="en-US" sz="2000" b="0" i="0" u="none" strike="noStrike" cap="none" normalizeH="0" baseline="0" dirty="0" smtClean="0">
                 <a:ln>
                   <a:noFill/>
@@ -6514,20 +6475,7 @@
                 <a:effectLst/>
                 <a:latin typeface="Arial" panose="020B0604020202020204" pitchFamily="34" charset="0"/>
               </a:rPr>
-              <a:t>them </a:t>
-            </a:r>
-            <a:r xmlns:a="http://schemas.openxmlformats.org/drawingml/2006/main">
-              <a:rPr kumimoji="0" lang="en" altLang="en-US" sz="2000" b="0" i="0" u="none" strike="noStrike" cap="none" normalizeH="0" baseline="0" dirty="0" smtClean="0">
-                <a:ln>
-                  <a:noFill/>
-                </a:ln>
-                <a:solidFill>
-                  <a:schemeClr val="tx1"/>
-                </a:solidFill>
-                <a:effectLst/>
-                <a:latin typeface="Arial" panose="020B0604020202020204" pitchFamily="34" charset="0"/>
-              </a:rPr>
-              <a:t>.</a:t>
+              <a:t>them .</a:t>
             </a:r>
           </a:p>
         </p:txBody>
@@ -6617,8 +6565,8 @@
         </p:nvSpPr>
         <p:spPr>
           <a:xfrm>
-            <a:off x="3977355" y="2625277"/>
-            <a:ext cx="3456395" cy="1569660"/>
+            <a:off x="2897950" y="2460273"/>
+            <a:ext cx="6230360" cy="1569660"/>
           </a:xfrm>
           <a:prstGeom prst="rect">
             <a:avLst/>
@@ -6631,8 +6579,8 @@
           </a:bodyPr>
           <a:lstStyle/>
           <a:p>
-            <a:r xmlns:a="http://schemas.openxmlformats.org/drawingml/2006/main">
-              <a:rPr lang="en" sz="9600" b="1" dirty="0" smtClean="0">
+            <a:r>
+              <a:rPr lang="en-US" sz="9600" b="1" dirty="0" smtClean="0">
                 <a:solidFill>
                   <a:srgbClr val="7030A0"/>
                 </a:solidFill>
@@ -6640,9 +6588,9 @@
                 <a:ea typeface="Verdana" panose="020B0604030504040204" pitchFamily="34" charset="0"/>
                 <a:cs typeface="Segoe UI" panose="020B0502040204020203" pitchFamily="34" charset="0"/>
               </a:rPr>
-              <a:t>THANKS</a:t>
-            </a:r>
-            <a:endParaRPr xmlns:a="http://schemas.openxmlformats.org/drawingml/2006/main" lang="en-US" sz="9600" b="1" dirty="0">
+              <a:t>Thank you</a:t>
+            </a:r>
+            <a:endParaRPr lang="en-US" sz="9600" b="1" dirty="0">
               <a:solidFill>
                 <a:srgbClr val="7030A0"/>
               </a:solidFill>
@@ -6661,8 +6609,8 @@
         </p:nvSpPr>
         <p:spPr>
           <a:xfrm>
-            <a:off x="3915266" y="2563188"/>
-            <a:ext cx="3456395" cy="1569660"/>
+            <a:off x="2835861" y="2398184"/>
+            <a:ext cx="6230360" cy="1569660"/>
           </a:xfrm>
           <a:prstGeom prst="rect">
             <a:avLst/>
@@ -6675,8 +6623,8 @@
           </a:bodyPr>
           <a:lstStyle/>
           <a:p>
-            <a:r xmlns:a="http://schemas.openxmlformats.org/drawingml/2006/main">
-              <a:rPr lang="en" sz="9600" b="1" dirty="0" smtClean="0">
+            <a:r>
+              <a:rPr lang="en-US" sz="9600" b="1" dirty="0" smtClean="0">
                 <a:solidFill>
                   <a:schemeClr val="bg1"/>
                 </a:solidFill>
@@ -6684,9 +6632,9 @@
                 <a:ea typeface="Verdana" panose="020B0604030504040204" pitchFamily="34" charset="0"/>
                 <a:cs typeface="Segoe UI" panose="020B0502040204020203" pitchFamily="34" charset="0"/>
               </a:rPr>
-              <a:t>THANKS</a:t>
-            </a:r>
-            <a:endParaRPr xmlns:a="http://schemas.openxmlformats.org/drawingml/2006/main" lang="en-US" sz="9600" b="1" dirty="0">
+              <a:t>Thank you</a:t>
+            </a:r>
+            <a:endParaRPr lang="en-US" sz="9600" b="1" dirty="0">
               <a:solidFill>
                 <a:schemeClr val="bg1"/>
               </a:solidFill>
@@ -6749,21 +6697,14 @@
           </a:bodyPr>
           <a:lstStyle/>
           <a:p>
-            <a:r xmlns:a="http://schemas.openxmlformats.org/drawingml/2006/main">
+            <a:r>
               <a:rPr lang="en" sz="2400" b="1" dirty="0" smtClean="0">
                 <a:latin typeface="Segoe UI" panose="020B0502040204020203" pitchFamily="34" charset="0"/>
                 <a:cs typeface="Segoe UI" panose="020B0502040204020203" pitchFamily="34" charset="0"/>
               </a:rPr>
-              <a:t>Deploy </a:t>
-            </a:r>
-            <a:r xmlns:a="http://schemas.openxmlformats.org/drawingml/2006/main">
-              <a:rPr lang="en" sz="2400" b="1" dirty="0" smtClean="0">
-                <a:latin typeface="Segoe UI" panose="020B0502040204020203" pitchFamily="34" charset="0"/>
-                <a:cs typeface="Segoe UI" panose="020B0502040204020203" pitchFamily="34" charset="0"/>
-              </a:rPr>
-              <a:t>reports</a:t>
-            </a:r>
-            <a:endParaRPr xmlns:a="http://schemas.openxmlformats.org/drawingml/2006/main" lang="en-US" sz="2400" b="1" dirty="0">
+              <a:t>Deploy reports</a:t>
+            </a:r>
+            <a:endParaRPr lang="en-US" sz="2400" b="1" dirty="0">
               <a:latin typeface="Segoe UI" panose="020B0502040204020203" pitchFamily="34" charset="0"/>
               <a:cs typeface="Segoe UI" panose="020B0502040204020203" pitchFamily="34" charset="0"/>
             </a:endParaRPr>
@@ -6791,7 +6732,7 @@
           </a:bodyPr>
           <a:lstStyle/>
           <a:p>
-            <a:pPr xmlns:a="http://schemas.openxmlformats.org/drawingml/2006/main">
+            <a:pPr>
               <a:lnSpc>
                 <a:spcPct val="107000"/>
               </a:lnSpc>
@@ -6802,7 +6743,7 @@
                 <a:spcPts val="0"/>
               </a:spcAft>
             </a:pPr>
-            <a:r xmlns:a="http://schemas.openxmlformats.org/drawingml/2006/main">
+            <a:r>
               <a:rPr lang="en" sz="2000" b="1" kern="0" dirty="0" smtClean="0">
                 <a:latin typeface="Segoe UI" panose="020B0502040204020203" pitchFamily="34" charset="0"/>
                 <a:ea typeface="Times New Roman" panose="02020603050405020304" pitchFamily="18" charset="0"/>
@@ -6810,7 +6751,7 @@
               </a:rPr>
               <a:t>Note: </a:t>
             </a:r>
-            <a:r xmlns:a="http://schemas.openxmlformats.org/drawingml/2006/main">
+            <a:r>
               <a:rPr lang="en" sz="2000" kern="0" dirty="0" smtClean="0">
                 <a:latin typeface="Segoe UI" panose="020B0502040204020203" pitchFamily="34" charset="0"/>
                 <a:ea typeface="Times New Roman" panose="02020603050405020304" pitchFamily="18" charset="0"/>
@@ -6818,7 +6759,7 @@
               </a:rPr>
               <a:t>This workshop requires a Power BI account</a:t>
             </a:r>
-            <a:endParaRPr xmlns:a="http://schemas.openxmlformats.org/drawingml/2006/main" lang="fr-FR" sz="3200" b="1" kern="0" dirty="0">
+            <a:endParaRPr lang="fr-FR" sz="3200" b="1" kern="0" dirty="0">
               <a:effectLst/>
               <a:latin typeface="Segoe UI" panose="020B0502040204020203" pitchFamily="34" charset="0"/>
               <a:ea typeface="Times New Roman" panose="02020603050405020304" pitchFamily="18" charset="0"/>
@@ -6848,7 +6789,7 @@
           </a:bodyPr>
           <a:lstStyle/>
           <a:p>
-            <a:pPr xmlns:a="http://schemas.openxmlformats.org/drawingml/2006/main">
+            <a:pPr>
               <a:lnSpc>
                 <a:spcPct val="107000"/>
               </a:lnSpc>
@@ -6859,7 +6800,7 @@
                 <a:spcPts val="0"/>
               </a:spcAft>
             </a:pPr>
-            <a:r xmlns:a="http://schemas.openxmlformats.org/drawingml/2006/main">
+            <a:r>
               <a:rPr lang="en" sz="2000" b="1" kern="0" dirty="0" smtClean="0">
                 <a:latin typeface="Segoe UI" panose="020B0502040204020203" pitchFamily="34" charset="0"/>
                 <a:ea typeface="Times New Roman" panose="02020603050405020304" pitchFamily="18" charset="0"/>
@@ -6867,7 +6808,7 @@
               </a:rPr>
               <a:t>Note: </a:t>
             </a:r>
-            <a:r xmlns:a="http://schemas.openxmlformats.org/drawingml/2006/main">
+            <a:r>
               <a:rPr lang="en" sz="2000" kern="0" dirty="0" err="1" smtClean="0">
                 <a:latin typeface="Segoe UI" panose="020B0502040204020203" pitchFamily="34" charset="0"/>
                 <a:ea typeface="Times New Roman" panose="02020603050405020304" pitchFamily="18" charset="0"/>
@@ -6875,7 +6816,7 @@
               </a:rPr>
               <a:t>This</a:t>
             </a:r>
-            <a:r xmlns:a="http://schemas.openxmlformats.org/drawingml/2006/main">
+            <a:r>
               <a:rPr lang="en" sz="2000" kern="0" dirty="0" smtClean="0">
                 <a:latin typeface="Segoe UI" panose="020B0502040204020203" pitchFamily="34" charset="0"/>
                 <a:ea typeface="Times New Roman" panose="02020603050405020304" pitchFamily="18" charset="0"/>
@@ -6883,7 +6824,7 @@
               </a:rPr>
               <a:t> </a:t>
             </a:r>
-            <a:r xmlns:a="http://schemas.openxmlformats.org/drawingml/2006/main">
+            <a:r>
               <a:rPr lang="en" sz="2000" kern="0" dirty="0" err="1" smtClean="0">
                 <a:latin typeface="Segoe UI" panose="020B0502040204020203" pitchFamily="34" charset="0"/>
                 <a:ea typeface="Times New Roman" panose="02020603050405020304" pitchFamily="18" charset="0"/>
@@ -6891,7 +6832,7 @@
               </a:rPr>
               <a:t>exercise </a:t>
             </a:r>
-            <a:r xmlns:a="http://schemas.openxmlformats.org/drawingml/2006/main">
+            <a:r>
               <a:rPr lang="en" sz="2000" kern="0" dirty="0" smtClean="0">
                 <a:latin typeface="Segoe UI" panose="020B0502040204020203" pitchFamily="34" charset="0"/>
                 <a:ea typeface="Times New Roman" panose="02020603050405020304" pitchFamily="18" charset="0"/>
@@ -6899,7 +6840,7 @@
               </a:rPr>
               <a:t>uses </a:t>
             </a:r>
-            <a:r xmlns:a="http://schemas.openxmlformats.org/drawingml/2006/main">
+            <a:r>
               <a:rPr lang="en" sz="2000" b="1" kern="0" dirty="0" smtClean="0">
                 <a:latin typeface="Segoe UI" panose="020B0502040204020203" pitchFamily="34" charset="0"/>
                 <a:ea typeface="Times New Roman" panose="02020603050405020304" pitchFamily="18" charset="0"/>
@@ -6907,7 +6848,7 @@
               </a:rPr>
               <a:t>Sample1.pbix </a:t>
             </a:r>
-            <a:r xmlns:a="http://schemas.openxmlformats.org/drawingml/2006/main">
+            <a:r>
               <a:rPr lang="en" sz="2000" kern="0" dirty="0" smtClean="0">
                 <a:latin typeface="Segoe UI" panose="020B0502040204020203" pitchFamily="34" charset="0"/>
                 <a:ea typeface="Times New Roman" panose="02020603050405020304" pitchFamily="18" charset="0"/>
@@ -6915,7 +6856,7 @@
               </a:rPr>
               <a:t>from </a:t>
             </a:r>
-            <a:r xmlns:a="http://schemas.openxmlformats.org/drawingml/2006/main">
+            <a:r>
               <a:rPr lang="en" sz="2000" b="1" kern="0" dirty="0" smtClean="0">
                 <a:latin typeface="Segoe UI" panose="020B0502040204020203" pitchFamily="34" charset="0"/>
                 <a:ea typeface="Times New Roman" panose="02020603050405020304" pitchFamily="18" charset="0"/>
@@ -6923,7 +6864,7 @@
               </a:rPr>
               <a:t>Products.xlsx </a:t>
             </a:r>
-            <a:r xmlns:a="http://schemas.openxmlformats.org/drawingml/2006/main">
+            <a:r>
               <a:rPr lang="en" sz="2000" kern="0" dirty="0" smtClean="0">
                 <a:latin typeface="Segoe UI" panose="020B0502040204020203" pitchFamily="34" charset="0"/>
                 <a:ea typeface="Times New Roman" panose="02020603050405020304" pitchFamily="18" charset="0"/>
@@ -6931,7 +6872,7 @@
               </a:rPr>
               <a:t>at the </a:t>
             </a:r>
-            <a:r xmlns:a="http://schemas.openxmlformats.org/drawingml/2006/main">
+            <a:r>
               <a:rPr lang="en" sz="2000" b="1" kern="0" dirty="0" smtClean="0">
                 <a:latin typeface="Segoe UI" panose="020B0502040204020203" pitchFamily="34" charset="0"/>
                 <a:ea typeface="Times New Roman" panose="02020603050405020304" pitchFamily="18" charset="0"/>
@@ -6939,7 +6880,7 @@
               </a:rPr>
               <a:t>Excel Sources </a:t>
             </a:r>
-            <a:r xmlns:a="http://schemas.openxmlformats.org/drawingml/2006/main">
+            <a:r>
               <a:rPr lang="en" sz="2000" kern="0" dirty="0" smtClean="0">
                 <a:latin typeface="Segoe UI" panose="020B0502040204020203" pitchFamily="34" charset="0"/>
                 <a:ea typeface="Times New Roman" panose="02020603050405020304" pitchFamily="18" charset="0"/>
@@ -6947,7 +6888,7 @@
               </a:rPr>
               <a:t>folder </a:t>
             </a:r>
-            <a:r xmlns:a="http://schemas.openxmlformats.org/drawingml/2006/main">
+            <a:r>
               <a:rPr lang="en" sz="2000" kern="0" dirty="0" err="1" smtClean="0">
                 <a:latin typeface="Segoe UI" panose="020B0502040204020203" pitchFamily="34" charset="0"/>
                 <a:ea typeface="Times New Roman" panose="02020603050405020304" pitchFamily="18" charset="0"/>
@@ -6955,7 +6896,7 @@
               </a:rPr>
               <a:t>level</a:t>
             </a:r>
-            <a:r xmlns:a="http://schemas.openxmlformats.org/drawingml/2006/main">
+            <a:r>
               <a:rPr lang="en" sz="2000" kern="0" dirty="0" smtClean="0">
                 <a:latin typeface="Segoe UI" panose="020B0502040204020203" pitchFamily="34" charset="0"/>
                 <a:ea typeface="Times New Roman" panose="02020603050405020304" pitchFamily="18" charset="0"/>
@@ -6963,7 +6904,7 @@
               </a:rPr>
               <a:t> </a:t>
             </a:r>
-            <a:endParaRPr xmlns:a="http://schemas.openxmlformats.org/drawingml/2006/main" lang="en-US" sz="3200" b="1" kern="0" dirty="0">
+            <a:endParaRPr lang="en-US" sz="3200" b="1" kern="0" dirty="0">
               <a:effectLst/>
               <a:latin typeface="Segoe UI" panose="020B0502040204020203" pitchFamily="34" charset="0"/>
               <a:ea typeface="Times New Roman" panose="02020603050405020304" pitchFamily="18" charset="0"/>
@@ -7058,21 +6999,21 @@
           </a:bodyPr>
           <a:lstStyle/>
           <a:p>
-            <a:r xmlns:a="http://schemas.openxmlformats.org/drawingml/2006/main">
+            <a:r>
               <a:rPr lang="en" sz="2400" b="1" dirty="0" err="1" smtClean="0">
                 <a:latin typeface="Segoe UI" panose="020B0502040204020203" pitchFamily="34" charset="0"/>
                 <a:cs typeface="Segoe UI" panose="020B0502040204020203" pitchFamily="34" charset="0"/>
               </a:rPr>
               <a:t>Deploy </a:t>
             </a:r>
-            <a:r xmlns:a="http://schemas.openxmlformats.org/drawingml/2006/main">
+            <a:r>
               <a:rPr lang="en" sz="2400" b="1" dirty="0" smtClean="0">
                 <a:latin typeface="Segoe UI" panose="020B0502040204020203" pitchFamily="34" charset="0"/>
                 <a:cs typeface="Segoe UI" panose="020B0502040204020203" pitchFamily="34" charset="0"/>
               </a:rPr>
               <a:t>reports</a:t>
             </a:r>
-            <a:endParaRPr xmlns:a="http://schemas.openxmlformats.org/drawingml/2006/main" lang="en-US" sz="2400" b="1" dirty="0">
+            <a:endParaRPr lang="en-US" sz="2400" b="1" dirty="0">
               <a:latin typeface="Segoe UI" panose="020B0502040204020203" pitchFamily="34" charset="0"/>
               <a:cs typeface="Segoe UI" panose="020B0502040204020203" pitchFamily="34" charset="0"/>
             </a:endParaRPr>
@@ -7100,7 +7041,7 @@
           </a:bodyPr>
           <a:lstStyle/>
           <a:p>
-            <a:pPr xmlns:a="http://schemas.openxmlformats.org/drawingml/2006/main" lvl="0">
+            <a:pPr lvl="0">
               <a:lnSpc>
                 <a:spcPct val="107000"/>
               </a:lnSpc>
@@ -7108,11 +7049,11 @@
                 <a:spcPts val="800"/>
               </a:spcAft>
             </a:pPr>
-            <a:r xmlns:a="http://schemas.openxmlformats.org/drawingml/2006/main">
+            <a:r>
               <a:rPr lang="en" sz="2000" dirty="0"/>
               <a:t>Save the report and publish it to the workspace of your choice by clicking the Select button.</a:t>
             </a:r>
-            <a:endParaRPr xmlns:a="http://schemas.openxmlformats.org/drawingml/2006/main" lang="en-US" sz="2000" dirty="0">
+            <a:endParaRPr lang="en-US" sz="2000" dirty="0">
               <a:latin typeface="Calibri" panose="020F0502020204030204" pitchFamily="34" charset="0"/>
               <a:ea typeface="Calibri" panose="020F0502020204030204" pitchFamily="34" charset="0"/>
               <a:cs typeface="Times New Roman" panose="02020603050405020304" pitchFamily="18" charset="0"/>
@@ -7240,21 +7181,21 @@
           </a:bodyPr>
           <a:lstStyle/>
           <a:p>
-            <a:r xmlns:a="http://schemas.openxmlformats.org/drawingml/2006/main">
+            <a:r>
               <a:rPr lang="en" sz="2400" b="1" dirty="0" err="1" smtClean="0">
                 <a:latin typeface="Segoe UI" panose="020B0502040204020203" pitchFamily="34" charset="0"/>
                 <a:cs typeface="Segoe UI" panose="020B0502040204020203" pitchFamily="34" charset="0"/>
               </a:rPr>
               <a:t>Deploy </a:t>
             </a:r>
-            <a:r xmlns:a="http://schemas.openxmlformats.org/drawingml/2006/main">
+            <a:r>
               <a:rPr lang="en" sz="2400" b="1" dirty="0" smtClean="0">
                 <a:latin typeface="Segoe UI" panose="020B0502040204020203" pitchFamily="34" charset="0"/>
                 <a:cs typeface="Segoe UI" panose="020B0502040204020203" pitchFamily="34" charset="0"/>
               </a:rPr>
               <a:t>reports</a:t>
             </a:r>
-            <a:endParaRPr xmlns:a="http://schemas.openxmlformats.org/drawingml/2006/main" lang="en-US" sz="2400" b="1" dirty="0">
+            <a:endParaRPr lang="en-US" sz="2400" b="1" dirty="0">
               <a:latin typeface="Segoe UI" panose="020B0502040204020203" pitchFamily="34" charset="0"/>
               <a:cs typeface="Segoe UI" panose="020B0502040204020203" pitchFamily="34" charset="0"/>
             </a:endParaRPr>
@@ -7399,12 +7340,12 @@
           <a:bodyPr rtlCol="0" anchor="ctr"/>
           <a:lstStyle/>
           <a:p>
-            <a:pPr xmlns:a="http://schemas.openxmlformats.org/drawingml/2006/main" algn="ctr"/>
-            <a:r xmlns:a="http://schemas.openxmlformats.org/drawingml/2006/main">
+            <a:pPr algn="ctr"/>
+            <a:r>
               <a:rPr lang="en" b="1" dirty="0" smtClean="0"/>
               <a:t>1</a:t>
             </a:r>
-            <a:endParaRPr xmlns:a="http://schemas.openxmlformats.org/drawingml/2006/main" lang="en-US" b="1" dirty="0"/>
+            <a:endParaRPr lang="en-US" b="1" dirty="0"/>
           </a:p>
         </p:txBody>
       </p:sp>
@@ -7444,12 +7385,12 @@
           <a:bodyPr rtlCol="0" anchor="ctr"/>
           <a:lstStyle/>
           <a:p>
-            <a:pPr xmlns:a="http://schemas.openxmlformats.org/drawingml/2006/main" algn="ctr"/>
-            <a:r xmlns:a="http://schemas.openxmlformats.org/drawingml/2006/main">
+            <a:pPr algn="ctr"/>
+            <a:r>
               <a:rPr lang="en" b="1" dirty="0" smtClean="0"/>
               <a:t>2</a:t>
             </a:r>
-            <a:endParaRPr xmlns:a="http://schemas.openxmlformats.org/drawingml/2006/main" lang="en-US" b="1" dirty="0"/>
+            <a:endParaRPr lang="en-US" b="1" dirty="0"/>
           </a:p>
         </p:txBody>
       </p:sp>
@@ -7489,12 +7430,12 @@
           <a:bodyPr rtlCol="0" anchor="ctr"/>
           <a:lstStyle/>
           <a:p>
-            <a:pPr xmlns:a="http://schemas.openxmlformats.org/drawingml/2006/main" algn="ctr"/>
-            <a:r xmlns:a="http://schemas.openxmlformats.org/drawingml/2006/main">
+            <a:pPr algn="ctr"/>
+            <a:r>
               <a:rPr lang="en" b="1" dirty="0" smtClean="0"/>
               <a:t>3</a:t>
             </a:r>
-            <a:endParaRPr xmlns:a="http://schemas.openxmlformats.org/drawingml/2006/main" lang="en-US" b="1" dirty="0"/>
+            <a:endParaRPr lang="en-US" b="1" dirty="0"/>
           </a:p>
         </p:txBody>
       </p:sp>
@@ -7519,7 +7460,7 @@
           </a:bodyPr>
           <a:lstStyle/>
           <a:p>
-            <a:pPr xmlns:a="http://schemas.openxmlformats.org/drawingml/2006/main" lvl="0">
+            <a:pPr lvl="0">
               <a:lnSpc>
                 <a:spcPct val="107000"/>
               </a:lnSpc>
@@ -7527,7 +7468,7 @@
                 <a:spcPts val="800"/>
               </a:spcAft>
             </a:pPr>
-            <a:r xmlns:a="http://schemas.openxmlformats.org/drawingml/2006/main">
+            <a:r>
               <a:rPr lang="en" sz="2000" dirty="0" smtClean="0">
                 <a:latin typeface="Calibri" panose="020F0502020204030204" pitchFamily="34" charset="0"/>
                 <a:ea typeface="Calibri" panose="020F0502020204030204" pitchFamily="34" charset="0"/>
@@ -7535,7 +7476,7 @@
               </a:rPr>
               <a:t>Select the workspace where the report will be published Ex: </a:t>
             </a:r>
-            <a:r xmlns:a="http://schemas.openxmlformats.org/drawingml/2006/main">
+            <a:r>
               <a:rPr lang="en" sz="2000" b="1" dirty="0" err="1" smtClean="0">
                 <a:latin typeface="Calibri" panose="020F0502020204030204" pitchFamily="34" charset="0"/>
                 <a:ea typeface="Calibri" panose="020F0502020204030204" pitchFamily="34" charset="0"/>
@@ -7543,7 +7484,7 @@
               </a:rPr>
               <a:t>My</a:t>
             </a:r>
-            <a:r xmlns:a="http://schemas.openxmlformats.org/drawingml/2006/main">
+            <a:r>
               <a:rPr lang="en" sz="2000" b="1" dirty="0" smtClean="0">
                 <a:latin typeface="Calibri" panose="020F0502020204030204" pitchFamily="34" charset="0"/>
                 <a:ea typeface="Calibri" panose="020F0502020204030204" pitchFamily="34" charset="0"/>
@@ -7551,7 +7492,7 @@
               </a:rPr>
               <a:t> </a:t>
             </a:r>
-            <a:r xmlns:a="http://schemas.openxmlformats.org/drawingml/2006/main">
+            <a:r>
               <a:rPr lang="en" sz="2000" b="1" dirty="0" err="1" smtClean="0">
                 <a:latin typeface="Calibri" panose="020F0502020204030204" pitchFamily="34" charset="0"/>
                 <a:ea typeface="Calibri" panose="020F0502020204030204" pitchFamily="34" charset="0"/>
@@ -7559,7 +7500,7 @@
               </a:rPr>
               <a:t>workspace</a:t>
             </a:r>
-            <a:endParaRPr xmlns:a="http://schemas.openxmlformats.org/drawingml/2006/main" lang="en-US" sz="2000" b="1" dirty="0">
+            <a:endParaRPr lang="en-US" sz="2000" b="1" dirty="0">
               <a:latin typeface="Calibri" panose="020F0502020204030204" pitchFamily="34" charset="0"/>
               <a:ea typeface="Calibri" panose="020F0502020204030204" pitchFamily="34" charset="0"/>
               <a:cs typeface="Times New Roman" panose="02020603050405020304" pitchFamily="18" charset="0"/>
@@ -7619,21 +7560,21 @@
           </a:bodyPr>
           <a:lstStyle/>
           <a:p>
-            <a:r xmlns:a="http://schemas.openxmlformats.org/drawingml/2006/main">
+            <a:r>
               <a:rPr lang="en" sz="2400" b="1" dirty="0" err="1" smtClean="0">
                 <a:latin typeface="Segoe UI" panose="020B0502040204020203" pitchFamily="34" charset="0"/>
                 <a:cs typeface="Segoe UI" panose="020B0502040204020203" pitchFamily="34" charset="0"/>
               </a:rPr>
               <a:t>Deploy </a:t>
             </a:r>
-            <a:r xmlns:a="http://schemas.openxmlformats.org/drawingml/2006/main">
+            <a:r>
               <a:rPr lang="en" sz="2400" b="1" dirty="0" smtClean="0">
                 <a:latin typeface="Segoe UI" panose="020B0502040204020203" pitchFamily="34" charset="0"/>
                 <a:cs typeface="Segoe UI" panose="020B0502040204020203" pitchFamily="34" charset="0"/>
               </a:rPr>
               <a:t>reports</a:t>
             </a:r>
-            <a:endParaRPr xmlns:a="http://schemas.openxmlformats.org/drawingml/2006/main" lang="en-US" sz="2400" b="1" dirty="0">
+            <a:endParaRPr lang="en-US" sz="2400" b="1" dirty="0">
               <a:latin typeface="Segoe UI" panose="020B0502040204020203" pitchFamily="34" charset="0"/>
               <a:cs typeface="Segoe UI" panose="020B0502040204020203" pitchFamily="34" charset="0"/>
             </a:endParaRPr>
@@ -7743,7 +7684,7 @@
           </a:bodyPr>
           <a:lstStyle/>
           <a:p>
-            <a:pPr xmlns:a="http://schemas.openxmlformats.org/drawingml/2006/main" lvl="0">
+            <a:pPr lvl="0">
               <a:lnSpc>
                 <a:spcPct val="107000"/>
               </a:lnSpc>
@@ -7751,7 +7692,7 @@
                 <a:spcPts val="800"/>
               </a:spcAft>
             </a:pPr>
-            <a:r xmlns:a="http://schemas.openxmlformats.org/drawingml/2006/main">
+            <a:r>
               <a:rPr lang="en" sz="2000" dirty="0" smtClean="0">
                 <a:latin typeface="Calibri" panose="020F0502020204030204" pitchFamily="34" charset="0"/>
                 <a:ea typeface="Calibri" panose="020F0502020204030204" pitchFamily="34" charset="0"/>
@@ -7759,7 +7700,7 @@
               </a:rPr>
               <a:t>Notice the presence of two files at the list level at the workspace level</a:t>
             </a:r>
-            <a:endParaRPr xmlns:a="http://schemas.openxmlformats.org/drawingml/2006/main" lang="en-US" sz="2000" b="1" dirty="0">
+            <a:endParaRPr lang="en-US" sz="2000" b="1" dirty="0">
               <a:latin typeface="Calibri" panose="020F0502020204030204" pitchFamily="34" charset="0"/>
               <a:ea typeface="Calibri" panose="020F0502020204030204" pitchFamily="34" charset="0"/>
               <a:cs typeface="Times New Roman" panose="02020603050405020304" pitchFamily="18" charset="0"/>
@@ -7819,21 +7760,21 @@
           </a:bodyPr>
           <a:lstStyle/>
           <a:p>
-            <a:r xmlns:a="http://schemas.openxmlformats.org/drawingml/2006/main">
+            <a:r>
               <a:rPr lang="en" sz="2400" b="1" dirty="0" err="1" smtClean="0">
                 <a:latin typeface="Segoe UI" panose="020B0502040204020203" pitchFamily="34" charset="0"/>
                 <a:cs typeface="Segoe UI" panose="020B0502040204020203" pitchFamily="34" charset="0"/>
               </a:rPr>
               <a:t>Deploy </a:t>
             </a:r>
-            <a:r xmlns:a="http://schemas.openxmlformats.org/drawingml/2006/main">
+            <a:r>
               <a:rPr lang="en" sz="2400" b="1" dirty="0" smtClean="0">
                 <a:latin typeface="Segoe UI" panose="020B0502040204020203" pitchFamily="34" charset="0"/>
                 <a:cs typeface="Segoe UI" panose="020B0502040204020203" pitchFamily="34" charset="0"/>
               </a:rPr>
               <a:t>reports</a:t>
             </a:r>
-            <a:endParaRPr xmlns:a="http://schemas.openxmlformats.org/drawingml/2006/main" lang="en-US" sz="2400" b="1" dirty="0">
+            <a:endParaRPr lang="en-US" sz="2400" b="1" dirty="0">
               <a:latin typeface="Segoe UI" panose="020B0502040204020203" pitchFamily="34" charset="0"/>
               <a:cs typeface="Segoe UI" panose="020B0502040204020203" pitchFamily="34" charset="0"/>
             </a:endParaRPr>
@@ -7861,19 +7802,19 @@
           </a:bodyPr>
           <a:lstStyle/>
           <a:p>
-            <a:r xmlns:a="http://schemas.openxmlformats.org/drawingml/2006/main">
+            <a:r>
               <a:rPr lang="en" sz="2000" dirty="0"/>
               <a:t>The second </a:t>
             </a:r>
-            <a:r xmlns:a="http://schemas.openxmlformats.org/drawingml/2006/main">
+            <a:r>
               <a:rPr lang="en" sz="2000" b="1" dirty="0"/>
               <a:t>Semantic Model file </a:t>
             </a:r>
-            <a:r xmlns:a="http://schemas.openxmlformats.org/drawingml/2006/main">
+            <a:r>
               <a:rPr lang="en" sz="2000" dirty="0"/>
               <a:t>is the presentation of the data model that provides a structured, meaningful, and user-friendly abstraction layer for the data.</a:t>
             </a:r>
-            <a:endParaRPr xmlns:a="http://schemas.openxmlformats.org/drawingml/2006/main" xmlns:r="http://schemas.openxmlformats.org/officeDocument/2006/relationships" lang="en-US" sz="2000" dirty="0">
+            <a:endParaRPr lang="en-US" sz="2000" dirty="0">
               <a:latin typeface="Segoe UI" panose="020B0502040204020203" pitchFamily="34" charset="0"/>
               <a:cs typeface="Segoe UI" panose="020B0502040204020203" pitchFamily="34" charset="0"/>
               <a:hlinkClick r:id="rId3"/>
@@ -8133,21 +8074,21 @@
           </a:bodyPr>
           <a:lstStyle/>
           <a:p>
-            <a:r xmlns:a="http://schemas.openxmlformats.org/drawingml/2006/main">
+            <a:r>
               <a:rPr lang="en" sz="2400" b="1" dirty="0" err="1" smtClean="0">
                 <a:latin typeface="Segoe UI" panose="020B0502040204020203" pitchFamily="34" charset="0"/>
                 <a:cs typeface="Segoe UI" panose="020B0502040204020203" pitchFamily="34" charset="0"/>
               </a:rPr>
               <a:t>Deploy </a:t>
             </a:r>
-            <a:r xmlns:a="http://schemas.openxmlformats.org/drawingml/2006/main">
+            <a:r>
               <a:rPr lang="en" sz="2400" b="1" dirty="0" smtClean="0">
                 <a:latin typeface="Segoe UI" panose="020B0502040204020203" pitchFamily="34" charset="0"/>
                 <a:cs typeface="Segoe UI" panose="020B0502040204020203" pitchFamily="34" charset="0"/>
               </a:rPr>
               <a:t>reports</a:t>
             </a:r>
-            <a:endParaRPr xmlns:a="http://schemas.openxmlformats.org/drawingml/2006/main" lang="en-US" sz="2400" b="1" dirty="0">
+            <a:endParaRPr lang="en-US" sz="2400" b="1" dirty="0">
               <a:latin typeface="Segoe UI" panose="020B0502040204020203" pitchFamily="34" charset="0"/>
               <a:cs typeface="Segoe UI" panose="020B0502040204020203" pitchFamily="34" charset="0"/>
             </a:endParaRPr>
@@ -8402,12 +8343,12 @@
           <a:bodyPr rtlCol="0" anchor="ctr"/>
           <a:lstStyle/>
           <a:p>
-            <a:pPr xmlns:a="http://schemas.openxmlformats.org/drawingml/2006/main" algn="ctr"/>
-            <a:r xmlns:a="http://schemas.openxmlformats.org/drawingml/2006/main">
+            <a:pPr algn="ctr"/>
+            <a:r>
               <a:rPr lang="en" b="1" dirty="0" smtClean="0"/>
               <a:t>1</a:t>
             </a:r>
-            <a:endParaRPr xmlns:a="http://schemas.openxmlformats.org/drawingml/2006/main" lang="en-US" b="1" dirty="0"/>
+            <a:endParaRPr lang="en-US" b="1" dirty="0"/>
           </a:p>
         </p:txBody>
       </p:sp>
@@ -8447,12 +8388,12 @@
           <a:bodyPr rtlCol="0" anchor="ctr"/>
           <a:lstStyle/>
           <a:p>
-            <a:pPr xmlns:a="http://schemas.openxmlformats.org/drawingml/2006/main" algn="ctr"/>
-            <a:r xmlns:a="http://schemas.openxmlformats.org/drawingml/2006/main">
+            <a:pPr algn="ctr"/>
+            <a:r>
               <a:rPr lang="en" b="1" dirty="0" smtClean="0"/>
               <a:t>2</a:t>
             </a:r>
-            <a:endParaRPr xmlns:a="http://schemas.openxmlformats.org/drawingml/2006/main" lang="en-US" b="1" dirty="0"/>
+            <a:endParaRPr lang="en-US" b="1" dirty="0"/>
           </a:p>
         </p:txBody>
       </p:sp>
@@ -8477,11 +8418,11 @@
           </a:bodyPr>
           <a:lstStyle/>
           <a:p>
-            <a:r xmlns:a="http://schemas.openxmlformats.org/drawingml/2006/main">
+            <a:r>
               <a:rPr lang="en" sz="2000" dirty="0"/>
               <a:t>Next, the gateway must be checked and configured correctly to ensure that data is refreshed when needed.</a:t>
             </a:r>
-            <a:endParaRPr xmlns:a="http://schemas.openxmlformats.org/drawingml/2006/main" lang="en-US" sz="2000" dirty="0"/>
+            <a:endParaRPr lang="en-US" sz="2000" dirty="0"/>
           </a:p>
         </p:txBody>
       </p:sp>
@@ -8537,21 +8478,21 @@
           </a:bodyPr>
           <a:lstStyle/>
           <a:p>
-            <a:r xmlns:a="http://schemas.openxmlformats.org/drawingml/2006/main">
+            <a:r>
               <a:rPr lang="en" sz="2400" b="1" dirty="0" err="1" smtClean="0">
                 <a:latin typeface="Segoe UI" panose="020B0502040204020203" pitchFamily="34" charset="0"/>
                 <a:cs typeface="Segoe UI" panose="020B0502040204020203" pitchFamily="34" charset="0"/>
               </a:rPr>
               <a:t>Deploy </a:t>
             </a:r>
-            <a:r xmlns:a="http://schemas.openxmlformats.org/drawingml/2006/main">
+            <a:r>
               <a:rPr lang="en" sz="2400" b="1" dirty="0" smtClean="0">
                 <a:latin typeface="Segoe UI" panose="020B0502040204020203" pitchFamily="34" charset="0"/>
                 <a:cs typeface="Segoe UI" panose="020B0502040204020203" pitchFamily="34" charset="0"/>
               </a:rPr>
               <a:t>reports</a:t>
             </a:r>
-            <a:endParaRPr xmlns:a="http://schemas.openxmlformats.org/drawingml/2006/main" lang="en-US" sz="2400" b="1" dirty="0">
+            <a:endParaRPr lang="en-US" sz="2400" b="1" dirty="0">
               <a:latin typeface="Segoe UI" panose="020B0502040204020203" pitchFamily="34" charset="0"/>
               <a:cs typeface="Segoe UI" panose="020B0502040204020203" pitchFamily="34" charset="0"/>
             </a:endParaRPr>
@@ -8661,11 +8602,11 @@
           </a:bodyPr>
           <a:lstStyle/>
           <a:p>
-            <a:r xmlns:a="http://schemas.openxmlformats.org/drawingml/2006/main">
+            <a:r>
               <a:rPr lang="en" sz="2000" dirty="0"/>
               <a:t>We need to check if the connection is created and established with the local data source.</a:t>
             </a:r>
-            <a:endParaRPr xmlns:a="http://schemas.openxmlformats.org/drawingml/2006/main" lang="en-US" sz="2000" dirty="0"/>
+            <a:endParaRPr lang="en-US" sz="2000" dirty="0"/>
           </a:p>
         </p:txBody>
       </p:sp>
@@ -8721,21 +8662,21 @@
           </a:bodyPr>
           <a:lstStyle/>
           <a:p>
-            <a:r xmlns:a="http://schemas.openxmlformats.org/drawingml/2006/main">
+            <a:r>
               <a:rPr lang="en" sz="2400" b="1" dirty="0" err="1" smtClean="0">
                 <a:latin typeface="Segoe UI" panose="020B0502040204020203" pitchFamily="34" charset="0"/>
                 <a:cs typeface="Segoe UI" panose="020B0502040204020203" pitchFamily="34" charset="0"/>
               </a:rPr>
               <a:t>Deploy </a:t>
             </a:r>
-            <a:r xmlns:a="http://schemas.openxmlformats.org/drawingml/2006/main">
+            <a:r>
               <a:rPr lang="en" sz="2400" b="1" dirty="0" smtClean="0">
                 <a:latin typeface="Segoe UI" panose="020B0502040204020203" pitchFamily="34" charset="0"/>
                 <a:cs typeface="Segoe UI" panose="020B0502040204020203" pitchFamily="34" charset="0"/>
               </a:rPr>
               <a:t>reports</a:t>
             </a:r>
-            <a:endParaRPr xmlns:a="http://schemas.openxmlformats.org/drawingml/2006/main" lang="en-US" sz="2400" b="1" dirty="0">
+            <a:endParaRPr lang="en-US" sz="2400" b="1" dirty="0">
               <a:latin typeface="Segoe UI" panose="020B0502040204020203" pitchFamily="34" charset="0"/>
               <a:cs typeface="Segoe UI" panose="020B0502040204020203" pitchFamily="34" charset="0"/>
             </a:endParaRPr>
@@ -8950,15 +8891,15 @@
           </a:bodyPr>
           <a:lstStyle/>
           <a:p>
-            <a:r xmlns:a="http://schemas.openxmlformats.org/drawingml/2006/main">
+            <a:r>
               <a:rPr lang="en" sz="2000" dirty="0"/>
               <a:t>Otherwise, we need to check the data gateway by clicking the </a:t>
             </a:r>
-            <a:r xmlns:a="http://schemas.openxmlformats.org/drawingml/2006/main">
+            <a:r>
               <a:rPr lang="en" sz="2000" dirty="0" smtClean="0"/>
               <a:t>button</a:t>
             </a:r>
-            <a:endParaRPr xmlns:a="http://schemas.openxmlformats.org/drawingml/2006/main" lang="en-US" sz="2000" dirty="0"/>
+            <a:endParaRPr lang="en-US" sz="2000" dirty="0"/>
           </a:p>
         </p:txBody>
       </p:sp>
@@ -8983,11 +8924,11 @@
           </a:bodyPr>
           <a:lstStyle/>
           <a:p>
-            <a:r xmlns:a="http://schemas.openxmlformats.org/drawingml/2006/main">
+            <a:r>
               <a:rPr lang="en" sz="2000"/>
               <a:t>We also need to check the connection status.</a:t>
             </a:r>
-            <a:endParaRPr xmlns:a="http://schemas.openxmlformats.org/drawingml/2006/main" lang="en-US" sz="2000" dirty="0"/>
+            <a:endParaRPr lang="en-US" sz="2000" dirty="0"/>
           </a:p>
         </p:txBody>
       </p:sp>
